--- a/Figs/Vector/sparsification.pptx
+++ b/Figs/Vector/sparsification.pptx
@@ -2,10 +2,10 @@
 <file path=ppt/presentation.xml><?xml version="1.0" encoding="utf-8"?>
 <p:presentation xmlns:a="http://schemas.openxmlformats.org/drawingml/2006/main" xmlns:r="http://schemas.openxmlformats.org/officeDocument/2006/relationships" xmlns:p="http://schemas.openxmlformats.org/presentationml/2006/main" saveSubsetFonts="1">
   <p:sldMasterIdLst>
-    <p:sldMasterId id="2147483732" r:id="rId1"/>
+    <p:sldMasterId id="2147483744" r:id="rId1"/>
   </p:sldMasterIdLst>
   <p:notesMasterIdLst>
-    <p:notesMasterId r:id="rId8"/>
+    <p:notesMasterId r:id="rId9"/>
   </p:notesMasterIdLst>
   <p:sldIdLst>
     <p:sldId id="606" r:id="rId2"/>
@@ -14,15 +14,16 @@
     <p:sldId id="616" r:id="rId5"/>
     <p:sldId id="618" r:id="rId6"/>
     <p:sldId id="617" r:id="rId7"/>
+    <p:sldId id="619" r:id="rId8"/>
   </p:sldIdLst>
-  <p:sldSz cx="14758988" cy="5400675"/>
+  <p:sldSz cx="14758988" cy="9144000"/>
   <p:notesSz cx="6858000" cy="9144000"/>
   <p:defaultTextStyle>
     <a:defPPr>
       <a:defRPr lang="en-US"/>
     </a:defPPr>
-    <a:lvl1pPr marL="0" algn="l" defTabSz="685532" rtl="0" eaLnBrk="1" latinLnBrk="0" hangingPunct="1">
-      <a:defRPr sz="1349" kern="1200">
+    <a:lvl1pPr marL="0" algn="l" defTabSz="457200" rtl="0" eaLnBrk="1" latinLnBrk="0" hangingPunct="1">
+      <a:defRPr sz="1800" kern="1200">
         <a:solidFill>
           <a:schemeClr val="tx1"/>
         </a:solidFill>
@@ -31,8 +32,8 @@
         <a:cs typeface="+mn-cs"/>
       </a:defRPr>
     </a:lvl1pPr>
-    <a:lvl2pPr marL="342767" algn="l" defTabSz="685532" rtl="0" eaLnBrk="1" latinLnBrk="0" hangingPunct="1">
-      <a:defRPr sz="1349" kern="1200">
+    <a:lvl2pPr marL="457200" algn="l" defTabSz="457200" rtl="0" eaLnBrk="1" latinLnBrk="0" hangingPunct="1">
+      <a:defRPr sz="1800" kern="1200">
         <a:solidFill>
           <a:schemeClr val="tx1"/>
         </a:solidFill>
@@ -41,8 +42,8 @@
         <a:cs typeface="+mn-cs"/>
       </a:defRPr>
     </a:lvl2pPr>
-    <a:lvl3pPr marL="685532" algn="l" defTabSz="685532" rtl="0" eaLnBrk="1" latinLnBrk="0" hangingPunct="1">
-      <a:defRPr sz="1349" kern="1200">
+    <a:lvl3pPr marL="914400" algn="l" defTabSz="457200" rtl="0" eaLnBrk="1" latinLnBrk="0" hangingPunct="1">
+      <a:defRPr sz="1800" kern="1200">
         <a:solidFill>
           <a:schemeClr val="tx1"/>
         </a:solidFill>
@@ -51,8 +52,8 @@
         <a:cs typeface="+mn-cs"/>
       </a:defRPr>
     </a:lvl3pPr>
-    <a:lvl4pPr marL="1028298" algn="l" defTabSz="685532" rtl="0" eaLnBrk="1" latinLnBrk="0" hangingPunct="1">
-      <a:defRPr sz="1349" kern="1200">
+    <a:lvl4pPr marL="1371600" algn="l" defTabSz="457200" rtl="0" eaLnBrk="1" latinLnBrk="0" hangingPunct="1">
+      <a:defRPr sz="1800" kern="1200">
         <a:solidFill>
           <a:schemeClr val="tx1"/>
         </a:solidFill>
@@ -61,8 +62,8 @@
         <a:cs typeface="+mn-cs"/>
       </a:defRPr>
     </a:lvl4pPr>
-    <a:lvl5pPr marL="1371065" algn="l" defTabSz="685532" rtl="0" eaLnBrk="1" latinLnBrk="0" hangingPunct="1">
-      <a:defRPr sz="1349" kern="1200">
+    <a:lvl5pPr marL="1828800" algn="l" defTabSz="457200" rtl="0" eaLnBrk="1" latinLnBrk="0" hangingPunct="1">
+      <a:defRPr sz="1800" kern="1200">
         <a:solidFill>
           <a:schemeClr val="tx1"/>
         </a:solidFill>
@@ -71,8 +72,8 @@
         <a:cs typeface="+mn-cs"/>
       </a:defRPr>
     </a:lvl5pPr>
-    <a:lvl6pPr marL="1713830" algn="l" defTabSz="685532" rtl="0" eaLnBrk="1" latinLnBrk="0" hangingPunct="1">
-      <a:defRPr sz="1349" kern="1200">
+    <a:lvl6pPr marL="2286000" algn="l" defTabSz="457200" rtl="0" eaLnBrk="1" latinLnBrk="0" hangingPunct="1">
+      <a:defRPr sz="1800" kern="1200">
         <a:solidFill>
           <a:schemeClr val="tx1"/>
         </a:solidFill>
@@ -81,8 +82,8 @@
         <a:cs typeface="+mn-cs"/>
       </a:defRPr>
     </a:lvl6pPr>
-    <a:lvl7pPr marL="2056596" algn="l" defTabSz="685532" rtl="0" eaLnBrk="1" latinLnBrk="0" hangingPunct="1">
-      <a:defRPr sz="1349" kern="1200">
+    <a:lvl7pPr marL="2743200" algn="l" defTabSz="457200" rtl="0" eaLnBrk="1" latinLnBrk="0" hangingPunct="1">
+      <a:defRPr sz="1800" kern="1200">
         <a:solidFill>
           <a:schemeClr val="tx1"/>
         </a:solidFill>
@@ -91,8 +92,8 @@
         <a:cs typeface="+mn-cs"/>
       </a:defRPr>
     </a:lvl7pPr>
-    <a:lvl8pPr marL="2399363" algn="l" defTabSz="685532" rtl="0" eaLnBrk="1" latinLnBrk="0" hangingPunct="1">
-      <a:defRPr sz="1349" kern="1200">
+    <a:lvl8pPr marL="3200400" algn="l" defTabSz="457200" rtl="0" eaLnBrk="1" latinLnBrk="0" hangingPunct="1">
+      <a:defRPr sz="1800" kern="1200">
         <a:solidFill>
           <a:schemeClr val="tx1"/>
         </a:solidFill>
@@ -101,8 +102,8 @@
         <a:cs typeface="+mn-cs"/>
       </a:defRPr>
     </a:lvl8pPr>
-    <a:lvl9pPr marL="2742128" algn="l" defTabSz="685532" rtl="0" eaLnBrk="1" latinLnBrk="0" hangingPunct="1">
-      <a:defRPr sz="1349" kern="1200">
+    <a:lvl9pPr marL="3657600" algn="l" defTabSz="457200" rtl="0" eaLnBrk="1" latinLnBrk="0" hangingPunct="1">
+      <a:defRPr sz="1800" kern="1200">
         <a:solidFill>
           <a:schemeClr val="tx1"/>
         </a:solidFill>
@@ -115,7 +116,7 @@
   <p:extLst>
     <p:ext uri="{EFAFB233-063F-42B5-8137-9DF3F51BA10A}">
       <p15:sldGuideLst xmlns:p15="http://schemas.microsoft.com/office/powerpoint/2012/main">
-        <p15:guide id="1" orient="horz" pos="1905" userDrawn="1">
+        <p15:guide id="1" orient="horz" pos="3225" userDrawn="1">
           <p15:clr>
             <a:srgbClr val="A4A3A4"/>
           </p15:clr>
@@ -132,6 +133,10 @@
     </p:ext>
   </p:extLst>
 </p:presentation>
+</file>
+
+<file path=ppt/revisionInfo.xml><?xml version="1.0" encoding="utf-8"?>
+<p1510:revInfo xmlns:a="http://schemas.openxmlformats.org/drawingml/2006/main" xmlns:r="http://schemas.openxmlformats.org/officeDocument/2006/relationships" xmlns:p1510="http://schemas.microsoft.com/office/powerpoint/2015/10/main"/>
 </file>
 
 <file path=ppt/notesMasters/notesMaster1.xml><?xml version="1.0" encoding="utf-8"?>
@@ -216,7 +221,7 @@
           <a:p>
             <a:fld id="{55F84DDE-8DD5-4235-9C2C-576BEFBBE3A5}" type="datetimeFigureOut">
               <a:rPr lang="en-GB" smtClean="0"/>
-              <a:t>26/04/2016</a:t>
+              <a:t>28/09/2017</a:t>
             </a:fld>
             <a:endParaRPr lang="en-GB"/>
           </a:p>
@@ -234,8 +239,8 @@
         </p:nvSpPr>
         <p:spPr>
           <a:xfrm>
-            <a:off x="-787400" y="1143000"/>
-            <a:ext cx="8432800" cy="3086100"/>
+            <a:off x="938213" y="1143000"/>
+            <a:ext cx="4981575" cy="3086100"/>
           </a:xfrm>
           <a:prstGeom prst="rect">
             <a:avLst/>
@@ -513,15 +518,15 @@
         </p:nvSpPr>
         <p:spPr>
           <a:xfrm>
-            <a:off x="1844874" y="883861"/>
-            <a:ext cx="11069241" cy="1880235"/>
+            <a:off x="1844874" y="1496484"/>
+            <a:ext cx="11069241" cy="3183467"/>
           </a:xfrm>
         </p:spPr>
         <p:txBody>
           <a:bodyPr anchor="b"/>
           <a:lstStyle>
             <a:lvl1pPr algn="ctr">
-              <a:defRPr sz="4725"/>
+              <a:defRPr sz="7263"/>
             </a:lvl1pPr>
           </a:lstStyle>
           <a:p>
@@ -545,8 +550,8 @@
         </p:nvSpPr>
         <p:spPr>
           <a:xfrm>
-            <a:off x="1844874" y="2836605"/>
-            <a:ext cx="11069241" cy="1303913"/>
+            <a:off x="1844874" y="4802717"/>
+            <a:ext cx="11069241" cy="2207683"/>
           </a:xfrm>
         </p:spPr>
         <p:txBody>
@@ -554,39 +559,39 @@
           <a:lstStyle>
             <a:lvl1pPr marL="0" indent="0" algn="ctr">
               <a:buNone/>
-              <a:defRPr sz="1890"/>
+              <a:defRPr sz="2905"/>
             </a:lvl1pPr>
-            <a:lvl2pPr marL="360045" indent="0" algn="ctr">
+            <a:lvl2pPr marL="553441" indent="0" algn="ctr">
               <a:buNone/>
-              <a:defRPr sz="1575"/>
+              <a:defRPr sz="2421"/>
             </a:lvl2pPr>
-            <a:lvl3pPr marL="720090" indent="0" algn="ctr">
+            <a:lvl3pPr marL="1106881" indent="0" algn="ctr">
               <a:buNone/>
-              <a:defRPr sz="1418"/>
+              <a:defRPr sz="2179"/>
             </a:lvl3pPr>
-            <a:lvl4pPr marL="1080135" indent="0" algn="ctr">
+            <a:lvl4pPr marL="1660322" indent="0" algn="ctr">
               <a:buNone/>
-              <a:defRPr sz="1260"/>
+              <a:defRPr sz="1937"/>
             </a:lvl4pPr>
-            <a:lvl5pPr marL="1440180" indent="0" algn="ctr">
+            <a:lvl5pPr marL="2213762" indent="0" algn="ctr">
               <a:buNone/>
-              <a:defRPr sz="1260"/>
+              <a:defRPr sz="1937"/>
             </a:lvl5pPr>
-            <a:lvl6pPr marL="1800225" indent="0" algn="ctr">
+            <a:lvl6pPr marL="2767203" indent="0" algn="ctr">
               <a:buNone/>
-              <a:defRPr sz="1260"/>
+              <a:defRPr sz="1937"/>
             </a:lvl6pPr>
-            <a:lvl7pPr marL="2160270" indent="0" algn="ctr">
+            <a:lvl7pPr marL="3320644" indent="0" algn="ctr">
               <a:buNone/>
-              <a:defRPr sz="1260"/>
+              <a:defRPr sz="1937"/>
             </a:lvl7pPr>
-            <a:lvl8pPr marL="2520315" indent="0" algn="ctr">
+            <a:lvl8pPr marL="3874084" indent="0" algn="ctr">
               <a:buNone/>
-              <a:defRPr sz="1260"/>
+              <a:defRPr sz="1937"/>
             </a:lvl8pPr>
-            <a:lvl9pPr marL="2880360" indent="0" algn="ctr">
+            <a:lvl9pPr marL="4427525" indent="0" algn="ctr">
               <a:buNone/>
-              <a:defRPr sz="1260"/>
+              <a:defRPr sz="1937"/>
             </a:lvl9pPr>
           </a:lstStyle>
           <a:p>
@@ -615,7 +620,7 @@
           <a:p>
             <a:fld id="{EB30E7E4-13DE-445B-9218-4E7CBAC44123}" type="datetimeFigureOut">
               <a:rPr lang="en-GB" smtClean="0"/>
-              <a:t>26/04/2016</a:t>
+              <a:t>28/09/2017</a:t>
             </a:fld>
             <a:endParaRPr lang="en-GB"/>
           </a:p>
@@ -666,7 +671,7 @@
     </p:spTree>
     <p:extLst>
       <p:ext uri="{BB962C8B-B14F-4D97-AF65-F5344CB8AC3E}">
-        <p14:creationId xmlns:p14="http://schemas.microsoft.com/office/powerpoint/2010/main" val="377497613"/>
+        <p14:creationId xmlns:p14="http://schemas.microsoft.com/office/powerpoint/2010/main" val="2740253730"/>
       </p:ext>
     </p:extLst>
   </p:cSld>
@@ -734,7 +739,7 @@
             <a:pPr lvl="0"/>
             <a:r>
               <a:rPr lang="en-US"/>
-              <a:t>Click to edit Master text styles</a:t>
+              <a:t>Edit Master text styles</a:t>
             </a:r>
           </a:p>
           <a:p>
@@ -785,7 +790,7 @@
           <a:p>
             <a:fld id="{EB30E7E4-13DE-445B-9218-4E7CBAC44123}" type="datetimeFigureOut">
               <a:rPr lang="en-GB" smtClean="0"/>
-              <a:t>26/04/2016</a:t>
+              <a:t>28/09/2017</a:t>
             </a:fld>
             <a:endParaRPr lang="en-GB"/>
           </a:p>
@@ -836,7 +841,7 @@
     </p:spTree>
     <p:extLst>
       <p:ext uri="{BB962C8B-B14F-4D97-AF65-F5344CB8AC3E}">
-        <p14:creationId xmlns:p14="http://schemas.microsoft.com/office/powerpoint/2010/main" val="4185501530"/>
+        <p14:creationId xmlns:p14="http://schemas.microsoft.com/office/powerpoint/2010/main" val="2479679450"/>
       </p:ext>
     </p:extLst>
   </p:cSld>
@@ -875,8 +880,8 @@
         </p:nvSpPr>
         <p:spPr>
           <a:xfrm>
-            <a:off x="10561901" y="287536"/>
-            <a:ext cx="3182407" cy="4576822"/>
+            <a:off x="10561901" y="486834"/>
+            <a:ext cx="3182407" cy="7749117"/>
           </a:xfrm>
         </p:spPr>
         <p:txBody>
@@ -903,8 +908,8 @@
         </p:nvSpPr>
         <p:spPr>
           <a:xfrm>
-            <a:off x="1014680" y="287536"/>
-            <a:ext cx="9362733" cy="4576822"/>
+            <a:off x="1014680" y="486834"/>
+            <a:ext cx="9362733" cy="7749117"/>
           </a:xfrm>
         </p:spPr>
         <p:txBody>
@@ -914,7 +919,7 @@
             <a:pPr lvl="0"/>
             <a:r>
               <a:rPr lang="en-US"/>
-              <a:t>Click to edit Master text styles</a:t>
+              <a:t>Edit Master text styles</a:t>
             </a:r>
           </a:p>
           <a:p>
@@ -965,7 +970,7 @@
           <a:p>
             <a:fld id="{EB30E7E4-13DE-445B-9218-4E7CBAC44123}" type="datetimeFigureOut">
               <a:rPr lang="en-GB" smtClean="0"/>
-              <a:t>26/04/2016</a:t>
+              <a:t>28/09/2017</a:t>
             </a:fld>
             <a:endParaRPr lang="en-GB"/>
           </a:p>
@@ -1016,7 +1021,7 @@
     </p:spTree>
     <p:extLst>
       <p:ext uri="{BB962C8B-B14F-4D97-AF65-F5344CB8AC3E}">
-        <p14:creationId xmlns:p14="http://schemas.microsoft.com/office/powerpoint/2010/main" val="3654291419"/>
+        <p14:creationId xmlns:p14="http://schemas.microsoft.com/office/powerpoint/2010/main" val="549279307"/>
       </p:ext>
     </p:extLst>
   </p:cSld>
@@ -1084,7 +1089,7 @@
             <a:pPr lvl="0"/>
             <a:r>
               <a:rPr lang="en-US"/>
-              <a:t>Click to edit Master text styles</a:t>
+              <a:t>Edit Master text styles</a:t>
             </a:r>
           </a:p>
           <a:p>
@@ -1135,7 +1140,7 @@
           <a:p>
             <a:fld id="{EB30E7E4-13DE-445B-9218-4E7CBAC44123}" type="datetimeFigureOut">
               <a:rPr lang="en-GB" smtClean="0"/>
-              <a:t>26/04/2016</a:t>
+              <a:t>28/09/2017</a:t>
             </a:fld>
             <a:endParaRPr lang="en-GB"/>
           </a:p>
@@ -1186,7 +1191,7 @@
     </p:spTree>
     <p:extLst>
       <p:ext uri="{BB962C8B-B14F-4D97-AF65-F5344CB8AC3E}">
-        <p14:creationId xmlns:p14="http://schemas.microsoft.com/office/powerpoint/2010/main" val="4233164592"/>
+        <p14:creationId xmlns:p14="http://schemas.microsoft.com/office/powerpoint/2010/main" val="3090144873"/>
       </p:ext>
     </p:extLst>
   </p:cSld>
@@ -1225,15 +1230,15 @@
         </p:nvSpPr>
         <p:spPr>
           <a:xfrm>
-            <a:off x="1006994" y="1346419"/>
-            <a:ext cx="12729627" cy="2246530"/>
+            <a:off x="1006994" y="2279652"/>
+            <a:ext cx="12729627" cy="3803649"/>
           </a:xfrm>
         </p:spPr>
         <p:txBody>
           <a:bodyPr anchor="b"/>
           <a:lstStyle>
             <a:lvl1pPr>
-              <a:defRPr sz="4725"/>
+              <a:defRPr sz="7263"/>
             </a:lvl1pPr>
           </a:lstStyle>
           <a:p>
@@ -1257,8 +1262,8 @@
         </p:nvSpPr>
         <p:spPr>
           <a:xfrm>
-            <a:off x="1006994" y="3614203"/>
-            <a:ext cx="12729627" cy="1181397"/>
+            <a:off x="1006994" y="6119285"/>
+            <a:ext cx="12729627" cy="2000249"/>
           </a:xfrm>
         </p:spPr>
         <p:txBody>
@@ -1266,7 +1271,7 @@
           <a:lstStyle>
             <a:lvl1pPr marL="0" indent="0">
               <a:buNone/>
-              <a:defRPr sz="1890">
+              <a:defRPr sz="2905">
                 <a:solidFill>
                   <a:schemeClr val="tx1">
                     <a:tint val="75000"/>
@@ -1274,9 +1279,9 @@
                 </a:solidFill>
               </a:defRPr>
             </a:lvl1pPr>
-            <a:lvl2pPr marL="360045" indent="0">
+            <a:lvl2pPr marL="553441" indent="0">
               <a:buNone/>
-              <a:defRPr sz="1575">
+              <a:defRPr sz="2421">
                 <a:solidFill>
                   <a:schemeClr val="tx1">
                     <a:tint val="75000"/>
@@ -1284,9 +1289,9 @@
                 </a:solidFill>
               </a:defRPr>
             </a:lvl2pPr>
-            <a:lvl3pPr marL="720090" indent="0">
+            <a:lvl3pPr marL="1106881" indent="0">
               <a:buNone/>
-              <a:defRPr sz="1418">
+              <a:defRPr sz="2179">
                 <a:solidFill>
                   <a:schemeClr val="tx1">
                     <a:tint val="75000"/>
@@ -1294,9 +1299,9 @@
                 </a:solidFill>
               </a:defRPr>
             </a:lvl3pPr>
-            <a:lvl4pPr marL="1080135" indent="0">
+            <a:lvl4pPr marL="1660322" indent="0">
               <a:buNone/>
-              <a:defRPr sz="1260">
+              <a:defRPr sz="1937">
                 <a:solidFill>
                   <a:schemeClr val="tx1">
                     <a:tint val="75000"/>
@@ -1304,9 +1309,9 @@
                 </a:solidFill>
               </a:defRPr>
             </a:lvl4pPr>
-            <a:lvl5pPr marL="1440180" indent="0">
+            <a:lvl5pPr marL="2213762" indent="0">
               <a:buNone/>
-              <a:defRPr sz="1260">
+              <a:defRPr sz="1937">
                 <a:solidFill>
                   <a:schemeClr val="tx1">
                     <a:tint val="75000"/>
@@ -1314,9 +1319,9 @@
                 </a:solidFill>
               </a:defRPr>
             </a:lvl5pPr>
-            <a:lvl6pPr marL="1800225" indent="0">
+            <a:lvl6pPr marL="2767203" indent="0">
               <a:buNone/>
-              <a:defRPr sz="1260">
+              <a:defRPr sz="1937">
                 <a:solidFill>
                   <a:schemeClr val="tx1">
                     <a:tint val="75000"/>
@@ -1324,9 +1329,9 @@
                 </a:solidFill>
               </a:defRPr>
             </a:lvl6pPr>
-            <a:lvl7pPr marL="2160270" indent="0">
+            <a:lvl7pPr marL="3320644" indent="0">
               <a:buNone/>
-              <a:defRPr sz="1260">
+              <a:defRPr sz="1937">
                 <a:solidFill>
                   <a:schemeClr val="tx1">
                     <a:tint val="75000"/>
@@ -1334,9 +1339,9 @@
                 </a:solidFill>
               </a:defRPr>
             </a:lvl7pPr>
-            <a:lvl8pPr marL="2520315" indent="0">
+            <a:lvl8pPr marL="3874084" indent="0">
               <a:buNone/>
-              <a:defRPr sz="1260">
+              <a:defRPr sz="1937">
                 <a:solidFill>
                   <a:schemeClr val="tx1">
                     <a:tint val="75000"/>
@@ -1344,9 +1349,9 @@
                 </a:solidFill>
               </a:defRPr>
             </a:lvl8pPr>
-            <a:lvl9pPr marL="2880360" indent="0">
+            <a:lvl9pPr marL="4427525" indent="0">
               <a:buNone/>
-              <a:defRPr sz="1260">
+              <a:defRPr sz="1937">
                 <a:solidFill>
                   <a:schemeClr val="tx1">
                     <a:tint val="75000"/>
@@ -1359,7 +1364,7 @@
             <a:pPr lvl="0"/>
             <a:r>
               <a:rPr lang="en-US"/>
-              <a:t>Click to edit Master text styles</a:t>
+              <a:t>Edit Master text styles</a:t>
             </a:r>
           </a:p>
         </p:txBody>
@@ -1381,7 +1386,7 @@
           <a:p>
             <a:fld id="{EB30E7E4-13DE-445B-9218-4E7CBAC44123}" type="datetimeFigureOut">
               <a:rPr lang="en-GB" smtClean="0"/>
-              <a:t>26/04/2016</a:t>
+              <a:t>28/09/2017</a:t>
             </a:fld>
             <a:endParaRPr lang="en-GB"/>
           </a:p>
@@ -1432,7 +1437,7 @@
     </p:spTree>
     <p:extLst>
       <p:ext uri="{BB962C8B-B14F-4D97-AF65-F5344CB8AC3E}">
-        <p14:creationId xmlns:p14="http://schemas.microsoft.com/office/powerpoint/2010/main" val="111917667"/>
+        <p14:creationId xmlns:p14="http://schemas.microsoft.com/office/powerpoint/2010/main" val="1397984656"/>
       </p:ext>
     </p:extLst>
   </p:cSld>
@@ -1494,8 +1499,8 @@
         </p:nvSpPr>
         <p:spPr>
           <a:xfrm>
-            <a:off x="1014680" y="1437680"/>
-            <a:ext cx="6272570" cy="3426679"/>
+            <a:off x="1014680" y="2434167"/>
+            <a:ext cx="6272570" cy="5801784"/>
           </a:xfrm>
         </p:spPr>
         <p:txBody>
@@ -1505,7 +1510,7 @@
             <a:pPr lvl="0"/>
             <a:r>
               <a:rPr lang="en-US"/>
-              <a:t>Click to edit Master text styles</a:t>
+              <a:t>Edit Master text styles</a:t>
             </a:r>
           </a:p>
           <a:p>
@@ -1551,8 +1556,8 @@
         </p:nvSpPr>
         <p:spPr>
           <a:xfrm>
-            <a:off x="7471738" y="1437680"/>
-            <a:ext cx="6272570" cy="3426679"/>
+            <a:off x="7471738" y="2434167"/>
+            <a:ext cx="6272570" cy="5801784"/>
           </a:xfrm>
         </p:spPr>
         <p:txBody>
@@ -1562,7 +1567,7 @@
             <a:pPr lvl="0"/>
             <a:r>
               <a:rPr lang="en-US"/>
-              <a:t>Click to edit Master text styles</a:t>
+              <a:t>Edit Master text styles</a:t>
             </a:r>
           </a:p>
           <a:p>
@@ -1613,7 +1618,7 @@
           <a:p>
             <a:fld id="{EB30E7E4-13DE-445B-9218-4E7CBAC44123}" type="datetimeFigureOut">
               <a:rPr lang="en-GB" smtClean="0"/>
-              <a:t>26/04/2016</a:t>
+              <a:t>28/09/2017</a:t>
             </a:fld>
             <a:endParaRPr lang="en-GB"/>
           </a:p>
@@ -1664,7 +1669,7 @@
     </p:spTree>
     <p:extLst>
       <p:ext uri="{BB962C8B-B14F-4D97-AF65-F5344CB8AC3E}">
-        <p14:creationId xmlns:p14="http://schemas.microsoft.com/office/powerpoint/2010/main" val="94171995"/>
+        <p14:creationId xmlns:p14="http://schemas.microsoft.com/office/powerpoint/2010/main" val="2122435913"/>
       </p:ext>
     </p:extLst>
   </p:cSld>
@@ -1703,8 +1708,8 @@
         </p:nvSpPr>
         <p:spPr>
           <a:xfrm>
-            <a:off x="1016603" y="287536"/>
-            <a:ext cx="12729627" cy="1043881"/>
+            <a:off x="1016603" y="486834"/>
+            <a:ext cx="12729627" cy="1767417"/>
           </a:xfrm>
         </p:spPr>
         <p:txBody>
@@ -1731,8 +1736,8 @@
         </p:nvSpPr>
         <p:spPr>
           <a:xfrm>
-            <a:off x="1016603" y="1323916"/>
-            <a:ext cx="6243743" cy="648831"/>
+            <a:off x="1016603" y="2241551"/>
+            <a:ext cx="6243743" cy="1098549"/>
           </a:xfrm>
         </p:spPr>
         <p:txBody>
@@ -1740,46 +1745,46 @@
           <a:lstStyle>
             <a:lvl1pPr marL="0" indent="0">
               <a:buNone/>
-              <a:defRPr sz="1890" b="1"/>
+              <a:defRPr sz="2905" b="1"/>
             </a:lvl1pPr>
-            <a:lvl2pPr marL="360045" indent="0">
+            <a:lvl2pPr marL="553441" indent="0">
               <a:buNone/>
-              <a:defRPr sz="1575" b="1"/>
+              <a:defRPr sz="2421" b="1"/>
             </a:lvl2pPr>
-            <a:lvl3pPr marL="720090" indent="0">
+            <a:lvl3pPr marL="1106881" indent="0">
               <a:buNone/>
-              <a:defRPr sz="1418" b="1"/>
+              <a:defRPr sz="2179" b="1"/>
             </a:lvl3pPr>
-            <a:lvl4pPr marL="1080135" indent="0">
+            <a:lvl4pPr marL="1660322" indent="0">
               <a:buNone/>
-              <a:defRPr sz="1260" b="1"/>
+              <a:defRPr sz="1937" b="1"/>
             </a:lvl4pPr>
-            <a:lvl5pPr marL="1440180" indent="0">
+            <a:lvl5pPr marL="2213762" indent="0">
               <a:buNone/>
-              <a:defRPr sz="1260" b="1"/>
+              <a:defRPr sz="1937" b="1"/>
             </a:lvl5pPr>
-            <a:lvl6pPr marL="1800225" indent="0">
+            <a:lvl6pPr marL="2767203" indent="0">
               <a:buNone/>
-              <a:defRPr sz="1260" b="1"/>
+              <a:defRPr sz="1937" b="1"/>
             </a:lvl6pPr>
-            <a:lvl7pPr marL="2160270" indent="0">
+            <a:lvl7pPr marL="3320644" indent="0">
               <a:buNone/>
-              <a:defRPr sz="1260" b="1"/>
+              <a:defRPr sz="1937" b="1"/>
             </a:lvl7pPr>
-            <a:lvl8pPr marL="2520315" indent="0">
+            <a:lvl8pPr marL="3874084" indent="0">
               <a:buNone/>
-              <a:defRPr sz="1260" b="1"/>
+              <a:defRPr sz="1937" b="1"/>
             </a:lvl8pPr>
-            <a:lvl9pPr marL="2880360" indent="0">
+            <a:lvl9pPr marL="4427525" indent="0">
               <a:buNone/>
-              <a:defRPr sz="1260" b="1"/>
+              <a:defRPr sz="1937" b="1"/>
             </a:lvl9pPr>
           </a:lstStyle>
           <a:p>
             <a:pPr lvl="0"/>
             <a:r>
               <a:rPr lang="en-US"/>
-              <a:t>Click to edit Master text styles</a:t>
+              <a:t>Edit Master text styles</a:t>
             </a:r>
           </a:p>
         </p:txBody>
@@ -1796,8 +1801,8 @@
         </p:nvSpPr>
         <p:spPr>
           <a:xfrm>
-            <a:off x="1016603" y="1972747"/>
-            <a:ext cx="6243743" cy="2901613"/>
+            <a:off x="1016603" y="3340100"/>
+            <a:ext cx="6243743" cy="4912784"/>
           </a:xfrm>
         </p:spPr>
         <p:txBody>
@@ -1807,7 +1812,7 @@
             <a:pPr lvl="0"/>
             <a:r>
               <a:rPr lang="en-US"/>
-              <a:t>Click to edit Master text styles</a:t>
+              <a:t>Edit Master text styles</a:t>
             </a:r>
           </a:p>
           <a:p>
@@ -1853,8 +1858,8 @@
         </p:nvSpPr>
         <p:spPr>
           <a:xfrm>
-            <a:off x="7471738" y="1323916"/>
-            <a:ext cx="6274492" cy="648831"/>
+            <a:off x="7471738" y="2241551"/>
+            <a:ext cx="6274492" cy="1098549"/>
           </a:xfrm>
         </p:spPr>
         <p:txBody>
@@ -1862,46 +1867,46 @@
           <a:lstStyle>
             <a:lvl1pPr marL="0" indent="0">
               <a:buNone/>
-              <a:defRPr sz="1890" b="1"/>
+              <a:defRPr sz="2905" b="1"/>
             </a:lvl1pPr>
-            <a:lvl2pPr marL="360045" indent="0">
+            <a:lvl2pPr marL="553441" indent="0">
               <a:buNone/>
-              <a:defRPr sz="1575" b="1"/>
+              <a:defRPr sz="2421" b="1"/>
             </a:lvl2pPr>
-            <a:lvl3pPr marL="720090" indent="0">
+            <a:lvl3pPr marL="1106881" indent="0">
               <a:buNone/>
-              <a:defRPr sz="1418" b="1"/>
+              <a:defRPr sz="2179" b="1"/>
             </a:lvl3pPr>
-            <a:lvl4pPr marL="1080135" indent="0">
+            <a:lvl4pPr marL="1660322" indent="0">
               <a:buNone/>
-              <a:defRPr sz="1260" b="1"/>
+              <a:defRPr sz="1937" b="1"/>
             </a:lvl4pPr>
-            <a:lvl5pPr marL="1440180" indent="0">
+            <a:lvl5pPr marL="2213762" indent="0">
               <a:buNone/>
-              <a:defRPr sz="1260" b="1"/>
+              <a:defRPr sz="1937" b="1"/>
             </a:lvl5pPr>
-            <a:lvl6pPr marL="1800225" indent="0">
+            <a:lvl6pPr marL="2767203" indent="0">
               <a:buNone/>
-              <a:defRPr sz="1260" b="1"/>
+              <a:defRPr sz="1937" b="1"/>
             </a:lvl6pPr>
-            <a:lvl7pPr marL="2160270" indent="0">
+            <a:lvl7pPr marL="3320644" indent="0">
               <a:buNone/>
-              <a:defRPr sz="1260" b="1"/>
+              <a:defRPr sz="1937" b="1"/>
             </a:lvl7pPr>
-            <a:lvl8pPr marL="2520315" indent="0">
+            <a:lvl8pPr marL="3874084" indent="0">
               <a:buNone/>
-              <a:defRPr sz="1260" b="1"/>
+              <a:defRPr sz="1937" b="1"/>
             </a:lvl8pPr>
-            <a:lvl9pPr marL="2880360" indent="0">
+            <a:lvl9pPr marL="4427525" indent="0">
               <a:buNone/>
-              <a:defRPr sz="1260" b="1"/>
+              <a:defRPr sz="1937" b="1"/>
             </a:lvl9pPr>
           </a:lstStyle>
           <a:p>
             <a:pPr lvl="0"/>
             <a:r>
               <a:rPr lang="en-US"/>
-              <a:t>Click to edit Master text styles</a:t>
+              <a:t>Edit Master text styles</a:t>
             </a:r>
           </a:p>
         </p:txBody>
@@ -1918,8 +1923,8 @@
         </p:nvSpPr>
         <p:spPr>
           <a:xfrm>
-            <a:off x="7471738" y="1972747"/>
-            <a:ext cx="6274492" cy="2901613"/>
+            <a:off x="7471738" y="3340100"/>
+            <a:ext cx="6274492" cy="4912784"/>
           </a:xfrm>
         </p:spPr>
         <p:txBody>
@@ -1929,7 +1934,7 @@
             <a:pPr lvl="0"/>
             <a:r>
               <a:rPr lang="en-US"/>
-              <a:t>Click to edit Master text styles</a:t>
+              <a:t>Edit Master text styles</a:t>
             </a:r>
           </a:p>
           <a:p>
@@ -1980,7 +1985,7 @@
           <a:p>
             <a:fld id="{EB30E7E4-13DE-445B-9218-4E7CBAC44123}" type="datetimeFigureOut">
               <a:rPr lang="en-GB" smtClean="0"/>
-              <a:t>26/04/2016</a:t>
+              <a:t>28/09/2017</a:t>
             </a:fld>
             <a:endParaRPr lang="en-GB"/>
           </a:p>
@@ -2031,7 +2036,7 @@
     </p:spTree>
     <p:extLst>
       <p:ext uri="{BB962C8B-B14F-4D97-AF65-F5344CB8AC3E}">
-        <p14:creationId xmlns:p14="http://schemas.microsoft.com/office/powerpoint/2010/main" val="4052462787"/>
+        <p14:creationId xmlns:p14="http://schemas.microsoft.com/office/powerpoint/2010/main" val="3415616736"/>
       </p:ext>
     </p:extLst>
   </p:cSld>
@@ -2098,7 +2103,7 @@
           <a:p>
             <a:fld id="{EB30E7E4-13DE-445B-9218-4E7CBAC44123}" type="datetimeFigureOut">
               <a:rPr lang="en-GB" smtClean="0"/>
-              <a:t>26/04/2016</a:t>
+              <a:t>28/09/2017</a:t>
             </a:fld>
             <a:endParaRPr lang="en-GB"/>
           </a:p>
@@ -2149,7 +2154,7 @@
     </p:spTree>
     <p:extLst>
       <p:ext uri="{BB962C8B-B14F-4D97-AF65-F5344CB8AC3E}">
-        <p14:creationId xmlns:p14="http://schemas.microsoft.com/office/powerpoint/2010/main" val="3277647356"/>
+        <p14:creationId xmlns:p14="http://schemas.microsoft.com/office/powerpoint/2010/main" val="3585273519"/>
       </p:ext>
     </p:extLst>
   </p:cSld>
@@ -2193,7 +2198,7 @@
           <a:p>
             <a:fld id="{EB30E7E4-13DE-445B-9218-4E7CBAC44123}" type="datetimeFigureOut">
               <a:rPr lang="en-GB" smtClean="0"/>
-              <a:t>26/04/2016</a:t>
+              <a:t>28/09/2017</a:t>
             </a:fld>
             <a:endParaRPr lang="en-GB"/>
           </a:p>
@@ -2244,7 +2249,7 @@
     </p:spTree>
     <p:extLst>
       <p:ext uri="{BB962C8B-B14F-4D97-AF65-F5344CB8AC3E}">
-        <p14:creationId xmlns:p14="http://schemas.microsoft.com/office/powerpoint/2010/main" val="37098469"/>
+        <p14:creationId xmlns:p14="http://schemas.microsoft.com/office/powerpoint/2010/main" val="3023439860"/>
       </p:ext>
     </p:extLst>
   </p:cSld>
@@ -2283,15 +2288,15 @@
         </p:nvSpPr>
         <p:spPr>
           <a:xfrm>
-            <a:off x="1016604" y="360045"/>
-            <a:ext cx="4760157" cy="1260158"/>
+            <a:off x="1016604" y="609600"/>
+            <a:ext cx="4760157" cy="2133600"/>
           </a:xfrm>
         </p:spPr>
         <p:txBody>
           <a:bodyPr anchor="b"/>
           <a:lstStyle>
             <a:lvl1pPr>
-              <a:defRPr sz="2520"/>
+              <a:defRPr sz="3874"/>
             </a:lvl1pPr>
           </a:lstStyle>
           <a:p>
@@ -2315,46 +2320,46 @@
         </p:nvSpPr>
         <p:spPr>
           <a:xfrm>
-            <a:off x="6274492" y="777597"/>
-            <a:ext cx="7471738" cy="3837980"/>
+            <a:off x="6274492" y="1316567"/>
+            <a:ext cx="7471738" cy="6498167"/>
           </a:xfrm>
         </p:spPr>
         <p:txBody>
           <a:bodyPr/>
           <a:lstStyle>
             <a:lvl1pPr>
-              <a:defRPr sz="2520"/>
+              <a:defRPr sz="3874"/>
             </a:lvl1pPr>
             <a:lvl2pPr>
-              <a:defRPr sz="2205"/>
+              <a:defRPr sz="3389"/>
             </a:lvl2pPr>
             <a:lvl3pPr>
-              <a:defRPr sz="1890"/>
+              <a:defRPr sz="2905"/>
             </a:lvl3pPr>
             <a:lvl4pPr>
-              <a:defRPr sz="1575"/>
+              <a:defRPr sz="2421"/>
             </a:lvl4pPr>
             <a:lvl5pPr>
-              <a:defRPr sz="1575"/>
+              <a:defRPr sz="2421"/>
             </a:lvl5pPr>
             <a:lvl6pPr>
-              <a:defRPr sz="1575"/>
+              <a:defRPr sz="2421"/>
             </a:lvl6pPr>
             <a:lvl7pPr>
-              <a:defRPr sz="1575"/>
+              <a:defRPr sz="2421"/>
             </a:lvl7pPr>
             <a:lvl8pPr>
-              <a:defRPr sz="1575"/>
+              <a:defRPr sz="2421"/>
             </a:lvl8pPr>
             <a:lvl9pPr>
-              <a:defRPr sz="1575"/>
+              <a:defRPr sz="2421"/>
             </a:lvl9pPr>
           </a:lstStyle>
           <a:p>
             <a:pPr lvl="0"/>
             <a:r>
               <a:rPr lang="en-US"/>
-              <a:t>Click to edit Master text styles</a:t>
+              <a:t>Edit Master text styles</a:t>
             </a:r>
           </a:p>
           <a:p>
@@ -2400,8 +2405,8 @@
         </p:nvSpPr>
         <p:spPr>
           <a:xfrm>
-            <a:off x="1016604" y="1620202"/>
-            <a:ext cx="4760157" cy="3001626"/>
+            <a:off x="1016604" y="2743200"/>
+            <a:ext cx="4760157" cy="5082117"/>
           </a:xfrm>
         </p:spPr>
         <p:txBody>
@@ -2409,46 +2414,46 @@
           <a:lstStyle>
             <a:lvl1pPr marL="0" indent="0">
               <a:buNone/>
-              <a:defRPr sz="1260"/>
+              <a:defRPr sz="1937"/>
             </a:lvl1pPr>
-            <a:lvl2pPr marL="360045" indent="0">
+            <a:lvl2pPr marL="553441" indent="0">
               <a:buNone/>
-              <a:defRPr sz="1103"/>
+              <a:defRPr sz="1695"/>
             </a:lvl2pPr>
-            <a:lvl3pPr marL="720090" indent="0">
+            <a:lvl3pPr marL="1106881" indent="0">
               <a:buNone/>
-              <a:defRPr sz="945"/>
+              <a:defRPr sz="1453"/>
             </a:lvl3pPr>
-            <a:lvl4pPr marL="1080135" indent="0">
+            <a:lvl4pPr marL="1660322" indent="0">
               <a:buNone/>
-              <a:defRPr sz="788"/>
+              <a:defRPr sz="1211"/>
             </a:lvl4pPr>
-            <a:lvl5pPr marL="1440180" indent="0">
+            <a:lvl5pPr marL="2213762" indent="0">
               <a:buNone/>
-              <a:defRPr sz="788"/>
+              <a:defRPr sz="1211"/>
             </a:lvl5pPr>
-            <a:lvl6pPr marL="1800225" indent="0">
+            <a:lvl6pPr marL="2767203" indent="0">
               <a:buNone/>
-              <a:defRPr sz="788"/>
+              <a:defRPr sz="1211"/>
             </a:lvl6pPr>
-            <a:lvl7pPr marL="2160270" indent="0">
+            <a:lvl7pPr marL="3320644" indent="0">
               <a:buNone/>
-              <a:defRPr sz="788"/>
+              <a:defRPr sz="1211"/>
             </a:lvl7pPr>
-            <a:lvl8pPr marL="2520315" indent="0">
+            <a:lvl8pPr marL="3874084" indent="0">
               <a:buNone/>
-              <a:defRPr sz="788"/>
+              <a:defRPr sz="1211"/>
             </a:lvl8pPr>
-            <a:lvl9pPr marL="2880360" indent="0">
+            <a:lvl9pPr marL="4427525" indent="0">
               <a:buNone/>
-              <a:defRPr sz="788"/>
+              <a:defRPr sz="1211"/>
             </a:lvl9pPr>
           </a:lstStyle>
           <a:p>
             <a:pPr lvl="0"/>
             <a:r>
               <a:rPr lang="en-US"/>
-              <a:t>Click to edit Master text styles</a:t>
+              <a:t>Edit Master text styles</a:t>
             </a:r>
           </a:p>
         </p:txBody>
@@ -2470,7 +2475,7 @@
           <a:p>
             <a:fld id="{EB30E7E4-13DE-445B-9218-4E7CBAC44123}" type="datetimeFigureOut">
               <a:rPr lang="en-GB" smtClean="0"/>
-              <a:t>26/04/2016</a:t>
+              <a:t>28/09/2017</a:t>
             </a:fld>
             <a:endParaRPr lang="en-GB"/>
           </a:p>
@@ -2521,7 +2526,7 @@
     </p:spTree>
     <p:extLst>
       <p:ext uri="{BB962C8B-B14F-4D97-AF65-F5344CB8AC3E}">
-        <p14:creationId xmlns:p14="http://schemas.microsoft.com/office/powerpoint/2010/main" val="4257263136"/>
+        <p14:creationId xmlns:p14="http://schemas.microsoft.com/office/powerpoint/2010/main" val="515140409"/>
       </p:ext>
     </p:extLst>
   </p:cSld>
@@ -2560,15 +2565,15 @@
         </p:nvSpPr>
         <p:spPr>
           <a:xfrm>
-            <a:off x="1016604" y="360045"/>
-            <a:ext cx="4760157" cy="1260158"/>
+            <a:off x="1016604" y="609600"/>
+            <a:ext cx="4760157" cy="2133600"/>
           </a:xfrm>
         </p:spPr>
         <p:txBody>
           <a:bodyPr anchor="b"/>
           <a:lstStyle>
             <a:lvl1pPr>
-              <a:defRPr sz="2520"/>
+              <a:defRPr sz="3874"/>
             </a:lvl1pPr>
           </a:lstStyle>
           <a:p>
@@ -2592,8 +2597,8 @@
         </p:nvSpPr>
         <p:spPr>
           <a:xfrm>
-            <a:off x="6274492" y="777597"/>
-            <a:ext cx="7471738" cy="3837980"/>
+            <a:off x="6274492" y="1316567"/>
+            <a:ext cx="7471738" cy="6498167"/>
           </a:xfrm>
         </p:spPr>
         <p:txBody>
@@ -2601,39 +2606,39 @@
           <a:lstStyle>
             <a:lvl1pPr marL="0" indent="0">
               <a:buNone/>
-              <a:defRPr sz="2520"/>
+              <a:defRPr sz="3874"/>
             </a:lvl1pPr>
-            <a:lvl2pPr marL="360045" indent="0">
+            <a:lvl2pPr marL="553441" indent="0">
               <a:buNone/>
-              <a:defRPr sz="2205"/>
+              <a:defRPr sz="3389"/>
             </a:lvl2pPr>
-            <a:lvl3pPr marL="720090" indent="0">
+            <a:lvl3pPr marL="1106881" indent="0">
               <a:buNone/>
-              <a:defRPr sz="1890"/>
+              <a:defRPr sz="2905"/>
             </a:lvl3pPr>
-            <a:lvl4pPr marL="1080135" indent="0">
+            <a:lvl4pPr marL="1660322" indent="0">
               <a:buNone/>
-              <a:defRPr sz="1575"/>
+              <a:defRPr sz="2421"/>
             </a:lvl4pPr>
-            <a:lvl5pPr marL="1440180" indent="0">
+            <a:lvl5pPr marL="2213762" indent="0">
               <a:buNone/>
-              <a:defRPr sz="1575"/>
+              <a:defRPr sz="2421"/>
             </a:lvl5pPr>
-            <a:lvl6pPr marL="1800225" indent="0">
+            <a:lvl6pPr marL="2767203" indent="0">
               <a:buNone/>
-              <a:defRPr sz="1575"/>
+              <a:defRPr sz="2421"/>
             </a:lvl6pPr>
-            <a:lvl7pPr marL="2160270" indent="0">
+            <a:lvl7pPr marL="3320644" indent="0">
               <a:buNone/>
-              <a:defRPr sz="1575"/>
+              <a:defRPr sz="2421"/>
             </a:lvl7pPr>
-            <a:lvl8pPr marL="2520315" indent="0">
+            <a:lvl8pPr marL="3874084" indent="0">
               <a:buNone/>
-              <a:defRPr sz="1575"/>
+              <a:defRPr sz="2421"/>
             </a:lvl8pPr>
-            <a:lvl9pPr marL="2880360" indent="0">
+            <a:lvl9pPr marL="4427525" indent="0">
               <a:buNone/>
-              <a:defRPr sz="1575"/>
+              <a:defRPr sz="2421"/>
             </a:lvl9pPr>
           </a:lstStyle>
           <a:p>
@@ -2657,8 +2662,8 @@
         </p:nvSpPr>
         <p:spPr>
           <a:xfrm>
-            <a:off x="1016604" y="1620202"/>
-            <a:ext cx="4760157" cy="3001626"/>
+            <a:off x="1016604" y="2743200"/>
+            <a:ext cx="4760157" cy="5082117"/>
           </a:xfrm>
         </p:spPr>
         <p:txBody>
@@ -2666,46 +2671,46 @@
           <a:lstStyle>
             <a:lvl1pPr marL="0" indent="0">
               <a:buNone/>
-              <a:defRPr sz="1260"/>
+              <a:defRPr sz="1937"/>
             </a:lvl1pPr>
-            <a:lvl2pPr marL="360045" indent="0">
+            <a:lvl2pPr marL="553441" indent="0">
               <a:buNone/>
-              <a:defRPr sz="1103"/>
+              <a:defRPr sz="1695"/>
             </a:lvl2pPr>
-            <a:lvl3pPr marL="720090" indent="0">
+            <a:lvl3pPr marL="1106881" indent="0">
               <a:buNone/>
-              <a:defRPr sz="945"/>
+              <a:defRPr sz="1453"/>
             </a:lvl3pPr>
-            <a:lvl4pPr marL="1080135" indent="0">
+            <a:lvl4pPr marL="1660322" indent="0">
               <a:buNone/>
-              <a:defRPr sz="788"/>
+              <a:defRPr sz="1211"/>
             </a:lvl4pPr>
-            <a:lvl5pPr marL="1440180" indent="0">
+            <a:lvl5pPr marL="2213762" indent="0">
               <a:buNone/>
-              <a:defRPr sz="788"/>
+              <a:defRPr sz="1211"/>
             </a:lvl5pPr>
-            <a:lvl6pPr marL="1800225" indent="0">
+            <a:lvl6pPr marL="2767203" indent="0">
               <a:buNone/>
-              <a:defRPr sz="788"/>
+              <a:defRPr sz="1211"/>
             </a:lvl6pPr>
-            <a:lvl7pPr marL="2160270" indent="0">
+            <a:lvl7pPr marL="3320644" indent="0">
               <a:buNone/>
-              <a:defRPr sz="788"/>
+              <a:defRPr sz="1211"/>
             </a:lvl7pPr>
-            <a:lvl8pPr marL="2520315" indent="0">
+            <a:lvl8pPr marL="3874084" indent="0">
               <a:buNone/>
-              <a:defRPr sz="788"/>
+              <a:defRPr sz="1211"/>
             </a:lvl8pPr>
-            <a:lvl9pPr marL="2880360" indent="0">
+            <a:lvl9pPr marL="4427525" indent="0">
               <a:buNone/>
-              <a:defRPr sz="788"/>
+              <a:defRPr sz="1211"/>
             </a:lvl9pPr>
           </a:lstStyle>
           <a:p>
             <a:pPr lvl="0"/>
             <a:r>
               <a:rPr lang="en-US"/>
-              <a:t>Click to edit Master text styles</a:t>
+              <a:t>Edit Master text styles</a:t>
             </a:r>
           </a:p>
         </p:txBody>
@@ -2727,7 +2732,7 @@
           <a:p>
             <a:fld id="{EB30E7E4-13DE-445B-9218-4E7CBAC44123}" type="datetimeFigureOut">
               <a:rPr lang="en-GB" smtClean="0"/>
-              <a:t>26/04/2016</a:t>
+              <a:t>28/09/2017</a:t>
             </a:fld>
             <a:endParaRPr lang="en-GB"/>
           </a:p>
@@ -2778,7 +2783,7 @@
     </p:spTree>
     <p:extLst>
       <p:ext uri="{BB962C8B-B14F-4D97-AF65-F5344CB8AC3E}">
-        <p14:creationId xmlns:p14="http://schemas.microsoft.com/office/powerpoint/2010/main" val="3446131411"/>
+        <p14:creationId xmlns:p14="http://schemas.microsoft.com/office/powerpoint/2010/main" val="2732554758"/>
       </p:ext>
     </p:extLst>
   </p:cSld>
@@ -2822,8 +2827,8 @@
         </p:nvSpPr>
         <p:spPr>
           <a:xfrm>
-            <a:off x="1014681" y="287536"/>
-            <a:ext cx="12729627" cy="1043881"/>
+            <a:off x="1014681" y="486834"/>
+            <a:ext cx="12729627" cy="1767417"/>
           </a:xfrm>
           <a:prstGeom prst="rect">
             <a:avLst/>
@@ -2855,8 +2860,8 @@
         </p:nvSpPr>
         <p:spPr>
           <a:xfrm>
-            <a:off x="1014681" y="1437680"/>
-            <a:ext cx="12729627" cy="3426679"/>
+            <a:off x="1014681" y="2434167"/>
+            <a:ext cx="12729627" cy="5801784"/>
           </a:xfrm>
           <a:prstGeom prst="rect">
             <a:avLst/>
@@ -2871,7 +2876,7 @@
             <a:pPr lvl="0"/>
             <a:r>
               <a:rPr lang="en-US"/>
-              <a:t>Click to edit Master text styles</a:t>
+              <a:t>Edit Master text styles</a:t>
             </a:r>
           </a:p>
           <a:p>
@@ -2917,8 +2922,8 @@
         </p:nvSpPr>
         <p:spPr>
           <a:xfrm>
-            <a:off x="1014681" y="5005626"/>
-            <a:ext cx="3320772" cy="287536"/>
+            <a:off x="1014681" y="8475134"/>
+            <a:ext cx="3320772" cy="486833"/>
           </a:xfrm>
           <a:prstGeom prst="rect">
             <a:avLst/>
@@ -2928,7 +2933,7 @@
           <a:bodyPr vert="horz" lIns="91440" tIns="45720" rIns="91440" bIns="45720" rtlCol="0" anchor="ctr"/>
           <a:lstStyle>
             <a:lvl1pPr algn="l">
-              <a:defRPr sz="945">
+              <a:defRPr sz="1453">
                 <a:solidFill>
                   <a:schemeClr val="tx1">
                     <a:tint val="75000"/>
@@ -2940,7 +2945,7 @@
           <a:p>
             <a:fld id="{EB30E7E4-13DE-445B-9218-4E7CBAC44123}" type="datetimeFigureOut">
               <a:rPr lang="en-GB" smtClean="0"/>
-              <a:t>26/04/2016</a:t>
+              <a:t>28/09/2017</a:t>
             </a:fld>
             <a:endParaRPr lang="en-GB"/>
           </a:p>
@@ -2958,8 +2963,8 @@
         </p:nvSpPr>
         <p:spPr>
           <a:xfrm>
-            <a:off x="4888915" y="5005626"/>
-            <a:ext cx="4981158" cy="287536"/>
+            <a:off x="4888915" y="8475134"/>
+            <a:ext cx="4981158" cy="486833"/>
           </a:xfrm>
           <a:prstGeom prst="rect">
             <a:avLst/>
@@ -2969,7 +2974,7 @@
           <a:bodyPr vert="horz" lIns="91440" tIns="45720" rIns="91440" bIns="45720" rtlCol="0" anchor="ctr"/>
           <a:lstStyle>
             <a:lvl1pPr algn="ctr">
-              <a:defRPr sz="945">
+              <a:defRPr sz="1453">
                 <a:solidFill>
                   <a:schemeClr val="tx1">
                     <a:tint val="75000"/>
@@ -2995,8 +3000,8 @@
         </p:nvSpPr>
         <p:spPr>
           <a:xfrm>
-            <a:off x="10423535" y="5005626"/>
-            <a:ext cx="3320772" cy="287536"/>
+            <a:off x="10423535" y="8475134"/>
+            <a:ext cx="3320772" cy="486833"/>
           </a:xfrm>
           <a:prstGeom prst="rect">
             <a:avLst/>
@@ -3006,7 +3011,7 @@
           <a:bodyPr vert="horz" lIns="91440" tIns="45720" rIns="91440" bIns="45720" rtlCol="0" anchor="ctr"/>
           <a:lstStyle>
             <a:lvl1pPr algn="r">
-              <a:defRPr sz="945">
+              <a:defRPr sz="1453">
                 <a:solidFill>
                   <a:schemeClr val="tx1">
                     <a:tint val="75000"/>
@@ -3027,27 +3032,27 @@
     </p:spTree>
     <p:extLst>
       <p:ext uri="{BB962C8B-B14F-4D97-AF65-F5344CB8AC3E}">
-        <p14:creationId xmlns:p14="http://schemas.microsoft.com/office/powerpoint/2010/main" val="893273244"/>
+        <p14:creationId xmlns:p14="http://schemas.microsoft.com/office/powerpoint/2010/main" val="1086140078"/>
       </p:ext>
     </p:extLst>
   </p:cSld>
   <p:clrMap bg1="lt1" tx1="dk1" bg2="lt2" tx2="dk2" accent1="accent1" accent2="accent2" accent3="accent3" accent4="accent4" accent5="accent5" accent6="accent6" hlink="hlink" folHlink="folHlink"/>
   <p:sldLayoutIdLst>
-    <p:sldLayoutId id="2147483733" r:id="rId1"/>
-    <p:sldLayoutId id="2147483734" r:id="rId2"/>
-    <p:sldLayoutId id="2147483735" r:id="rId3"/>
-    <p:sldLayoutId id="2147483736" r:id="rId4"/>
-    <p:sldLayoutId id="2147483737" r:id="rId5"/>
-    <p:sldLayoutId id="2147483738" r:id="rId6"/>
-    <p:sldLayoutId id="2147483739" r:id="rId7"/>
-    <p:sldLayoutId id="2147483740" r:id="rId8"/>
-    <p:sldLayoutId id="2147483741" r:id="rId9"/>
-    <p:sldLayoutId id="2147483742" r:id="rId10"/>
-    <p:sldLayoutId id="2147483743" r:id="rId11"/>
+    <p:sldLayoutId id="2147483745" r:id="rId1"/>
+    <p:sldLayoutId id="2147483746" r:id="rId2"/>
+    <p:sldLayoutId id="2147483747" r:id="rId3"/>
+    <p:sldLayoutId id="2147483748" r:id="rId4"/>
+    <p:sldLayoutId id="2147483749" r:id="rId5"/>
+    <p:sldLayoutId id="2147483750" r:id="rId6"/>
+    <p:sldLayoutId id="2147483751" r:id="rId7"/>
+    <p:sldLayoutId id="2147483752" r:id="rId8"/>
+    <p:sldLayoutId id="2147483753" r:id="rId9"/>
+    <p:sldLayoutId id="2147483754" r:id="rId10"/>
+    <p:sldLayoutId id="2147483755" r:id="rId11"/>
   </p:sldLayoutIdLst>
   <p:txStyles>
     <p:titleStyle>
-      <a:lvl1pPr algn="l" defTabSz="720090" rtl="0" eaLnBrk="1" latinLnBrk="0" hangingPunct="1">
+      <a:lvl1pPr algn="l" defTabSz="1106881" rtl="0" eaLnBrk="1" latinLnBrk="0" hangingPunct="1">
         <a:lnSpc>
           <a:spcPct val="90000"/>
         </a:lnSpc>
@@ -3055,7 +3060,7 @@
           <a:spcPct val="0"/>
         </a:spcBef>
         <a:buNone/>
-        <a:defRPr sz="3465" kern="1200">
+        <a:defRPr sz="5326" kern="1200">
           <a:solidFill>
             <a:schemeClr val="tx1"/>
           </a:solidFill>
@@ -3066,16 +3071,16 @@
       </a:lvl1pPr>
     </p:titleStyle>
     <p:bodyStyle>
-      <a:lvl1pPr marL="180023" indent="-180023" algn="l" defTabSz="720090" rtl="0" eaLnBrk="1" latinLnBrk="0" hangingPunct="1">
+      <a:lvl1pPr marL="276720" indent="-276720" algn="l" defTabSz="1106881" rtl="0" eaLnBrk="1" latinLnBrk="0" hangingPunct="1">
         <a:lnSpc>
           <a:spcPct val="90000"/>
         </a:lnSpc>
         <a:spcBef>
-          <a:spcPts val="788"/>
+          <a:spcPts val="1211"/>
         </a:spcBef>
         <a:buFont typeface="Arial" panose="020B0604020202020204" pitchFamily="34" charset="0"/>
         <a:buChar char="•"/>
-        <a:defRPr sz="2205" kern="1200">
+        <a:defRPr sz="3389" kern="1200">
           <a:solidFill>
             <a:schemeClr val="tx1"/>
           </a:solidFill>
@@ -3084,16 +3089,16 @@
           <a:cs typeface="+mn-cs"/>
         </a:defRPr>
       </a:lvl1pPr>
-      <a:lvl2pPr marL="540068" indent="-180023" algn="l" defTabSz="720090" rtl="0" eaLnBrk="1" latinLnBrk="0" hangingPunct="1">
+      <a:lvl2pPr marL="830161" indent="-276720" algn="l" defTabSz="1106881" rtl="0" eaLnBrk="1" latinLnBrk="0" hangingPunct="1">
         <a:lnSpc>
           <a:spcPct val="90000"/>
         </a:lnSpc>
         <a:spcBef>
-          <a:spcPts val="394"/>
+          <a:spcPts val="605"/>
         </a:spcBef>
         <a:buFont typeface="Arial" panose="020B0604020202020204" pitchFamily="34" charset="0"/>
         <a:buChar char="•"/>
-        <a:defRPr sz="1890" kern="1200">
+        <a:defRPr sz="2905" kern="1200">
           <a:solidFill>
             <a:schemeClr val="tx1"/>
           </a:solidFill>
@@ -3102,16 +3107,16 @@
           <a:cs typeface="+mn-cs"/>
         </a:defRPr>
       </a:lvl2pPr>
-      <a:lvl3pPr marL="900113" indent="-180023" algn="l" defTabSz="720090" rtl="0" eaLnBrk="1" latinLnBrk="0" hangingPunct="1">
+      <a:lvl3pPr marL="1383602" indent="-276720" algn="l" defTabSz="1106881" rtl="0" eaLnBrk="1" latinLnBrk="0" hangingPunct="1">
         <a:lnSpc>
           <a:spcPct val="90000"/>
         </a:lnSpc>
         <a:spcBef>
-          <a:spcPts val="394"/>
+          <a:spcPts val="605"/>
         </a:spcBef>
         <a:buFont typeface="Arial" panose="020B0604020202020204" pitchFamily="34" charset="0"/>
         <a:buChar char="•"/>
-        <a:defRPr sz="1575" kern="1200">
+        <a:defRPr sz="2421" kern="1200">
           <a:solidFill>
             <a:schemeClr val="tx1"/>
           </a:solidFill>
@@ -3120,16 +3125,16 @@
           <a:cs typeface="+mn-cs"/>
         </a:defRPr>
       </a:lvl3pPr>
-      <a:lvl4pPr marL="1260158" indent="-180023" algn="l" defTabSz="720090" rtl="0" eaLnBrk="1" latinLnBrk="0" hangingPunct="1">
+      <a:lvl4pPr marL="1937042" indent="-276720" algn="l" defTabSz="1106881" rtl="0" eaLnBrk="1" latinLnBrk="0" hangingPunct="1">
         <a:lnSpc>
           <a:spcPct val="90000"/>
         </a:lnSpc>
         <a:spcBef>
-          <a:spcPts val="394"/>
+          <a:spcPts val="605"/>
         </a:spcBef>
         <a:buFont typeface="Arial" panose="020B0604020202020204" pitchFamily="34" charset="0"/>
         <a:buChar char="•"/>
-        <a:defRPr sz="1418" kern="1200">
+        <a:defRPr sz="2179" kern="1200">
           <a:solidFill>
             <a:schemeClr val="tx1"/>
           </a:solidFill>
@@ -3138,16 +3143,16 @@
           <a:cs typeface="+mn-cs"/>
         </a:defRPr>
       </a:lvl4pPr>
-      <a:lvl5pPr marL="1620203" indent="-180023" algn="l" defTabSz="720090" rtl="0" eaLnBrk="1" latinLnBrk="0" hangingPunct="1">
+      <a:lvl5pPr marL="2490483" indent="-276720" algn="l" defTabSz="1106881" rtl="0" eaLnBrk="1" latinLnBrk="0" hangingPunct="1">
         <a:lnSpc>
           <a:spcPct val="90000"/>
         </a:lnSpc>
         <a:spcBef>
-          <a:spcPts val="394"/>
+          <a:spcPts val="605"/>
         </a:spcBef>
         <a:buFont typeface="Arial" panose="020B0604020202020204" pitchFamily="34" charset="0"/>
         <a:buChar char="•"/>
-        <a:defRPr sz="1418" kern="1200">
+        <a:defRPr sz="2179" kern="1200">
           <a:solidFill>
             <a:schemeClr val="tx1"/>
           </a:solidFill>
@@ -3156,16 +3161,16 @@
           <a:cs typeface="+mn-cs"/>
         </a:defRPr>
       </a:lvl5pPr>
-      <a:lvl6pPr marL="1980248" indent="-180023" algn="l" defTabSz="720090" rtl="0" eaLnBrk="1" latinLnBrk="0" hangingPunct="1">
+      <a:lvl6pPr marL="3043923" indent="-276720" algn="l" defTabSz="1106881" rtl="0" eaLnBrk="1" latinLnBrk="0" hangingPunct="1">
         <a:lnSpc>
           <a:spcPct val="90000"/>
         </a:lnSpc>
         <a:spcBef>
-          <a:spcPts val="394"/>
+          <a:spcPts val="605"/>
         </a:spcBef>
         <a:buFont typeface="Arial" panose="020B0604020202020204" pitchFamily="34" charset="0"/>
         <a:buChar char="•"/>
-        <a:defRPr sz="1418" kern="1200">
+        <a:defRPr sz="2179" kern="1200">
           <a:solidFill>
             <a:schemeClr val="tx1"/>
           </a:solidFill>
@@ -3174,16 +3179,16 @@
           <a:cs typeface="+mn-cs"/>
         </a:defRPr>
       </a:lvl6pPr>
-      <a:lvl7pPr marL="2340293" indent="-180023" algn="l" defTabSz="720090" rtl="0" eaLnBrk="1" latinLnBrk="0" hangingPunct="1">
+      <a:lvl7pPr marL="3597364" indent="-276720" algn="l" defTabSz="1106881" rtl="0" eaLnBrk="1" latinLnBrk="0" hangingPunct="1">
         <a:lnSpc>
           <a:spcPct val="90000"/>
         </a:lnSpc>
         <a:spcBef>
-          <a:spcPts val="394"/>
+          <a:spcPts val="605"/>
         </a:spcBef>
         <a:buFont typeface="Arial" panose="020B0604020202020204" pitchFamily="34" charset="0"/>
         <a:buChar char="•"/>
-        <a:defRPr sz="1418" kern="1200">
+        <a:defRPr sz="2179" kern="1200">
           <a:solidFill>
             <a:schemeClr val="tx1"/>
           </a:solidFill>
@@ -3192,16 +3197,16 @@
           <a:cs typeface="+mn-cs"/>
         </a:defRPr>
       </a:lvl7pPr>
-      <a:lvl8pPr marL="2700338" indent="-180023" algn="l" defTabSz="720090" rtl="0" eaLnBrk="1" latinLnBrk="0" hangingPunct="1">
+      <a:lvl8pPr marL="4150805" indent="-276720" algn="l" defTabSz="1106881" rtl="0" eaLnBrk="1" latinLnBrk="0" hangingPunct="1">
         <a:lnSpc>
           <a:spcPct val="90000"/>
         </a:lnSpc>
         <a:spcBef>
-          <a:spcPts val="394"/>
+          <a:spcPts val="605"/>
         </a:spcBef>
         <a:buFont typeface="Arial" panose="020B0604020202020204" pitchFamily="34" charset="0"/>
         <a:buChar char="•"/>
-        <a:defRPr sz="1418" kern="1200">
+        <a:defRPr sz="2179" kern="1200">
           <a:solidFill>
             <a:schemeClr val="tx1"/>
           </a:solidFill>
@@ -3210,16 +3215,16 @@
           <a:cs typeface="+mn-cs"/>
         </a:defRPr>
       </a:lvl8pPr>
-      <a:lvl9pPr marL="3060383" indent="-180023" algn="l" defTabSz="720090" rtl="0" eaLnBrk="1" latinLnBrk="0" hangingPunct="1">
+      <a:lvl9pPr marL="4704245" indent="-276720" algn="l" defTabSz="1106881" rtl="0" eaLnBrk="1" latinLnBrk="0" hangingPunct="1">
         <a:lnSpc>
           <a:spcPct val="90000"/>
         </a:lnSpc>
         <a:spcBef>
-          <a:spcPts val="394"/>
+          <a:spcPts val="605"/>
         </a:spcBef>
         <a:buFont typeface="Arial" panose="020B0604020202020204" pitchFamily="34" charset="0"/>
         <a:buChar char="•"/>
-        <a:defRPr sz="1418" kern="1200">
+        <a:defRPr sz="2179" kern="1200">
           <a:solidFill>
             <a:schemeClr val="tx1"/>
           </a:solidFill>
@@ -3233,8 +3238,8 @@
       <a:defPPr>
         <a:defRPr lang="en-US"/>
       </a:defPPr>
-      <a:lvl1pPr marL="0" algn="l" defTabSz="720090" rtl="0" eaLnBrk="1" latinLnBrk="0" hangingPunct="1">
-        <a:defRPr sz="1418" kern="1200">
+      <a:lvl1pPr marL="0" algn="l" defTabSz="1106881" rtl="0" eaLnBrk="1" latinLnBrk="0" hangingPunct="1">
+        <a:defRPr sz="2179" kern="1200">
           <a:solidFill>
             <a:schemeClr val="tx1"/>
           </a:solidFill>
@@ -3243,8 +3248,8 @@
           <a:cs typeface="+mn-cs"/>
         </a:defRPr>
       </a:lvl1pPr>
-      <a:lvl2pPr marL="360045" algn="l" defTabSz="720090" rtl="0" eaLnBrk="1" latinLnBrk="0" hangingPunct="1">
-        <a:defRPr sz="1418" kern="1200">
+      <a:lvl2pPr marL="553441" algn="l" defTabSz="1106881" rtl="0" eaLnBrk="1" latinLnBrk="0" hangingPunct="1">
+        <a:defRPr sz="2179" kern="1200">
           <a:solidFill>
             <a:schemeClr val="tx1"/>
           </a:solidFill>
@@ -3253,8 +3258,8 @@
           <a:cs typeface="+mn-cs"/>
         </a:defRPr>
       </a:lvl2pPr>
-      <a:lvl3pPr marL="720090" algn="l" defTabSz="720090" rtl="0" eaLnBrk="1" latinLnBrk="0" hangingPunct="1">
-        <a:defRPr sz="1418" kern="1200">
+      <a:lvl3pPr marL="1106881" algn="l" defTabSz="1106881" rtl="0" eaLnBrk="1" latinLnBrk="0" hangingPunct="1">
+        <a:defRPr sz="2179" kern="1200">
           <a:solidFill>
             <a:schemeClr val="tx1"/>
           </a:solidFill>
@@ -3263,8 +3268,8 @@
           <a:cs typeface="+mn-cs"/>
         </a:defRPr>
       </a:lvl3pPr>
-      <a:lvl4pPr marL="1080135" algn="l" defTabSz="720090" rtl="0" eaLnBrk="1" latinLnBrk="0" hangingPunct="1">
-        <a:defRPr sz="1418" kern="1200">
+      <a:lvl4pPr marL="1660322" algn="l" defTabSz="1106881" rtl="0" eaLnBrk="1" latinLnBrk="0" hangingPunct="1">
+        <a:defRPr sz="2179" kern="1200">
           <a:solidFill>
             <a:schemeClr val="tx1"/>
           </a:solidFill>
@@ -3273,8 +3278,8 @@
           <a:cs typeface="+mn-cs"/>
         </a:defRPr>
       </a:lvl4pPr>
-      <a:lvl5pPr marL="1440180" algn="l" defTabSz="720090" rtl="0" eaLnBrk="1" latinLnBrk="0" hangingPunct="1">
-        <a:defRPr sz="1418" kern="1200">
+      <a:lvl5pPr marL="2213762" algn="l" defTabSz="1106881" rtl="0" eaLnBrk="1" latinLnBrk="0" hangingPunct="1">
+        <a:defRPr sz="2179" kern="1200">
           <a:solidFill>
             <a:schemeClr val="tx1"/>
           </a:solidFill>
@@ -3283,8 +3288,8 @@
           <a:cs typeface="+mn-cs"/>
         </a:defRPr>
       </a:lvl5pPr>
-      <a:lvl6pPr marL="1800225" algn="l" defTabSz="720090" rtl="0" eaLnBrk="1" latinLnBrk="0" hangingPunct="1">
-        <a:defRPr sz="1418" kern="1200">
+      <a:lvl6pPr marL="2767203" algn="l" defTabSz="1106881" rtl="0" eaLnBrk="1" latinLnBrk="0" hangingPunct="1">
+        <a:defRPr sz="2179" kern="1200">
           <a:solidFill>
             <a:schemeClr val="tx1"/>
           </a:solidFill>
@@ -3293,8 +3298,8 @@
           <a:cs typeface="+mn-cs"/>
         </a:defRPr>
       </a:lvl6pPr>
-      <a:lvl7pPr marL="2160270" algn="l" defTabSz="720090" rtl="0" eaLnBrk="1" latinLnBrk="0" hangingPunct="1">
-        <a:defRPr sz="1418" kern="1200">
+      <a:lvl7pPr marL="3320644" algn="l" defTabSz="1106881" rtl="0" eaLnBrk="1" latinLnBrk="0" hangingPunct="1">
+        <a:defRPr sz="2179" kern="1200">
           <a:solidFill>
             <a:schemeClr val="tx1"/>
           </a:solidFill>
@@ -3303,8 +3308,8 @@
           <a:cs typeface="+mn-cs"/>
         </a:defRPr>
       </a:lvl7pPr>
-      <a:lvl8pPr marL="2520315" algn="l" defTabSz="720090" rtl="0" eaLnBrk="1" latinLnBrk="0" hangingPunct="1">
-        <a:defRPr sz="1418" kern="1200">
+      <a:lvl8pPr marL="3874084" algn="l" defTabSz="1106881" rtl="0" eaLnBrk="1" latinLnBrk="0" hangingPunct="1">
+        <a:defRPr sz="2179" kern="1200">
           <a:solidFill>
             <a:schemeClr val="tx1"/>
           </a:solidFill>
@@ -3313,8 +3318,8 @@
           <a:cs typeface="+mn-cs"/>
         </a:defRPr>
       </a:lvl8pPr>
-      <a:lvl9pPr marL="2880360" algn="l" defTabSz="720090" rtl="0" eaLnBrk="1" latinLnBrk="0" hangingPunct="1">
-        <a:defRPr sz="1418" kern="1200">
+      <a:lvl9pPr marL="4427525" algn="l" defTabSz="1106881" rtl="0" eaLnBrk="1" latinLnBrk="0" hangingPunct="1">
+        <a:defRPr sz="2179" kern="1200">
           <a:solidFill>
             <a:schemeClr val="tx1"/>
           </a:solidFill>
@@ -3353,14 +3358,14 @@
         </p:nvSpPr>
         <p:spPr>
           <a:xfrm>
-            <a:off x="3717531" y="1508009"/>
+            <a:off x="3717531" y="3379672"/>
             <a:ext cx="2087714" cy="1787850"/>
           </a:xfrm>
           <a:prstGeom prst="cube">
             <a:avLst/>
           </a:prstGeom>
           <a:solidFill>
-            <a:schemeClr val="bg2"/>
+            <a:srgbClr val="E6E6E6"/>
           </a:solidFill>
           <a:ln>
             <a:solidFill>
@@ -3389,7 +3394,9 @@
           <a:lstStyle/>
           <a:p>
             <a:pPr algn="ctr"/>
-            <a:endParaRPr lang="en-GB" sz="1991"/>
+            <a:endParaRPr lang="en-GB" sz="2800">
+              <a:latin typeface="cmss12" panose="020B0500000000000000" pitchFamily="34" charset="0"/>
+            </a:endParaRPr>
           </a:p>
         </p:txBody>
       </p:sp>
@@ -3401,7 +3408,7 @@
         </p:nvSpPr>
         <p:spPr>
           <a:xfrm>
-            <a:off x="7052226" y="1917396"/>
+            <a:off x="7052226" y="3789060"/>
             <a:ext cx="802392" cy="824745"/>
           </a:xfrm>
           <a:prstGeom prst="cube">
@@ -3442,7 +3449,9 @@
           <a:lstStyle/>
           <a:p>
             <a:pPr algn="ctr"/>
-            <a:endParaRPr lang="en-GB" sz="1991"/>
+            <a:endParaRPr lang="en-GB" sz="2800">
+              <a:latin typeface="cmss12" panose="020B0500000000000000" pitchFamily="34" charset="0"/>
+            </a:endParaRPr>
           </a:p>
         </p:txBody>
       </p:sp>
@@ -3454,7 +3463,7 @@
         </p:nvSpPr>
         <p:spPr>
           <a:xfrm>
-            <a:off x="7052226" y="1367057"/>
+            <a:off x="7052226" y="3238721"/>
             <a:ext cx="802392" cy="824745"/>
           </a:xfrm>
           <a:prstGeom prst="cube">
@@ -3495,7 +3504,9 @@
           <a:lstStyle/>
           <a:p>
             <a:pPr algn="ctr"/>
-            <a:endParaRPr lang="en-GB" sz="1991"/>
+            <a:endParaRPr lang="en-GB" sz="2800">
+              <a:latin typeface="cmss12" panose="020B0500000000000000" pitchFamily="34" charset="0"/>
+            </a:endParaRPr>
           </a:p>
         </p:txBody>
       </p:sp>
@@ -3507,7 +3518,7 @@
         </p:nvSpPr>
         <p:spPr>
           <a:xfrm>
-            <a:off x="9311450" y="1215733"/>
+            <a:off x="9311450" y="3087397"/>
             <a:ext cx="2599920" cy="2198871"/>
           </a:xfrm>
           <a:prstGeom prst="cube">
@@ -3516,7 +3527,7 @@
             </a:avLst>
           </a:prstGeom>
           <a:solidFill>
-            <a:schemeClr val="bg2"/>
+            <a:srgbClr val="E6E6E6"/>
           </a:solidFill>
           <a:ln>
             <a:solidFill>
@@ -3545,7 +3556,9 @@
           <a:lstStyle/>
           <a:p>
             <a:pPr algn="ctr"/>
-            <a:endParaRPr lang="en-GB" sz="1991"/>
+            <a:endParaRPr lang="en-GB" sz="2800">
+              <a:latin typeface="cmss12" panose="020B0500000000000000" pitchFamily="34" charset="0"/>
+            </a:endParaRPr>
           </a:p>
         </p:txBody>
       </p:sp>
@@ -3557,7 +3570,7 @@
         </p:nvSpPr>
         <p:spPr>
           <a:xfrm>
-            <a:off x="8349296" y="2119168"/>
+            <a:off x="8349296" y="3990831"/>
             <a:ext cx="312380" cy="399074"/>
           </a:xfrm>
           <a:prstGeom prst="rightArrow">
@@ -3593,7 +3606,9 @@
           <a:lstStyle/>
           <a:p>
             <a:pPr algn="ctr"/>
-            <a:endParaRPr lang="en-GB" sz="1991"/>
+            <a:endParaRPr lang="en-GB" sz="2800">
+              <a:latin typeface="cmss12" panose="020B0500000000000000" pitchFamily="34" charset="0"/>
+            </a:endParaRPr>
           </a:p>
         </p:txBody>
       </p:sp>
@@ -3605,8 +3620,8 @@
         </p:nvSpPr>
         <p:spPr>
           <a:xfrm rot="5400000">
-            <a:off x="7088876" y="2804989"/>
-            <a:ext cx="744740" cy="830997"/>
+            <a:off x="7088876" y="4830541"/>
+            <a:ext cx="744740" cy="523220"/>
           </a:xfrm>
           <a:prstGeom prst="rect">
             <a:avLst/>
@@ -3620,7 +3635,9 @@
           <a:lstStyle/>
           <a:p>
             <a:r>
-              <a:rPr lang="en-GB" sz="4800" dirty="0"/>
+              <a:rPr lang="en-GB" sz="2800" dirty="0">
+                <a:latin typeface="cmss12" panose="020B0500000000000000" pitchFamily="34" charset="0"/>
+              </a:rPr>
               <a:t>…</a:t>
             </a:r>
           </a:p>
@@ -3634,8 +3651,8 @@
         </p:nvSpPr>
         <p:spPr>
           <a:xfrm>
-            <a:off x="3275040" y="2265580"/>
-            <a:ext cx="1233287" cy="584775"/>
+            <a:off x="3275041" y="4137244"/>
+            <a:ext cx="1233287" cy="523220"/>
           </a:xfrm>
           <a:prstGeom prst="rect">
             <a:avLst/>
@@ -3649,14 +3666,14 @@
           <a:lstStyle/>
           <a:p>
             <a:r>
-              <a:rPr lang="en-GB" sz="3200" i="1" dirty="0">
-                <a:latin typeface="Times New Roman" panose="02020603050405020304" pitchFamily="18" charset="0"/>
+              <a:rPr lang="en-GB" sz="2800" i="1" dirty="0">
+                <a:latin typeface="cmss12" panose="020B0500000000000000" pitchFamily="34" charset="0"/>
                 <a:cs typeface="Times New Roman" panose="02020603050405020304" pitchFamily="18" charset="0"/>
               </a:rPr>
               <a:t>H</a:t>
             </a:r>
-            <a:endParaRPr lang="en-GB" sz="3200" i="1" baseline="-25000" dirty="0">
-              <a:latin typeface="Times New Roman" panose="02020603050405020304" pitchFamily="18" charset="0"/>
+            <a:endParaRPr lang="en-GB" sz="2800" i="1" baseline="-25000" dirty="0">
+              <a:latin typeface="cmss12" panose="020B0500000000000000" pitchFamily="34" charset="0"/>
               <a:cs typeface="Times New Roman" panose="02020603050405020304" pitchFamily="18" charset="0"/>
             </a:endParaRPr>
           </a:p>
@@ -3670,8 +3687,8 @@
         </p:nvSpPr>
         <p:spPr>
           <a:xfrm>
-            <a:off x="4229782" y="3197270"/>
-            <a:ext cx="1233287" cy="584775"/>
+            <a:off x="4229783" y="5068934"/>
+            <a:ext cx="1233287" cy="523220"/>
           </a:xfrm>
           <a:prstGeom prst="rect">
             <a:avLst/>
@@ -3685,14 +3702,14 @@
           <a:lstStyle/>
           <a:p>
             <a:r>
-              <a:rPr lang="en-GB" sz="3200" i="1" dirty="0">
-                <a:latin typeface="Times New Roman" panose="02020603050405020304" pitchFamily="18" charset="0"/>
+              <a:rPr lang="en-GB" sz="2800" i="1" dirty="0">
+                <a:latin typeface="cmss12" panose="020B0500000000000000" pitchFamily="34" charset="0"/>
                 <a:cs typeface="Times New Roman" panose="02020603050405020304" pitchFamily="18" charset="0"/>
               </a:rPr>
               <a:t>W</a:t>
             </a:r>
-            <a:endParaRPr lang="en-GB" sz="3200" i="1" baseline="-25000" dirty="0">
-              <a:latin typeface="Times New Roman" panose="02020603050405020304" pitchFamily="18" charset="0"/>
+            <a:endParaRPr lang="en-GB" sz="2800" i="1" baseline="-25000" dirty="0">
+              <a:latin typeface="cmss12" panose="020B0500000000000000" pitchFamily="34" charset="0"/>
               <a:cs typeface="Times New Roman" panose="02020603050405020304" pitchFamily="18" charset="0"/>
             </a:endParaRPr>
           </a:p>
@@ -3706,8 +3723,8 @@
         </p:nvSpPr>
         <p:spPr>
           <a:xfrm>
-            <a:off x="5499572" y="2795779"/>
-            <a:ext cx="1233287" cy="584775"/>
+            <a:off x="5499573" y="4667443"/>
+            <a:ext cx="1233287" cy="523220"/>
           </a:xfrm>
           <a:prstGeom prst="rect">
             <a:avLst/>
@@ -3721,14 +3738,14 @@
           <a:lstStyle/>
           <a:p>
             <a:r>
-              <a:rPr lang="en-GB" sz="3200" i="1" dirty="0">
-                <a:latin typeface="Times New Roman" panose="02020603050405020304" pitchFamily="18" charset="0"/>
+              <a:rPr lang="en-GB" sz="2800" i="1" dirty="0">
+                <a:latin typeface="cmss12" panose="020B0500000000000000" pitchFamily="34" charset="0"/>
                 <a:cs typeface="Times New Roman" panose="02020603050405020304" pitchFamily="18" charset="0"/>
               </a:rPr>
               <a:t>c</a:t>
             </a:r>
-            <a:endParaRPr lang="en-GB" sz="3200" i="1" baseline="-25000" dirty="0">
-              <a:latin typeface="Times New Roman" panose="02020603050405020304" pitchFamily="18" charset="0"/>
+            <a:endParaRPr lang="en-GB" sz="2800" i="1" baseline="-25000" dirty="0">
+              <a:latin typeface="cmss12" panose="020B0500000000000000" pitchFamily="34" charset="0"/>
               <a:cs typeface="Times New Roman" panose="02020603050405020304" pitchFamily="18" charset="0"/>
             </a:endParaRPr>
           </a:p>
@@ -3742,8 +3759,8 @@
         </p:nvSpPr>
         <p:spPr>
           <a:xfrm>
-            <a:off x="11468146" y="2701649"/>
-            <a:ext cx="1233287" cy="584775"/>
+            <a:off x="11468147" y="4573313"/>
+            <a:ext cx="1233287" cy="523220"/>
           </a:xfrm>
           <a:prstGeom prst="rect">
             <a:avLst/>
@@ -3757,14 +3774,14 @@
           <a:lstStyle/>
           <a:p>
             <a:r>
-              <a:rPr lang="en-GB" sz="3200" i="1" dirty="0">
-                <a:latin typeface="Times New Roman" panose="02020603050405020304" pitchFamily="18" charset="0"/>
+              <a:rPr lang="en-GB" sz="2800" i="1" dirty="0">
+                <a:latin typeface="cmss12" panose="020B0500000000000000" pitchFamily="34" charset="0"/>
                 <a:cs typeface="Times New Roman" panose="02020603050405020304" pitchFamily="18" charset="0"/>
               </a:rPr>
               <a:t>d</a:t>
             </a:r>
-            <a:endParaRPr lang="en-GB" sz="3200" i="1" baseline="-25000" dirty="0">
-              <a:latin typeface="Times New Roman" panose="02020603050405020304" pitchFamily="18" charset="0"/>
+            <a:endParaRPr lang="en-GB" sz="2800" i="1" baseline="-25000" dirty="0">
+              <a:latin typeface="cmss12" panose="020B0500000000000000" pitchFamily="34" charset="0"/>
               <a:cs typeface="Times New Roman" panose="02020603050405020304" pitchFamily="18" charset="0"/>
             </a:endParaRPr>
           </a:p>
@@ -3778,8 +3795,8 @@
         </p:nvSpPr>
         <p:spPr>
           <a:xfrm>
-            <a:off x="8863256" y="2448075"/>
-            <a:ext cx="1233287" cy="584775"/>
+            <a:off x="8863257" y="4319739"/>
+            <a:ext cx="1233287" cy="523220"/>
           </a:xfrm>
           <a:prstGeom prst="rect">
             <a:avLst/>
@@ -3793,14 +3810,14 @@
           <a:lstStyle/>
           <a:p>
             <a:r>
-              <a:rPr lang="en-GB" sz="3200" i="1" dirty="0">
-                <a:latin typeface="Times New Roman" panose="02020603050405020304" pitchFamily="18" charset="0"/>
+              <a:rPr lang="en-GB" sz="2800" i="1">
+                <a:latin typeface="cmss12" panose="020B0500000000000000" pitchFamily="34" charset="0"/>
                 <a:cs typeface="Times New Roman" panose="02020603050405020304" pitchFamily="18" charset="0"/>
               </a:rPr>
               <a:t>H</a:t>
             </a:r>
-            <a:endParaRPr lang="en-GB" sz="3200" i="1" baseline="-25000" dirty="0">
-              <a:latin typeface="Times New Roman" panose="02020603050405020304" pitchFamily="18" charset="0"/>
+            <a:endParaRPr lang="en-GB" sz="2800" i="1" baseline="-25000" dirty="0">
+              <a:latin typeface="cmss12" panose="020B0500000000000000" pitchFamily="34" charset="0"/>
               <a:cs typeface="Times New Roman" panose="02020603050405020304" pitchFamily="18" charset="0"/>
             </a:endParaRPr>
           </a:p>
@@ -3814,8 +3831,8 @@
         </p:nvSpPr>
         <p:spPr>
           <a:xfrm>
-            <a:off x="9875629" y="3345187"/>
-            <a:ext cx="1233287" cy="584775"/>
+            <a:off x="9875630" y="5216851"/>
+            <a:ext cx="1233287" cy="523220"/>
           </a:xfrm>
           <a:prstGeom prst="rect">
             <a:avLst/>
@@ -3829,14 +3846,14 @@
           <a:lstStyle/>
           <a:p>
             <a:r>
-              <a:rPr lang="en-GB" sz="3200" i="1" dirty="0">
-                <a:latin typeface="Times New Roman" panose="02020603050405020304" pitchFamily="18" charset="0"/>
+              <a:rPr lang="en-GB" sz="2800" i="1" dirty="0">
+                <a:latin typeface="cmss12" panose="020B0500000000000000" pitchFamily="34" charset="0"/>
                 <a:cs typeface="Times New Roman" panose="02020603050405020304" pitchFamily="18" charset="0"/>
               </a:rPr>
               <a:t>W</a:t>
             </a:r>
-            <a:endParaRPr lang="en-GB" sz="3200" i="1" baseline="-25000" dirty="0">
-              <a:latin typeface="Times New Roman" panose="02020603050405020304" pitchFamily="18" charset="0"/>
+            <a:endParaRPr lang="en-GB" sz="2800" i="1" baseline="-25000" dirty="0">
+              <a:latin typeface="cmss12" panose="020B0500000000000000" pitchFamily="34" charset="0"/>
               <a:cs typeface="Times New Roman" panose="02020603050405020304" pitchFamily="18" charset="0"/>
             </a:endParaRPr>
           </a:p>
@@ -3850,7 +3867,7 @@
         </p:nvSpPr>
         <p:spPr>
           <a:xfrm>
-            <a:off x="7053147" y="3307300"/>
+            <a:off x="7053147" y="5178964"/>
             <a:ext cx="802392" cy="824745"/>
           </a:xfrm>
           <a:prstGeom prst="cube">
@@ -3891,7 +3908,9 @@
           <a:lstStyle/>
           <a:p>
             <a:pPr algn="ctr"/>
-            <a:endParaRPr lang="en-GB" sz="1991"/>
+            <a:endParaRPr lang="en-GB" sz="2800">
+              <a:latin typeface="cmss12" panose="020B0500000000000000" pitchFamily="34" charset="0"/>
+            </a:endParaRPr>
           </a:p>
         </p:txBody>
       </p:sp>
@@ -3903,8 +3922,8 @@
         </p:nvSpPr>
         <p:spPr>
           <a:xfrm>
-            <a:off x="6111927" y="848322"/>
-            <a:ext cx="3069771" cy="584775"/>
+            <a:off x="6111928" y="2719986"/>
+            <a:ext cx="3069771" cy="523220"/>
           </a:xfrm>
           <a:prstGeom prst="rect">
             <a:avLst/>
@@ -3919,19 +3938,21 @@
           <a:p>
             <a:pPr algn="ctr"/>
             <a:r>
-              <a:rPr lang="en-GB" sz="3200" i="1" dirty="0">
-                <a:latin typeface="Times New Roman" panose="02020603050405020304" pitchFamily="18" charset="0"/>
+              <a:rPr lang="en-GB" sz="2800" i="1" dirty="0">
+                <a:latin typeface="cmss12" panose="020B0500000000000000" pitchFamily="34" charset="0"/>
                 <a:cs typeface="Times New Roman" panose="02020603050405020304" pitchFamily="18" charset="0"/>
               </a:rPr>
-              <a:t>d </a:t>
-            </a:r>
-            <a:r>
-              <a:rPr lang="en-GB" sz="3200" dirty="0">
+              <a:t>d</a:t>
+            </a:r>
+            <a:r>
+              <a:rPr lang="en-GB" sz="2800" dirty="0">
+                <a:latin typeface="cmss12" panose="020B0500000000000000" pitchFamily="34" charset="0"/>
                 <a:cs typeface="Times New Roman" panose="02020603050405020304" pitchFamily="18" charset="0"/>
               </a:rPr>
-              <a:t>filters</a:t>
-            </a:r>
-            <a:endParaRPr lang="en-GB" sz="3200" baseline="-25000" dirty="0">
+              <a:t> filters</a:t>
+            </a:r>
+            <a:endParaRPr lang="en-GB" sz="2800" baseline="-25000" dirty="0">
+              <a:latin typeface="cmss12" panose="020B0500000000000000" pitchFamily="34" charset="0"/>
               <a:cs typeface="Times New Roman" panose="02020603050405020304" pitchFamily="18" charset="0"/>
             </a:endParaRPr>
           </a:p>
@@ -3945,8 +3966,8 @@
         </p:nvSpPr>
         <p:spPr>
           <a:xfrm>
-            <a:off x="7021344" y="3979099"/>
-            <a:ext cx="1233287" cy="584775"/>
+            <a:off x="7021345" y="5850763"/>
+            <a:ext cx="1233287" cy="523220"/>
           </a:xfrm>
           <a:prstGeom prst="rect">
             <a:avLst/>
@@ -3960,14 +3981,14 @@
           <a:lstStyle/>
           <a:p>
             <a:r>
-              <a:rPr lang="en-GB" sz="3200" i="1" dirty="0">
-                <a:latin typeface="Times New Roman" panose="02020603050405020304" pitchFamily="18" charset="0"/>
+              <a:rPr lang="en-GB" sz="2800" i="1" dirty="0">
+                <a:latin typeface="cmss12" panose="020B0500000000000000" pitchFamily="34" charset="0"/>
                 <a:cs typeface="Times New Roman" panose="02020603050405020304" pitchFamily="18" charset="0"/>
               </a:rPr>
               <a:t>w</a:t>
             </a:r>
-            <a:endParaRPr lang="en-GB" sz="3200" i="1" baseline="-25000" dirty="0">
-              <a:latin typeface="Times New Roman" panose="02020603050405020304" pitchFamily="18" charset="0"/>
+            <a:endParaRPr lang="en-GB" sz="2800" i="1" baseline="-25000" dirty="0">
+              <a:latin typeface="cmss12" panose="020B0500000000000000" pitchFamily="34" charset="0"/>
               <a:cs typeface="Times New Roman" panose="02020603050405020304" pitchFamily="18" charset="0"/>
             </a:endParaRPr>
           </a:p>
@@ -3981,8 +4002,8 @@
         </p:nvSpPr>
         <p:spPr>
           <a:xfrm>
-            <a:off x="6712935" y="3625048"/>
-            <a:ext cx="1233287" cy="584775"/>
+            <a:off x="6712936" y="5496712"/>
+            <a:ext cx="1233287" cy="523220"/>
           </a:xfrm>
           <a:prstGeom prst="rect">
             <a:avLst/>
@@ -3996,14 +4017,14 @@
           <a:lstStyle/>
           <a:p>
             <a:r>
-              <a:rPr lang="en-GB" sz="3200" i="1" dirty="0">
-                <a:latin typeface="Times New Roman" panose="02020603050405020304" pitchFamily="18" charset="0"/>
+              <a:rPr lang="en-GB" sz="2800" i="1" dirty="0">
+                <a:latin typeface="cmss12" panose="020B0500000000000000" pitchFamily="34" charset="0"/>
                 <a:cs typeface="Times New Roman" panose="02020603050405020304" pitchFamily="18" charset="0"/>
               </a:rPr>
               <a:t>h</a:t>
             </a:r>
-            <a:endParaRPr lang="en-GB" sz="3200" i="1" baseline="-25000" dirty="0">
-              <a:latin typeface="Times New Roman" panose="02020603050405020304" pitchFamily="18" charset="0"/>
+            <a:endParaRPr lang="en-GB" sz="2800" i="1" baseline="-25000" dirty="0">
+              <a:latin typeface="cmss12" panose="020B0500000000000000" pitchFamily="34" charset="0"/>
               <a:cs typeface="Times New Roman" panose="02020603050405020304" pitchFamily="18" charset="0"/>
             </a:endParaRPr>
           </a:p>
@@ -4017,8 +4038,8 @@
         </p:nvSpPr>
         <p:spPr>
           <a:xfrm>
-            <a:off x="7609028" y="3639247"/>
-            <a:ext cx="1233287" cy="584775"/>
+            <a:off x="7609029" y="5560948"/>
+            <a:ext cx="1233287" cy="523220"/>
           </a:xfrm>
           <a:prstGeom prst="rect">
             <a:avLst/>
@@ -4032,14 +4053,14 @@
           <a:lstStyle/>
           <a:p>
             <a:r>
-              <a:rPr lang="en-GB" sz="3200" i="1" dirty="0">
-                <a:latin typeface="Times New Roman" panose="02020603050405020304" pitchFamily="18" charset="0"/>
+              <a:rPr lang="en-GB" sz="2800" dirty="0">
+                <a:latin typeface="cmss12" panose="020B0500000000000000" pitchFamily="34" charset="0"/>
                 <a:cs typeface="Times New Roman" panose="02020603050405020304" pitchFamily="18" charset="0"/>
               </a:rPr>
               <a:t>c</a:t>
             </a:r>
-            <a:endParaRPr lang="en-GB" sz="3200" i="1" baseline="-25000" dirty="0">
-              <a:latin typeface="Times New Roman" panose="02020603050405020304" pitchFamily="18" charset="0"/>
+            <a:endParaRPr lang="en-GB" sz="2800" baseline="-25000" dirty="0">
+              <a:latin typeface="cmss12" panose="020B0500000000000000" pitchFamily="34" charset="0"/>
               <a:cs typeface="Times New Roman" panose="02020603050405020304" pitchFamily="18" charset="0"/>
             </a:endParaRPr>
           </a:p>
@@ -4053,8 +4074,8 @@
         </p:nvSpPr>
         <p:spPr>
           <a:xfrm>
-            <a:off x="6233448" y="2125461"/>
-            <a:ext cx="1233287" cy="830997"/>
+            <a:off x="6233449" y="3997125"/>
+            <a:ext cx="1233287" cy="523220"/>
           </a:xfrm>
           <a:prstGeom prst="rect">
             <a:avLst/>
@@ -4068,14 +4089,14 @@
           <a:lstStyle/>
           <a:p>
             <a:r>
-              <a:rPr lang="en-GB" sz="4800" i="1" dirty="0">
-                <a:latin typeface="Times New Roman" panose="02020603050405020304" pitchFamily="18" charset="0"/>
+              <a:rPr lang="en-GB" sz="2800" dirty="0">
+                <a:latin typeface="cmss12" panose="020B0500000000000000" pitchFamily="34" charset="0"/>
                 <a:cs typeface="Times New Roman" panose="02020603050405020304" pitchFamily="18" charset="0"/>
               </a:rPr>
               <a:t>*</a:t>
             </a:r>
-            <a:endParaRPr lang="en-GB" sz="4800" i="1" baseline="-25000" dirty="0">
-              <a:latin typeface="Times New Roman" panose="02020603050405020304" pitchFamily="18" charset="0"/>
+            <a:endParaRPr lang="en-GB" sz="2800" baseline="-25000" dirty="0">
+              <a:latin typeface="cmss12" panose="020B0500000000000000" pitchFamily="34" charset="0"/>
               <a:cs typeface="Times New Roman" panose="02020603050405020304" pitchFamily="18" charset="0"/>
             </a:endParaRPr>
           </a:p>
@@ -4119,8 +4140,8 @@
         </p:nvSpPr>
         <p:spPr>
           <a:xfrm>
-            <a:off x="8942716" y="3954005"/>
-            <a:ext cx="1233287" cy="584775"/>
+            <a:off x="8942717" y="5825669"/>
+            <a:ext cx="1233287" cy="523220"/>
           </a:xfrm>
           <a:prstGeom prst="rect">
             <a:avLst/>
@@ -4134,14 +4155,14 @@
           <a:lstStyle/>
           <a:p>
             <a:r>
-              <a:rPr lang="en-GB" sz="3200" i="1" dirty="0">
-                <a:latin typeface="Times New Roman" panose="02020603050405020304" pitchFamily="18" charset="0"/>
+              <a:rPr lang="en-GB" sz="2800" i="1" dirty="0">
+                <a:latin typeface="cmss12" panose="020B0500000000000000" pitchFamily="34" charset="0"/>
                 <a:cs typeface="Times New Roman" panose="02020603050405020304" pitchFamily="18" charset="0"/>
               </a:rPr>
               <a:t>1</a:t>
             </a:r>
-            <a:endParaRPr lang="en-GB" sz="3200" i="1" baseline="-25000" dirty="0">
-              <a:latin typeface="Times New Roman" panose="02020603050405020304" pitchFamily="18" charset="0"/>
+            <a:endParaRPr lang="en-GB" sz="2800" i="1" baseline="-25000" dirty="0">
+              <a:latin typeface="cmss12" panose="020B0500000000000000" pitchFamily="34" charset="0"/>
               <a:cs typeface="Times New Roman" panose="02020603050405020304" pitchFamily="18" charset="0"/>
             </a:endParaRPr>
           </a:p>
@@ -4155,14 +4176,14 @@
         </p:nvSpPr>
         <p:spPr>
           <a:xfrm>
-            <a:off x="538734" y="1846100"/>
+            <a:off x="538734" y="3717763"/>
             <a:ext cx="2087714" cy="1787850"/>
           </a:xfrm>
           <a:prstGeom prst="cube">
             <a:avLst/>
           </a:prstGeom>
           <a:solidFill>
-            <a:schemeClr val="bg2"/>
+            <a:srgbClr val="E6E6E6"/>
           </a:solidFill>
           <a:ln>
             <a:solidFill>
@@ -4191,7 +4212,9 @@
           <a:lstStyle/>
           <a:p>
             <a:pPr algn="ctr"/>
-            <a:endParaRPr lang="en-GB" sz="3200"/>
+            <a:endParaRPr lang="en-GB" sz="2800">
+              <a:latin typeface="cmss12" panose="020B0500000000000000" pitchFamily="34" charset="0"/>
+            </a:endParaRPr>
           </a:p>
         </p:txBody>
       </p:sp>
@@ -4203,7 +4226,7 @@
         </p:nvSpPr>
         <p:spPr>
           <a:xfrm>
-            <a:off x="5219257" y="1658057"/>
+            <a:off x="5219257" y="3529721"/>
             <a:ext cx="2599920" cy="2198871"/>
           </a:xfrm>
           <a:prstGeom prst="cube">
@@ -4212,7 +4235,7 @@
             </a:avLst>
           </a:prstGeom>
           <a:solidFill>
-            <a:schemeClr val="bg2"/>
+            <a:srgbClr val="E6E6E6"/>
           </a:solidFill>
           <a:ln>
             <a:solidFill>
@@ -4241,7 +4264,9 @@
           <a:lstStyle/>
           <a:p>
             <a:pPr algn="ctr"/>
-            <a:endParaRPr lang="en-GB" sz="3200"/>
+            <a:endParaRPr lang="en-GB" sz="2800">
+              <a:latin typeface="cmss12" panose="020B0500000000000000" pitchFamily="34" charset="0"/>
+            </a:endParaRPr>
           </a:p>
         </p:txBody>
       </p:sp>
@@ -4253,7 +4278,7 @@
         </p:nvSpPr>
         <p:spPr>
           <a:xfrm>
-            <a:off x="4211142" y="2517164"/>
+            <a:off x="4211142" y="4388827"/>
             <a:ext cx="312380" cy="399074"/>
           </a:xfrm>
           <a:prstGeom prst="rightArrow">
@@ -4289,7 +4314,9 @@
           <a:lstStyle/>
           <a:p>
             <a:pPr algn="ctr"/>
-            <a:endParaRPr lang="en-GB" sz="3200"/>
+            <a:endParaRPr lang="en-GB" sz="2800">
+              <a:latin typeface="cmss12" panose="020B0500000000000000" pitchFamily="34" charset="0"/>
+            </a:endParaRPr>
           </a:p>
         </p:txBody>
       </p:sp>
@@ -4301,8 +4328,8 @@
         </p:nvSpPr>
         <p:spPr>
           <a:xfrm rot="5400000">
-            <a:off x="3365830" y="2634004"/>
-            <a:ext cx="744740" cy="769441"/>
+            <a:off x="3365830" y="4628778"/>
+            <a:ext cx="744740" cy="523220"/>
           </a:xfrm>
           <a:prstGeom prst="rect">
             <a:avLst/>
@@ -4316,7 +4343,9 @@
           <a:lstStyle/>
           <a:p>
             <a:r>
-              <a:rPr lang="en-GB" sz="4400" dirty="0"/>
+              <a:rPr lang="en-GB" sz="2800" dirty="0">
+                <a:latin typeface="cmss12" panose="020B0500000000000000" pitchFamily="34" charset="0"/>
+              </a:rPr>
               <a:t>…</a:t>
             </a:r>
           </a:p>
@@ -4330,8 +4359,8 @@
         </p:nvSpPr>
         <p:spPr>
           <a:xfrm>
-            <a:off x="1025652" y="3526335"/>
-            <a:ext cx="1233287" cy="584775"/>
+            <a:off x="1025653" y="5397999"/>
+            <a:ext cx="1233287" cy="523220"/>
           </a:xfrm>
           <a:prstGeom prst="rect">
             <a:avLst/>
@@ -4345,14 +4374,14 @@
           <a:lstStyle/>
           <a:p>
             <a:r>
-              <a:rPr lang="en-GB" sz="3200" i="1" dirty="0">
-                <a:latin typeface="Times New Roman" panose="02020603050405020304" pitchFamily="18" charset="0"/>
+              <a:rPr lang="en-GB" sz="2800" i="1" dirty="0">
+                <a:latin typeface="cmss12" panose="020B0500000000000000" pitchFamily="34" charset="0"/>
                 <a:cs typeface="Times New Roman" panose="02020603050405020304" pitchFamily="18" charset="0"/>
               </a:rPr>
               <a:t>W</a:t>
             </a:r>
-            <a:endParaRPr lang="en-GB" sz="3200" i="1" baseline="-25000" dirty="0">
-              <a:latin typeface="Times New Roman" panose="02020603050405020304" pitchFamily="18" charset="0"/>
+            <a:endParaRPr lang="en-GB" sz="2800" i="1" baseline="-25000" dirty="0">
+              <a:latin typeface="cmss12" panose="020B0500000000000000" pitchFamily="34" charset="0"/>
               <a:cs typeface="Times New Roman" panose="02020603050405020304" pitchFamily="18" charset="0"/>
             </a:endParaRPr>
           </a:p>
@@ -4366,8 +4395,8 @@
         </p:nvSpPr>
         <p:spPr>
           <a:xfrm>
-            <a:off x="106688" y="2623851"/>
-            <a:ext cx="1233287" cy="584775"/>
+            <a:off x="106689" y="4495515"/>
+            <a:ext cx="1233287" cy="523220"/>
           </a:xfrm>
           <a:prstGeom prst="rect">
             <a:avLst/>
@@ -4381,14 +4410,14 @@
           <a:lstStyle/>
           <a:p>
             <a:r>
-              <a:rPr lang="en-GB" sz="3200" i="1" dirty="0">
-                <a:latin typeface="Times New Roman" panose="02020603050405020304" pitchFamily="18" charset="0"/>
+              <a:rPr lang="en-GB" sz="2800" i="1" dirty="0">
+                <a:latin typeface="cmss12" panose="020B0500000000000000" pitchFamily="34" charset="0"/>
                 <a:cs typeface="Times New Roman" panose="02020603050405020304" pitchFamily="18" charset="0"/>
               </a:rPr>
               <a:t>H</a:t>
             </a:r>
-            <a:endParaRPr lang="en-GB" sz="3200" i="1" baseline="-25000" dirty="0">
-              <a:latin typeface="Times New Roman" panose="02020603050405020304" pitchFamily="18" charset="0"/>
+            <a:endParaRPr lang="en-GB" sz="2800" i="1" baseline="-25000" dirty="0">
+              <a:latin typeface="cmss12" panose="020B0500000000000000" pitchFamily="34" charset="0"/>
               <a:cs typeface="Times New Roman" panose="02020603050405020304" pitchFamily="18" charset="0"/>
             </a:endParaRPr>
           </a:p>
@@ -4402,8 +4431,8 @@
         </p:nvSpPr>
         <p:spPr>
           <a:xfrm>
-            <a:off x="2361038" y="3118671"/>
-            <a:ext cx="1233287" cy="584775"/>
+            <a:off x="2361039" y="4990335"/>
+            <a:ext cx="1233287" cy="523220"/>
           </a:xfrm>
           <a:prstGeom prst="rect">
             <a:avLst/>
@@ -4417,14 +4446,14 @@
           <a:lstStyle/>
           <a:p>
             <a:r>
-              <a:rPr lang="en-GB" sz="3200" i="1" dirty="0">
-                <a:latin typeface="Times New Roman" panose="02020603050405020304" pitchFamily="18" charset="0"/>
+              <a:rPr lang="en-GB" sz="2800" i="1" dirty="0">
+                <a:latin typeface="cmss12" panose="020B0500000000000000" pitchFamily="34" charset="0"/>
                 <a:cs typeface="Times New Roman" panose="02020603050405020304" pitchFamily="18" charset="0"/>
               </a:rPr>
               <a:t>c</a:t>
             </a:r>
-            <a:endParaRPr lang="en-GB" sz="3200" i="1" baseline="-25000" dirty="0">
-              <a:latin typeface="Times New Roman" panose="02020603050405020304" pitchFamily="18" charset="0"/>
+            <a:endParaRPr lang="en-GB" sz="2800" i="1" baseline="-25000" dirty="0">
+              <a:latin typeface="cmss12" panose="020B0500000000000000" pitchFamily="34" charset="0"/>
               <a:cs typeface="Times New Roman" panose="02020603050405020304" pitchFamily="18" charset="0"/>
             </a:endParaRPr>
           </a:p>
@@ -4438,8 +4467,8 @@
         </p:nvSpPr>
         <p:spPr>
           <a:xfrm>
-            <a:off x="2142719" y="835642"/>
-            <a:ext cx="3069771" cy="584775"/>
+            <a:off x="2142720" y="2707306"/>
+            <a:ext cx="3069771" cy="523220"/>
           </a:xfrm>
           <a:prstGeom prst="rect">
             <a:avLst/>
@@ -4454,19 +4483,21 @@
           <a:p>
             <a:pPr algn="ctr"/>
             <a:r>
-              <a:rPr lang="en-GB" sz="3200" i="1" dirty="0">
-                <a:latin typeface="Times New Roman" panose="02020603050405020304" pitchFamily="18" charset="0"/>
+              <a:rPr lang="en-GB" sz="2800" i="1" dirty="0">
+                <a:latin typeface="cmss12" panose="020B0500000000000000" pitchFamily="34" charset="0"/>
                 <a:cs typeface="Times New Roman" panose="02020603050405020304" pitchFamily="18" charset="0"/>
               </a:rPr>
               <a:t>m </a:t>
             </a:r>
             <a:r>
-              <a:rPr lang="en-GB" sz="3200" dirty="0">
+              <a:rPr lang="en-GB" sz="2800" dirty="0">
+                <a:latin typeface="cmss12" panose="020B0500000000000000" pitchFamily="34" charset="0"/>
                 <a:cs typeface="Times New Roman" panose="02020603050405020304" pitchFamily="18" charset="0"/>
               </a:rPr>
               <a:t>filters</a:t>
             </a:r>
-            <a:endParaRPr lang="en-GB" sz="3200" baseline="-25000" dirty="0">
+            <a:endParaRPr lang="en-GB" sz="2800" baseline="-25000" dirty="0">
+              <a:latin typeface="cmss12" panose="020B0500000000000000" pitchFamily="34" charset="0"/>
               <a:cs typeface="Times New Roman" panose="02020603050405020304" pitchFamily="18" charset="0"/>
             </a:endParaRPr>
           </a:p>
@@ -4480,8 +4511,8 @@
         </p:nvSpPr>
         <p:spPr>
           <a:xfrm>
-            <a:off x="4758633" y="2900077"/>
-            <a:ext cx="1233287" cy="584775"/>
+            <a:off x="4758634" y="4771741"/>
+            <a:ext cx="1233287" cy="523220"/>
           </a:xfrm>
           <a:prstGeom prst="rect">
             <a:avLst/>
@@ -4495,14 +4526,14 @@
           <a:lstStyle/>
           <a:p>
             <a:r>
-              <a:rPr lang="en-GB" sz="3200" i="1" dirty="0">
-                <a:latin typeface="Times New Roman" panose="02020603050405020304" pitchFamily="18" charset="0"/>
+              <a:rPr lang="en-GB" sz="2800" i="1" dirty="0">
+                <a:latin typeface="cmss12" panose="020B0500000000000000" pitchFamily="34" charset="0"/>
                 <a:cs typeface="Times New Roman" panose="02020603050405020304" pitchFamily="18" charset="0"/>
               </a:rPr>
               <a:t>H</a:t>
             </a:r>
-            <a:endParaRPr lang="en-GB" sz="3200" i="1" baseline="-25000" dirty="0">
-              <a:latin typeface="Times New Roman" panose="02020603050405020304" pitchFamily="18" charset="0"/>
+            <a:endParaRPr lang="en-GB" sz="2800" i="1" baseline="-25000" dirty="0">
+              <a:latin typeface="cmss12" panose="020B0500000000000000" pitchFamily="34" charset="0"/>
               <a:cs typeface="Times New Roman" panose="02020603050405020304" pitchFamily="18" charset="0"/>
             </a:endParaRPr>
           </a:p>
@@ -4516,8 +4547,8 @@
         </p:nvSpPr>
         <p:spPr>
           <a:xfrm>
-            <a:off x="5773905" y="3758940"/>
-            <a:ext cx="1233287" cy="584775"/>
+            <a:off x="5773906" y="5630604"/>
+            <a:ext cx="1233287" cy="523220"/>
           </a:xfrm>
           <a:prstGeom prst="rect">
             <a:avLst/>
@@ -4531,14 +4562,14 @@
           <a:lstStyle/>
           <a:p>
             <a:r>
-              <a:rPr lang="en-GB" sz="3200" i="1" dirty="0">
-                <a:latin typeface="Times New Roman" panose="02020603050405020304" pitchFamily="18" charset="0"/>
+              <a:rPr lang="en-GB" sz="2800" i="1" dirty="0">
+                <a:latin typeface="cmss12" panose="020B0500000000000000" pitchFamily="34" charset="0"/>
                 <a:cs typeface="Times New Roman" panose="02020603050405020304" pitchFamily="18" charset="0"/>
               </a:rPr>
               <a:t>W</a:t>
             </a:r>
-            <a:endParaRPr lang="en-GB" sz="3200" i="1" baseline="-25000" dirty="0">
-              <a:latin typeface="Times New Roman" panose="02020603050405020304" pitchFamily="18" charset="0"/>
+            <a:endParaRPr lang="en-GB" sz="2800" i="1" baseline="-25000" dirty="0">
+              <a:latin typeface="cmss12" panose="020B0500000000000000" pitchFamily="34" charset="0"/>
               <a:cs typeface="Times New Roman" panose="02020603050405020304" pitchFamily="18" charset="0"/>
             </a:endParaRPr>
           </a:p>
@@ -4552,7 +4583,7 @@
         </p:nvSpPr>
         <p:spPr>
           <a:xfrm>
-            <a:off x="11195918" y="1404196"/>
+            <a:off x="11195918" y="3275860"/>
             <a:ext cx="2599920" cy="2198871"/>
           </a:xfrm>
           <a:prstGeom prst="cube">
@@ -4561,7 +4592,7 @@
             </a:avLst>
           </a:prstGeom>
           <a:solidFill>
-            <a:schemeClr val="bg2"/>
+            <a:srgbClr val="E6E6E6"/>
           </a:solidFill>
           <a:ln>
             <a:solidFill>
@@ -4590,7 +4621,9 @@
           <a:lstStyle/>
           <a:p>
             <a:pPr algn="ctr"/>
-            <a:endParaRPr lang="en-GB" sz="3200"/>
+            <a:endParaRPr lang="en-GB" sz="2800">
+              <a:latin typeface="cmss12" panose="020B0500000000000000" pitchFamily="34" charset="0"/>
+            </a:endParaRPr>
           </a:p>
         </p:txBody>
       </p:sp>
@@ -4602,7 +4635,7 @@
         </p:nvSpPr>
         <p:spPr>
           <a:xfrm>
-            <a:off x="10115798" y="2541546"/>
+            <a:off x="10115798" y="4413209"/>
             <a:ext cx="312380" cy="399074"/>
           </a:xfrm>
           <a:prstGeom prst="rightArrow">
@@ -4638,7 +4671,9 @@
           <a:lstStyle/>
           <a:p>
             <a:pPr algn="ctr"/>
-            <a:endParaRPr lang="en-GB" sz="3200"/>
+            <a:endParaRPr lang="en-GB" sz="2800">
+              <a:latin typeface="cmss12" panose="020B0500000000000000" pitchFamily="34" charset="0"/>
+            </a:endParaRPr>
           </a:p>
         </p:txBody>
       </p:sp>
@@ -4650,8 +4685,8 @@
         </p:nvSpPr>
         <p:spPr>
           <a:xfrm rot="5400000">
-            <a:off x="9035403" y="2804307"/>
-            <a:ext cx="744740" cy="830997"/>
+            <a:off x="9035403" y="4754768"/>
+            <a:ext cx="744740" cy="523220"/>
           </a:xfrm>
           <a:prstGeom prst="rect">
             <a:avLst/>
@@ -4665,7 +4700,9 @@
           <a:lstStyle/>
           <a:p>
             <a:r>
-              <a:rPr lang="en-GB" sz="4800" dirty="0"/>
+              <a:rPr lang="en-GB" sz="2800" dirty="0">
+                <a:latin typeface="cmss12" panose="020B0500000000000000" pitchFamily="34" charset="0"/>
+              </a:rPr>
               <a:t>…</a:t>
             </a:r>
           </a:p>
@@ -4679,8 +4716,8 @@
         </p:nvSpPr>
         <p:spPr>
           <a:xfrm>
-            <a:off x="7410525" y="3143974"/>
-            <a:ext cx="1233287" cy="584775"/>
+            <a:off x="7410526" y="5015638"/>
+            <a:ext cx="1233287" cy="523220"/>
           </a:xfrm>
           <a:prstGeom prst="rect">
             <a:avLst/>
@@ -4694,14 +4731,14 @@
           <a:lstStyle/>
           <a:p>
             <a:r>
-              <a:rPr lang="en-GB" sz="3200" i="1" dirty="0">
-                <a:latin typeface="Times New Roman" panose="02020603050405020304" pitchFamily="18" charset="0"/>
+              <a:rPr lang="en-GB" sz="2800" i="1" dirty="0">
+                <a:latin typeface="cmss12" panose="020B0500000000000000" pitchFamily="34" charset="0"/>
                 <a:cs typeface="Times New Roman" panose="02020603050405020304" pitchFamily="18" charset="0"/>
               </a:rPr>
               <a:t>m</a:t>
             </a:r>
-            <a:endParaRPr lang="en-GB" sz="3200" i="1" baseline="-25000" dirty="0">
-              <a:latin typeface="Times New Roman" panose="02020603050405020304" pitchFamily="18" charset="0"/>
+            <a:endParaRPr lang="en-GB" sz="2800" i="1" baseline="-25000" dirty="0">
+              <a:latin typeface="cmss12" panose="020B0500000000000000" pitchFamily="34" charset="0"/>
               <a:cs typeface="Times New Roman" panose="02020603050405020304" pitchFamily="18" charset="0"/>
             </a:endParaRPr>
           </a:p>
@@ -4715,8 +4752,8 @@
         </p:nvSpPr>
         <p:spPr>
           <a:xfrm>
-            <a:off x="13356160" y="2988371"/>
-            <a:ext cx="1233287" cy="584775"/>
+            <a:off x="13356161" y="4860035"/>
+            <a:ext cx="1233287" cy="523220"/>
           </a:xfrm>
           <a:prstGeom prst="rect">
             <a:avLst/>
@@ -4730,14 +4767,14 @@
           <a:lstStyle/>
           <a:p>
             <a:r>
-              <a:rPr lang="en-GB" sz="3200" i="1" dirty="0">
-                <a:latin typeface="Times New Roman" panose="02020603050405020304" pitchFamily="18" charset="0"/>
+              <a:rPr lang="en-GB" sz="2800" i="1" dirty="0">
+                <a:latin typeface="cmss12" panose="020B0500000000000000" pitchFamily="34" charset="0"/>
                 <a:cs typeface="Times New Roman" panose="02020603050405020304" pitchFamily="18" charset="0"/>
               </a:rPr>
               <a:t>d</a:t>
             </a:r>
-            <a:endParaRPr lang="en-GB" sz="3200" i="1" baseline="-25000" dirty="0">
-              <a:latin typeface="Times New Roman" panose="02020603050405020304" pitchFamily="18" charset="0"/>
+            <a:endParaRPr lang="en-GB" sz="2800" i="1" baseline="-25000" dirty="0">
+              <a:latin typeface="cmss12" panose="020B0500000000000000" pitchFamily="34" charset="0"/>
               <a:cs typeface="Times New Roman" panose="02020603050405020304" pitchFamily="18" charset="0"/>
             </a:endParaRPr>
           </a:p>
@@ -4751,8 +4788,8 @@
         </p:nvSpPr>
         <p:spPr>
           <a:xfrm>
-            <a:off x="10744823" y="2623852"/>
-            <a:ext cx="1233287" cy="584775"/>
+            <a:off x="10744824" y="4495516"/>
+            <a:ext cx="1233287" cy="523220"/>
           </a:xfrm>
           <a:prstGeom prst="rect">
             <a:avLst/>
@@ -4766,14 +4803,14 @@
           <a:lstStyle/>
           <a:p>
             <a:r>
-              <a:rPr lang="en-GB" sz="3200" i="1" dirty="0">
-                <a:latin typeface="Times New Roman" panose="02020603050405020304" pitchFamily="18" charset="0"/>
+              <a:rPr lang="en-GB" sz="2800" i="1" dirty="0">
+                <a:latin typeface="cmss12" panose="020B0500000000000000" pitchFamily="34" charset="0"/>
                 <a:cs typeface="Times New Roman" panose="02020603050405020304" pitchFamily="18" charset="0"/>
               </a:rPr>
               <a:t>H</a:t>
             </a:r>
-            <a:endParaRPr lang="en-GB" sz="3200" i="1" baseline="-25000" dirty="0">
-              <a:latin typeface="Times New Roman" panose="02020603050405020304" pitchFamily="18" charset="0"/>
+            <a:endParaRPr lang="en-GB" sz="2800" i="1" baseline="-25000" dirty="0">
+              <a:latin typeface="cmss12" panose="020B0500000000000000" pitchFamily="34" charset="0"/>
               <a:cs typeface="Times New Roman" panose="02020603050405020304" pitchFamily="18" charset="0"/>
             </a:endParaRPr>
           </a:p>
@@ -4787,8 +4824,8 @@
         </p:nvSpPr>
         <p:spPr>
           <a:xfrm>
-            <a:off x="11771984" y="3564436"/>
-            <a:ext cx="1233287" cy="584775"/>
+            <a:off x="11771985" y="5436100"/>
+            <a:ext cx="1233287" cy="523220"/>
           </a:xfrm>
           <a:prstGeom prst="rect">
             <a:avLst/>
@@ -4802,14 +4839,14 @@
           <a:lstStyle/>
           <a:p>
             <a:r>
-              <a:rPr lang="en-GB" sz="3200" i="1" dirty="0">
-                <a:latin typeface="Times New Roman" panose="02020603050405020304" pitchFamily="18" charset="0"/>
+              <a:rPr lang="en-GB" sz="2800" i="1" dirty="0">
+                <a:latin typeface="cmss12" panose="020B0500000000000000" pitchFamily="34" charset="0"/>
                 <a:cs typeface="Times New Roman" panose="02020603050405020304" pitchFamily="18" charset="0"/>
               </a:rPr>
               <a:t>W</a:t>
             </a:r>
-            <a:endParaRPr lang="en-GB" sz="3200" i="1" baseline="-25000" dirty="0">
-              <a:latin typeface="Times New Roman" panose="02020603050405020304" pitchFamily="18" charset="0"/>
+            <a:endParaRPr lang="en-GB" sz="2800" i="1" baseline="-25000" dirty="0">
+              <a:latin typeface="cmss12" panose="020B0500000000000000" pitchFamily="34" charset="0"/>
               <a:cs typeface="Times New Roman" panose="02020603050405020304" pitchFamily="18" charset="0"/>
             </a:endParaRPr>
           </a:p>
@@ -4823,7 +4860,7 @@
         </p:nvSpPr>
         <p:spPr>
           <a:xfrm>
-            <a:off x="3252566" y="1404195"/>
+            <a:off x="3252566" y="3275858"/>
             <a:ext cx="773426" cy="539354"/>
           </a:xfrm>
           <a:prstGeom prst="cube">
@@ -4864,7 +4901,9 @@
           <a:lstStyle/>
           <a:p>
             <a:pPr algn="ctr"/>
-            <a:endParaRPr lang="en-GB" sz="3200"/>
+            <a:endParaRPr lang="en-GB" sz="2800">
+              <a:latin typeface="cmss12" panose="020B0500000000000000" pitchFamily="34" charset="0"/>
+            </a:endParaRPr>
           </a:p>
         </p:txBody>
       </p:sp>
@@ -4876,7 +4915,7 @@
         </p:nvSpPr>
         <p:spPr>
           <a:xfrm>
-            <a:off x="9030372" y="1389249"/>
+            <a:off x="9030372" y="3203848"/>
             <a:ext cx="543456" cy="807033"/>
           </a:xfrm>
           <a:prstGeom prst="cube">
@@ -4917,7 +4956,9 @@
           <a:lstStyle/>
           <a:p>
             <a:pPr algn="ctr"/>
-            <a:endParaRPr lang="en-GB" sz="3200"/>
+            <a:endParaRPr lang="en-GB" sz="2800">
+              <a:latin typeface="cmss12" panose="020B0500000000000000" pitchFamily="34" charset="0"/>
+            </a:endParaRPr>
           </a:p>
         </p:txBody>
       </p:sp>
@@ -4929,8 +4970,8 @@
         </p:nvSpPr>
         <p:spPr>
           <a:xfrm>
-            <a:off x="8747648" y="871936"/>
-            <a:ext cx="3069771" cy="584775"/>
+            <a:off x="8747649" y="2743600"/>
+            <a:ext cx="3069771" cy="523220"/>
           </a:xfrm>
           <a:prstGeom prst="rect">
             <a:avLst/>
@@ -4944,19 +4985,21 @@
           <a:lstStyle/>
           <a:p>
             <a:r>
-              <a:rPr lang="en-GB" sz="3200" i="1" dirty="0">
-                <a:latin typeface="Times New Roman" panose="02020603050405020304" pitchFamily="18" charset="0"/>
+              <a:rPr lang="en-GB" sz="2800" i="1" dirty="0">
+                <a:latin typeface="cmss12" panose="020B0500000000000000" pitchFamily="34" charset="0"/>
                 <a:cs typeface="Times New Roman" panose="02020603050405020304" pitchFamily="18" charset="0"/>
               </a:rPr>
               <a:t>d </a:t>
             </a:r>
             <a:r>
-              <a:rPr lang="en-GB" sz="3200" dirty="0">
+              <a:rPr lang="en-GB" sz="2800" dirty="0">
+                <a:latin typeface="cmss12" panose="020B0500000000000000" pitchFamily="34" charset="0"/>
                 <a:cs typeface="Times New Roman" panose="02020603050405020304" pitchFamily="18" charset="0"/>
               </a:rPr>
               <a:t>filters</a:t>
             </a:r>
-            <a:endParaRPr lang="en-GB" sz="3200" baseline="-25000" dirty="0">
+            <a:endParaRPr lang="en-GB" sz="2800" baseline="-25000" dirty="0">
+              <a:latin typeface="cmss12" panose="020B0500000000000000" pitchFamily="34" charset="0"/>
               <a:cs typeface="Times New Roman" panose="02020603050405020304" pitchFamily="18" charset="0"/>
             </a:endParaRPr>
           </a:p>
@@ -4970,8 +5013,8 @@
         </p:nvSpPr>
         <p:spPr>
           <a:xfrm>
-            <a:off x="3807292" y="3433419"/>
-            <a:ext cx="1233287" cy="584775"/>
+            <a:off x="3807293" y="5305083"/>
+            <a:ext cx="1233287" cy="523220"/>
           </a:xfrm>
           <a:prstGeom prst="rect">
             <a:avLst/>
@@ -4985,14 +5028,14 @@
           <a:lstStyle/>
           <a:p>
             <a:r>
-              <a:rPr lang="en-GB" sz="3200" i="1" dirty="0">
-                <a:latin typeface="Times New Roman" panose="02020603050405020304" pitchFamily="18" charset="0"/>
+              <a:rPr lang="en-GB" sz="2800" i="1" dirty="0">
+                <a:latin typeface="cmss12" panose="020B0500000000000000" pitchFamily="34" charset="0"/>
                 <a:cs typeface="Times New Roman" panose="02020603050405020304" pitchFamily="18" charset="0"/>
               </a:rPr>
               <a:t>c</a:t>
             </a:r>
-            <a:endParaRPr lang="en-GB" sz="3200" i="1" baseline="-25000" dirty="0">
-              <a:latin typeface="Times New Roman" panose="02020603050405020304" pitchFamily="18" charset="0"/>
+            <a:endParaRPr lang="en-GB" sz="2800" i="1" baseline="-25000" dirty="0">
+              <a:latin typeface="cmss12" panose="020B0500000000000000" pitchFamily="34" charset="0"/>
               <a:cs typeface="Times New Roman" panose="02020603050405020304" pitchFamily="18" charset="0"/>
             </a:endParaRPr>
           </a:p>
@@ -5006,8 +5049,8 @@
         </p:nvSpPr>
         <p:spPr>
           <a:xfrm>
-            <a:off x="3155984" y="3747072"/>
-            <a:ext cx="1233287" cy="584775"/>
+            <a:off x="3155985" y="5618736"/>
+            <a:ext cx="1233287" cy="523220"/>
           </a:xfrm>
           <a:prstGeom prst="rect">
             <a:avLst/>
@@ -5021,14 +5064,14 @@
           <a:lstStyle/>
           <a:p>
             <a:r>
-              <a:rPr lang="en-GB" sz="3200" i="1" dirty="0">
-                <a:latin typeface="Times New Roman" panose="02020603050405020304" pitchFamily="18" charset="0"/>
+              <a:rPr lang="en-GB" sz="2800" i="1" dirty="0">
+                <a:latin typeface="cmss12" panose="020B0500000000000000" pitchFamily="34" charset="0"/>
                 <a:cs typeface="Times New Roman" panose="02020603050405020304" pitchFamily="18" charset="0"/>
               </a:rPr>
               <a:t>w</a:t>
             </a:r>
-            <a:endParaRPr lang="en-GB" sz="3200" i="1" baseline="-25000" dirty="0">
-              <a:latin typeface="Times New Roman" panose="02020603050405020304" pitchFamily="18" charset="0"/>
+            <a:endParaRPr lang="en-GB" sz="2800" i="1" baseline="-25000" dirty="0">
+              <a:latin typeface="cmss12" panose="020B0500000000000000" pitchFamily="34" charset="0"/>
               <a:cs typeface="Times New Roman" panose="02020603050405020304" pitchFamily="18" charset="0"/>
             </a:endParaRPr>
           </a:p>
@@ -5042,8 +5085,8 @@
         </p:nvSpPr>
         <p:spPr>
           <a:xfrm>
-            <a:off x="9344664" y="3598892"/>
-            <a:ext cx="1233287" cy="584775"/>
+            <a:off x="9344665" y="5470556"/>
+            <a:ext cx="1233287" cy="523220"/>
           </a:xfrm>
           <a:prstGeom prst="rect">
             <a:avLst/>
@@ -5057,14 +5100,14 @@
           <a:lstStyle/>
           <a:p>
             <a:r>
-              <a:rPr lang="en-GB" sz="3200" i="1" dirty="0">
-                <a:latin typeface="Times New Roman" panose="02020603050405020304" pitchFamily="18" charset="0"/>
+              <a:rPr lang="en-GB" sz="2800" i="1" dirty="0">
+                <a:latin typeface="cmss12" panose="020B0500000000000000" pitchFamily="34" charset="0"/>
                 <a:cs typeface="Times New Roman" panose="02020603050405020304" pitchFamily="18" charset="0"/>
               </a:rPr>
               <a:t>m</a:t>
             </a:r>
-            <a:endParaRPr lang="en-GB" sz="3200" i="1" baseline="-25000" dirty="0">
-              <a:latin typeface="Times New Roman" panose="02020603050405020304" pitchFamily="18" charset="0"/>
+            <a:endParaRPr lang="en-GB" sz="2800" i="1" baseline="-25000" dirty="0">
+              <a:latin typeface="cmss12" panose="020B0500000000000000" pitchFamily="34" charset="0"/>
               <a:cs typeface="Times New Roman" panose="02020603050405020304" pitchFamily="18" charset="0"/>
             </a:endParaRPr>
           </a:p>
@@ -5078,8 +5121,8 @@
         </p:nvSpPr>
         <p:spPr>
           <a:xfrm>
-            <a:off x="2692503" y="2474791"/>
-            <a:ext cx="1233287" cy="830997"/>
+            <a:off x="2692504" y="4346455"/>
+            <a:ext cx="1233287" cy="523220"/>
           </a:xfrm>
           <a:prstGeom prst="rect">
             <a:avLst/>
@@ -5093,14 +5136,14 @@
           <a:lstStyle/>
           <a:p>
             <a:r>
-              <a:rPr lang="en-GB" sz="4800" i="1" dirty="0">
-                <a:latin typeface="Times New Roman" panose="02020603050405020304" pitchFamily="18" charset="0"/>
+              <a:rPr lang="en-GB" sz="2800" dirty="0">
+                <a:latin typeface="cmss12" panose="020B0500000000000000" pitchFamily="34" charset="0"/>
                 <a:cs typeface="Times New Roman" panose="02020603050405020304" pitchFamily="18" charset="0"/>
               </a:rPr>
               <a:t>*</a:t>
             </a:r>
-            <a:endParaRPr lang="en-GB" sz="4800" i="1" baseline="-25000" dirty="0">
-              <a:latin typeface="Times New Roman" panose="02020603050405020304" pitchFamily="18" charset="0"/>
+            <a:endParaRPr lang="en-GB" sz="2800" baseline="-25000" dirty="0">
+              <a:latin typeface="cmss12" panose="020B0500000000000000" pitchFamily="34" charset="0"/>
               <a:cs typeface="Times New Roman" panose="02020603050405020304" pitchFamily="18" charset="0"/>
             </a:endParaRPr>
           </a:p>
@@ -5114,8 +5157,8 @@
         </p:nvSpPr>
         <p:spPr>
           <a:xfrm>
-            <a:off x="8099577" y="2500741"/>
-            <a:ext cx="576062" cy="830997"/>
+            <a:off x="8099577" y="4372405"/>
+            <a:ext cx="576062" cy="523220"/>
           </a:xfrm>
           <a:prstGeom prst="rect">
             <a:avLst/>
@@ -5129,14 +5172,14 @@
           <a:lstStyle/>
           <a:p>
             <a:r>
-              <a:rPr lang="en-GB" sz="4800" i="1" dirty="0">
-                <a:latin typeface="Times New Roman" panose="02020603050405020304" pitchFamily="18" charset="0"/>
+              <a:rPr lang="en-GB" sz="2800" dirty="0">
+                <a:latin typeface="cmss12" panose="020B0500000000000000" pitchFamily="34" charset="0"/>
                 <a:cs typeface="Times New Roman" panose="02020603050405020304" pitchFamily="18" charset="0"/>
               </a:rPr>
               <a:t>*</a:t>
             </a:r>
-            <a:endParaRPr lang="en-GB" sz="4800" i="1" baseline="-25000" dirty="0">
-              <a:latin typeface="Times New Roman" panose="02020603050405020304" pitchFamily="18" charset="0"/>
+            <a:endParaRPr lang="en-GB" sz="2800" baseline="-25000" dirty="0">
+              <a:latin typeface="cmss12" panose="020B0500000000000000" pitchFamily="34" charset="0"/>
               <a:cs typeface="Times New Roman" panose="02020603050405020304" pitchFamily="18" charset="0"/>
             </a:endParaRPr>
           </a:p>
@@ -5150,7 +5193,7 @@
         </p:nvSpPr>
         <p:spPr>
           <a:xfrm>
-            <a:off x="3203030" y="1980257"/>
+            <a:off x="3203030" y="3851920"/>
             <a:ext cx="792088" cy="539354"/>
           </a:xfrm>
           <a:prstGeom prst="cube">
@@ -5191,7 +5234,9 @@
           <a:lstStyle/>
           <a:p>
             <a:pPr algn="ctr"/>
-            <a:endParaRPr lang="en-GB" sz="3200"/>
+            <a:endParaRPr lang="en-GB" sz="2800">
+              <a:latin typeface="cmss12" panose="020B0500000000000000" pitchFamily="34" charset="0"/>
+            </a:endParaRPr>
           </a:p>
         </p:txBody>
       </p:sp>
@@ -5203,7 +5248,7 @@
         </p:nvSpPr>
         <p:spPr>
           <a:xfrm>
-            <a:off x="3203030" y="3348409"/>
+            <a:off x="3203030" y="5220072"/>
             <a:ext cx="792088" cy="539354"/>
           </a:xfrm>
           <a:prstGeom prst="cube">
@@ -5244,7 +5289,9 @@
           <a:lstStyle/>
           <a:p>
             <a:pPr algn="ctr"/>
-            <a:endParaRPr lang="en-GB" sz="3200"/>
+            <a:endParaRPr lang="en-GB" sz="2800">
+              <a:latin typeface="cmss12" panose="020B0500000000000000" pitchFamily="34" charset="0"/>
+            </a:endParaRPr>
           </a:p>
         </p:txBody>
       </p:sp>
@@ -5256,7 +5303,7 @@
         </p:nvSpPr>
         <p:spPr>
           <a:xfrm>
-            <a:off x="9026260" y="1980258"/>
+            <a:off x="9026260" y="3851922"/>
             <a:ext cx="543456" cy="807033"/>
           </a:xfrm>
           <a:prstGeom prst="cube">
@@ -5297,7 +5344,9 @@
           <a:lstStyle/>
           <a:p>
             <a:pPr algn="ctr"/>
-            <a:endParaRPr lang="en-GB" sz="3200"/>
+            <a:endParaRPr lang="en-GB" sz="2800">
+              <a:latin typeface="cmss12" panose="020B0500000000000000" pitchFamily="34" charset="0"/>
+            </a:endParaRPr>
           </a:p>
         </p:txBody>
       </p:sp>
@@ -5309,7 +5358,7 @@
         </p:nvSpPr>
         <p:spPr>
           <a:xfrm>
-            <a:off x="9026260" y="3204394"/>
+            <a:off x="9026260" y="5076058"/>
             <a:ext cx="543456" cy="807033"/>
           </a:xfrm>
           <a:prstGeom prst="cube">
@@ -5350,7 +5399,9 @@
           <a:lstStyle/>
           <a:p>
             <a:pPr algn="ctr"/>
-            <a:endParaRPr lang="en-GB" sz="3200"/>
+            <a:endParaRPr lang="en-GB" sz="2800">
+              <a:latin typeface="cmss12" panose="020B0500000000000000" pitchFamily="34" charset="0"/>
+            </a:endParaRPr>
           </a:p>
         </p:txBody>
       </p:sp>
@@ -5362,8 +5413,8 @@
         </p:nvSpPr>
         <p:spPr>
           <a:xfrm>
-            <a:off x="2841659" y="3489897"/>
-            <a:ext cx="1233287" cy="584775"/>
+            <a:off x="2841660" y="5361561"/>
+            <a:ext cx="1233287" cy="523220"/>
           </a:xfrm>
           <a:prstGeom prst="rect">
             <a:avLst/>
@@ -5377,14 +5428,14 @@
           <a:lstStyle/>
           <a:p>
             <a:r>
-              <a:rPr lang="en-GB" sz="3200" i="1" dirty="0">
-                <a:latin typeface="Times New Roman" panose="02020603050405020304" pitchFamily="18" charset="0"/>
+              <a:rPr lang="en-GB" sz="2800" i="1" dirty="0">
+                <a:latin typeface="cmss12" panose="020B0500000000000000" pitchFamily="34" charset="0"/>
                 <a:cs typeface="Times New Roman" panose="02020603050405020304" pitchFamily="18" charset="0"/>
               </a:rPr>
               <a:t>1</a:t>
             </a:r>
-            <a:endParaRPr lang="en-GB" sz="3200" i="1" baseline="-25000" dirty="0">
-              <a:latin typeface="Times New Roman" panose="02020603050405020304" pitchFamily="18" charset="0"/>
+            <a:endParaRPr lang="en-GB" sz="2800" i="1" baseline="-25000" dirty="0">
+              <a:latin typeface="cmss12" panose="020B0500000000000000" pitchFamily="34" charset="0"/>
               <a:cs typeface="Times New Roman" panose="02020603050405020304" pitchFamily="18" charset="0"/>
             </a:endParaRPr>
           </a:p>
@@ -5398,8 +5449,8 @@
         </p:nvSpPr>
         <p:spPr>
           <a:xfrm>
-            <a:off x="8675638" y="3492425"/>
-            <a:ext cx="1233287" cy="584775"/>
+            <a:off x="8675639" y="5364089"/>
+            <a:ext cx="1233287" cy="523220"/>
           </a:xfrm>
           <a:prstGeom prst="rect">
             <a:avLst/>
@@ -5413,14 +5464,14 @@
           <a:lstStyle/>
           <a:p>
             <a:r>
-              <a:rPr lang="en-GB" sz="3200" i="1" dirty="0">
-                <a:latin typeface="Times New Roman" panose="02020603050405020304" pitchFamily="18" charset="0"/>
+              <a:rPr lang="en-GB" sz="2800" i="1" dirty="0">
+                <a:latin typeface="cmss12" panose="020B0500000000000000" pitchFamily="34" charset="0"/>
                 <a:cs typeface="Times New Roman" panose="02020603050405020304" pitchFamily="18" charset="0"/>
               </a:rPr>
               <a:t>h</a:t>
             </a:r>
-            <a:endParaRPr lang="en-GB" sz="3200" i="1" baseline="-25000" dirty="0">
-              <a:latin typeface="Times New Roman" panose="02020603050405020304" pitchFamily="18" charset="0"/>
+            <a:endParaRPr lang="en-GB" sz="2800" i="1" baseline="-25000" dirty="0">
+              <a:latin typeface="cmss12" panose="020B0500000000000000" pitchFamily="34" charset="0"/>
               <a:cs typeface="Times New Roman" panose="02020603050405020304" pitchFamily="18" charset="0"/>
             </a:endParaRPr>
           </a:p>
@@ -5464,7 +5515,7 @@
         </p:nvSpPr>
         <p:spPr>
           <a:xfrm>
-            <a:off x="3175637" y="3708449"/>
+            <a:off x="3175637" y="5580112"/>
             <a:ext cx="773426" cy="539354"/>
           </a:xfrm>
           <a:prstGeom prst="cube">
@@ -5505,7 +5556,9 @@
           <a:lstStyle/>
           <a:p>
             <a:pPr algn="ctr"/>
-            <a:endParaRPr lang="en-GB" sz="3200"/>
+            <a:endParaRPr lang="en-GB" sz="2800">
+              <a:latin typeface="cmss12" panose="020B0500000000000000" pitchFamily="34" charset="0"/>
+            </a:endParaRPr>
           </a:p>
         </p:txBody>
       </p:sp>
@@ -5517,7 +5570,7 @@
         </p:nvSpPr>
         <p:spPr>
           <a:xfrm>
-            <a:off x="3347046" y="1971545"/>
+            <a:off x="3347046" y="3843208"/>
             <a:ext cx="543456" cy="839394"/>
           </a:xfrm>
           <a:prstGeom prst="cube">
@@ -5558,7 +5611,9 @@
           <a:lstStyle/>
           <a:p>
             <a:pPr algn="ctr"/>
-            <a:endParaRPr lang="en-GB" sz="3200"/>
+            <a:endParaRPr lang="en-GB" sz="2800">
+              <a:latin typeface="cmss12" panose="020B0500000000000000" pitchFamily="34" charset="0"/>
+            </a:endParaRPr>
           </a:p>
         </p:txBody>
       </p:sp>
@@ -5570,8 +5625,8 @@
         </p:nvSpPr>
         <p:spPr>
           <a:xfrm>
-            <a:off x="8942716" y="3954005"/>
-            <a:ext cx="1233287" cy="584775"/>
+            <a:off x="8942717" y="5825669"/>
+            <a:ext cx="1233287" cy="523220"/>
           </a:xfrm>
           <a:prstGeom prst="rect">
             <a:avLst/>
@@ -5585,14 +5640,14 @@
           <a:lstStyle/>
           <a:p>
             <a:r>
-              <a:rPr lang="en-GB" sz="3200" i="1" dirty="0">
-                <a:latin typeface="Times New Roman" panose="02020603050405020304" pitchFamily="18" charset="0"/>
+              <a:rPr lang="en-GB" sz="2800" i="1" dirty="0">
+                <a:latin typeface="cmss12" panose="020B0500000000000000" pitchFamily="34" charset="0"/>
                 <a:cs typeface="Times New Roman" panose="02020603050405020304" pitchFamily="18" charset="0"/>
               </a:rPr>
               <a:t>1</a:t>
             </a:r>
-            <a:endParaRPr lang="en-GB" sz="3200" i="1" baseline="-25000" dirty="0">
-              <a:latin typeface="Times New Roman" panose="02020603050405020304" pitchFamily="18" charset="0"/>
+            <a:endParaRPr lang="en-GB" sz="2800" i="1" baseline="-25000" dirty="0">
+              <a:latin typeface="cmss12" panose="020B0500000000000000" pitchFamily="34" charset="0"/>
               <a:cs typeface="Times New Roman" panose="02020603050405020304" pitchFamily="18" charset="0"/>
             </a:endParaRPr>
           </a:p>
@@ -5606,14 +5661,14 @@
         </p:nvSpPr>
         <p:spPr>
           <a:xfrm>
-            <a:off x="538734" y="1846100"/>
+            <a:off x="538734" y="3717763"/>
             <a:ext cx="2087714" cy="1787850"/>
           </a:xfrm>
           <a:prstGeom prst="cube">
             <a:avLst/>
           </a:prstGeom>
           <a:solidFill>
-            <a:schemeClr val="bg2"/>
+            <a:srgbClr val="E6E6E6"/>
           </a:solidFill>
           <a:ln>
             <a:solidFill>
@@ -5642,7 +5697,9 @@
           <a:lstStyle/>
           <a:p>
             <a:pPr algn="ctr"/>
-            <a:endParaRPr lang="en-GB" sz="3200"/>
+            <a:endParaRPr lang="en-GB" sz="2800">
+              <a:latin typeface="cmss12" panose="020B0500000000000000" pitchFamily="34" charset="0"/>
+            </a:endParaRPr>
           </a:p>
         </p:txBody>
       </p:sp>
@@ -5654,7 +5711,7 @@
         </p:nvSpPr>
         <p:spPr>
           <a:xfrm>
-            <a:off x="5219257" y="1658057"/>
+            <a:off x="5219257" y="3529721"/>
             <a:ext cx="2599920" cy="2198871"/>
           </a:xfrm>
           <a:prstGeom prst="cube">
@@ -5663,7 +5720,7 @@
             </a:avLst>
           </a:prstGeom>
           <a:solidFill>
-            <a:schemeClr val="bg2"/>
+            <a:srgbClr val="E6E6E6"/>
           </a:solidFill>
           <a:ln>
             <a:solidFill>
@@ -5692,7 +5749,9 @@
           <a:lstStyle/>
           <a:p>
             <a:pPr algn="ctr"/>
-            <a:endParaRPr lang="en-GB" sz="3200"/>
+            <a:endParaRPr lang="en-GB" sz="2800">
+              <a:latin typeface="cmss12" panose="020B0500000000000000" pitchFamily="34" charset="0"/>
+            </a:endParaRPr>
           </a:p>
         </p:txBody>
       </p:sp>
@@ -5704,7 +5763,7 @@
         </p:nvSpPr>
         <p:spPr>
           <a:xfrm>
-            <a:off x="4211142" y="2652468"/>
+            <a:off x="4211142" y="4524131"/>
             <a:ext cx="312380" cy="399074"/>
           </a:xfrm>
           <a:prstGeom prst="rightArrow">
@@ -5740,7 +5799,9 @@
           <a:lstStyle/>
           <a:p>
             <a:pPr algn="ctr"/>
-            <a:endParaRPr lang="en-GB" sz="3200"/>
+            <a:endParaRPr lang="en-GB" sz="2800">
+              <a:latin typeface="cmss12" panose="020B0500000000000000" pitchFamily="34" charset="0"/>
+            </a:endParaRPr>
           </a:p>
         </p:txBody>
       </p:sp>
@@ -5752,8 +5813,8 @@
         </p:nvSpPr>
         <p:spPr>
           <a:xfrm>
-            <a:off x="1025652" y="3526335"/>
-            <a:ext cx="1233287" cy="584775"/>
+            <a:off x="1025653" y="5397999"/>
+            <a:ext cx="1233287" cy="523220"/>
           </a:xfrm>
           <a:prstGeom prst="rect">
             <a:avLst/>
@@ -5767,14 +5828,14 @@
           <a:lstStyle/>
           <a:p>
             <a:r>
-              <a:rPr lang="en-GB" sz="3200" i="1" dirty="0">
-                <a:latin typeface="Times New Roman" panose="02020603050405020304" pitchFamily="18" charset="0"/>
+              <a:rPr lang="en-GB" sz="2800" i="1" dirty="0">
+                <a:latin typeface="cmss12" panose="020B0500000000000000" pitchFamily="34" charset="0"/>
                 <a:cs typeface="Times New Roman" panose="02020603050405020304" pitchFamily="18" charset="0"/>
               </a:rPr>
               <a:t>W</a:t>
             </a:r>
-            <a:endParaRPr lang="en-GB" sz="3200" i="1" baseline="-25000" dirty="0">
-              <a:latin typeface="Times New Roman" panose="02020603050405020304" pitchFamily="18" charset="0"/>
+            <a:endParaRPr lang="en-GB" sz="2800" i="1" baseline="-25000" dirty="0">
+              <a:latin typeface="cmss12" panose="020B0500000000000000" pitchFamily="34" charset="0"/>
               <a:cs typeface="Times New Roman" panose="02020603050405020304" pitchFamily="18" charset="0"/>
             </a:endParaRPr>
           </a:p>
@@ -5788,8 +5849,8 @@
         </p:nvSpPr>
         <p:spPr>
           <a:xfrm>
-            <a:off x="106688" y="2623851"/>
-            <a:ext cx="1233287" cy="584775"/>
+            <a:off x="106689" y="4495515"/>
+            <a:ext cx="1233287" cy="523220"/>
           </a:xfrm>
           <a:prstGeom prst="rect">
             <a:avLst/>
@@ -5803,14 +5864,14 @@
           <a:lstStyle/>
           <a:p>
             <a:r>
-              <a:rPr lang="en-GB" sz="3200" i="1" dirty="0">
-                <a:latin typeface="Times New Roman" panose="02020603050405020304" pitchFamily="18" charset="0"/>
+              <a:rPr lang="en-GB" sz="2800" i="1" dirty="0">
+                <a:latin typeface="cmss12" panose="020B0500000000000000" pitchFamily="34" charset="0"/>
                 <a:cs typeface="Times New Roman" panose="02020603050405020304" pitchFamily="18" charset="0"/>
               </a:rPr>
               <a:t>H</a:t>
             </a:r>
-            <a:endParaRPr lang="en-GB" sz="3200" i="1" baseline="-25000" dirty="0">
-              <a:latin typeface="Times New Roman" panose="02020603050405020304" pitchFamily="18" charset="0"/>
+            <a:endParaRPr lang="en-GB" sz="2800" i="1" baseline="-25000" dirty="0">
+              <a:latin typeface="cmss12" panose="020B0500000000000000" pitchFamily="34" charset="0"/>
               <a:cs typeface="Times New Roman" panose="02020603050405020304" pitchFamily="18" charset="0"/>
             </a:endParaRPr>
           </a:p>
@@ -5824,8 +5885,8 @@
         </p:nvSpPr>
         <p:spPr>
           <a:xfrm>
-            <a:off x="2361038" y="3118671"/>
-            <a:ext cx="1233287" cy="584775"/>
+            <a:off x="2361039" y="4990335"/>
+            <a:ext cx="1233287" cy="523220"/>
           </a:xfrm>
           <a:prstGeom prst="rect">
             <a:avLst/>
@@ -5839,14 +5900,14 @@
           <a:lstStyle/>
           <a:p>
             <a:r>
-              <a:rPr lang="en-GB" sz="3200" i="1" dirty="0">
-                <a:latin typeface="Times New Roman" panose="02020603050405020304" pitchFamily="18" charset="0"/>
+              <a:rPr lang="en-GB" sz="2800" i="1" dirty="0">
+                <a:latin typeface="cmss12" panose="020B0500000000000000" pitchFamily="34" charset="0"/>
                 <a:cs typeface="Times New Roman" panose="02020603050405020304" pitchFamily="18" charset="0"/>
               </a:rPr>
               <a:t>c</a:t>
             </a:r>
-            <a:endParaRPr lang="en-GB" sz="3200" i="1" baseline="-25000" dirty="0">
-              <a:latin typeface="Times New Roman" panose="02020603050405020304" pitchFamily="18" charset="0"/>
+            <a:endParaRPr lang="en-GB" sz="2800" i="1" baseline="-25000" dirty="0">
+              <a:latin typeface="cmss12" panose="020B0500000000000000" pitchFamily="34" charset="0"/>
               <a:cs typeface="Times New Roman" panose="02020603050405020304" pitchFamily="18" charset="0"/>
             </a:endParaRPr>
           </a:p>
@@ -5860,8 +5921,8 @@
         </p:nvSpPr>
         <p:spPr>
           <a:xfrm>
-            <a:off x="2266927" y="396082"/>
-            <a:ext cx="3069771" cy="584775"/>
+            <a:off x="2266928" y="2267746"/>
+            <a:ext cx="3069771" cy="523220"/>
           </a:xfrm>
           <a:prstGeom prst="rect">
             <a:avLst/>
@@ -5876,19 +5937,21 @@
           <a:p>
             <a:pPr algn="ctr"/>
             <a:r>
-              <a:rPr lang="en-GB" sz="3200" i="1" dirty="0">
-                <a:latin typeface="Times New Roman" panose="02020603050405020304" pitchFamily="18" charset="0"/>
+              <a:rPr lang="en-GB" sz="2800" i="1" dirty="0">
+                <a:latin typeface="cmss12" panose="020B0500000000000000" pitchFamily="34" charset="0"/>
                 <a:cs typeface="Times New Roman" panose="02020603050405020304" pitchFamily="18" charset="0"/>
               </a:rPr>
               <a:t>m </a:t>
             </a:r>
             <a:r>
-              <a:rPr lang="en-GB" sz="3200" dirty="0">
+              <a:rPr lang="en-GB" sz="2800" dirty="0">
+                <a:latin typeface="cmss12" panose="020B0500000000000000" pitchFamily="34" charset="0"/>
                 <a:cs typeface="Times New Roman" panose="02020603050405020304" pitchFamily="18" charset="0"/>
               </a:rPr>
               <a:t>filters</a:t>
             </a:r>
-            <a:endParaRPr lang="en-GB" sz="3200" baseline="-25000" dirty="0">
+            <a:endParaRPr lang="en-GB" sz="2800" baseline="-25000" dirty="0">
+              <a:latin typeface="cmss12" panose="020B0500000000000000" pitchFamily="34" charset="0"/>
               <a:cs typeface="Times New Roman" panose="02020603050405020304" pitchFamily="18" charset="0"/>
             </a:endParaRPr>
           </a:p>
@@ -5902,8 +5965,8 @@
         </p:nvSpPr>
         <p:spPr>
           <a:xfrm>
-            <a:off x="4758633" y="2900077"/>
-            <a:ext cx="1233287" cy="584775"/>
+            <a:off x="4758634" y="4771741"/>
+            <a:ext cx="1233287" cy="523220"/>
           </a:xfrm>
           <a:prstGeom prst="rect">
             <a:avLst/>
@@ -5917,14 +5980,14 @@
           <a:lstStyle/>
           <a:p>
             <a:r>
-              <a:rPr lang="en-GB" sz="3200" i="1" dirty="0">
-                <a:latin typeface="Times New Roman" panose="02020603050405020304" pitchFamily="18" charset="0"/>
+              <a:rPr lang="en-GB" sz="2800" i="1" dirty="0">
+                <a:latin typeface="cmss12" panose="020B0500000000000000" pitchFamily="34" charset="0"/>
                 <a:cs typeface="Times New Roman" panose="02020603050405020304" pitchFamily="18" charset="0"/>
               </a:rPr>
               <a:t>H</a:t>
             </a:r>
-            <a:endParaRPr lang="en-GB" sz="3200" i="1" baseline="-25000" dirty="0">
-              <a:latin typeface="Times New Roman" panose="02020603050405020304" pitchFamily="18" charset="0"/>
+            <a:endParaRPr lang="en-GB" sz="2800" i="1" baseline="-25000" dirty="0">
+              <a:latin typeface="cmss12" panose="020B0500000000000000" pitchFamily="34" charset="0"/>
               <a:cs typeface="Times New Roman" panose="02020603050405020304" pitchFamily="18" charset="0"/>
             </a:endParaRPr>
           </a:p>
@@ -5938,8 +6001,8 @@
         </p:nvSpPr>
         <p:spPr>
           <a:xfrm>
-            <a:off x="5773905" y="3758940"/>
-            <a:ext cx="1233287" cy="584775"/>
+            <a:off x="5773906" y="5630604"/>
+            <a:ext cx="1233287" cy="523220"/>
           </a:xfrm>
           <a:prstGeom prst="rect">
             <a:avLst/>
@@ -5953,14 +6016,14 @@
           <a:lstStyle/>
           <a:p>
             <a:r>
-              <a:rPr lang="en-GB" sz="3200" i="1" dirty="0">
-                <a:latin typeface="Times New Roman" panose="02020603050405020304" pitchFamily="18" charset="0"/>
+              <a:rPr lang="en-GB" sz="2800" i="1" dirty="0">
+                <a:latin typeface="cmss12" panose="020B0500000000000000" pitchFamily="34" charset="0"/>
                 <a:cs typeface="Times New Roman" panose="02020603050405020304" pitchFamily="18" charset="0"/>
               </a:rPr>
               <a:t>W</a:t>
             </a:r>
-            <a:endParaRPr lang="en-GB" sz="3200" i="1" baseline="-25000" dirty="0">
-              <a:latin typeface="Times New Roman" panose="02020603050405020304" pitchFamily="18" charset="0"/>
+            <a:endParaRPr lang="en-GB" sz="2800" i="1" baseline="-25000" dirty="0">
+              <a:latin typeface="cmss12" panose="020B0500000000000000" pitchFamily="34" charset="0"/>
               <a:cs typeface="Times New Roman" panose="02020603050405020304" pitchFamily="18" charset="0"/>
             </a:endParaRPr>
           </a:p>
@@ -5974,7 +6037,7 @@
         </p:nvSpPr>
         <p:spPr>
           <a:xfrm>
-            <a:off x="11195918" y="1404196"/>
+            <a:off x="11195918" y="3275860"/>
             <a:ext cx="2599920" cy="2198871"/>
           </a:xfrm>
           <a:prstGeom prst="cube">
@@ -5983,7 +6046,7 @@
             </a:avLst>
           </a:prstGeom>
           <a:solidFill>
-            <a:schemeClr val="bg2"/>
+            <a:srgbClr val="E6E6E6"/>
           </a:solidFill>
           <a:ln>
             <a:solidFill>
@@ -6012,7 +6075,9 @@
           <a:lstStyle/>
           <a:p>
             <a:pPr algn="ctr"/>
-            <a:endParaRPr lang="en-GB" sz="3200"/>
+            <a:endParaRPr lang="en-GB" sz="2800">
+              <a:latin typeface="cmss12" panose="020B0500000000000000" pitchFamily="34" charset="0"/>
+            </a:endParaRPr>
           </a:p>
         </p:txBody>
       </p:sp>
@@ -6024,7 +6089,7 @@
         </p:nvSpPr>
         <p:spPr>
           <a:xfrm>
-            <a:off x="10115798" y="2541546"/>
+            <a:off x="10115798" y="4413209"/>
             <a:ext cx="312380" cy="399074"/>
           </a:xfrm>
           <a:prstGeom prst="rightArrow">
@@ -6060,7 +6125,9 @@
           <a:lstStyle/>
           <a:p>
             <a:pPr algn="ctr"/>
-            <a:endParaRPr lang="en-GB" sz="3200"/>
+            <a:endParaRPr lang="en-GB" sz="2800">
+              <a:latin typeface="cmss12" panose="020B0500000000000000" pitchFamily="34" charset="0"/>
+            </a:endParaRPr>
           </a:p>
         </p:txBody>
       </p:sp>
@@ -6072,8 +6139,8 @@
         </p:nvSpPr>
         <p:spPr>
           <a:xfrm rot="5400000">
-            <a:off x="9035403" y="2804307"/>
-            <a:ext cx="744740" cy="830997"/>
+            <a:off x="9035403" y="4754768"/>
+            <a:ext cx="744740" cy="523220"/>
           </a:xfrm>
           <a:prstGeom prst="rect">
             <a:avLst/>
@@ -6087,7 +6154,9 @@
           <a:lstStyle/>
           <a:p>
             <a:r>
-              <a:rPr lang="en-GB" sz="4800" dirty="0"/>
+              <a:rPr lang="en-GB" sz="2800" dirty="0">
+                <a:latin typeface="cmss12" panose="020B0500000000000000" pitchFamily="34" charset="0"/>
+              </a:rPr>
               <a:t>…</a:t>
             </a:r>
           </a:p>
@@ -6101,8 +6170,8 @@
         </p:nvSpPr>
         <p:spPr>
           <a:xfrm>
-            <a:off x="7410525" y="3143974"/>
-            <a:ext cx="1233287" cy="584775"/>
+            <a:off x="7410526" y="5015638"/>
+            <a:ext cx="1233287" cy="523220"/>
           </a:xfrm>
           <a:prstGeom prst="rect">
             <a:avLst/>
@@ -6116,14 +6185,14 @@
           <a:lstStyle/>
           <a:p>
             <a:r>
-              <a:rPr lang="en-GB" sz="3200" i="1" dirty="0">
-                <a:latin typeface="Times New Roman" panose="02020603050405020304" pitchFamily="18" charset="0"/>
+              <a:rPr lang="en-GB" sz="2800" i="1" dirty="0">
+                <a:latin typeface="cmss12" panose="020B0500000000000000" pitchFamily="34" charset="0"/>
                 <a:cs typeface="Times New Roman" panose="02020603050405020304" pitchFamily="18" charset="0"/>
               </a:rPr>
               <a:t>m</a:t>
             </a:r>
-            <a:endParaRPr lang="en-GB" sz="3200" i="1" baseline="-25000" dirty="0">
-              <a:latin typeface="Times New Roman" panose="02020603050405020304" pitchFamily="18" charset="0"/>
+            <a:endParaRPr lang="en-GB" sz="2800" i="1" baseline="-25000" dirty="0">
+              <a:latin typeface="cmss12" panose="020B0500000000000000" pitchFamily="34" charset="0"/>
               <a:cs typeface="Times New Roman" panose="02020603050405020304" pitchFamily="18" charset="0"/>
             </a:endParaRPr>
           </a:p>
@@ -6137,8 +6206,8 @@
         </p:nvSpPr>
         <p:spPr>
           <a:xfrm>
-            <a:off x="13356160" y="2988371"/>
-            <a:ext cx="1233287" cy="584775"/>
+            <a:off x="13356161" y="4860035"/>
+            <a:ext cx="1233287" cy="523220"/>
           </a:xfrm>
           <a:prstGeom prst="rect">
             <a:avLst/>
@@ -6152,14 +6221,14 @@
           <a:lstStyle/>
           <a:p>
             <a:r>
-              <a:rPr lang="en-GB" sz="3200" i="1" dirty="0">
-                <a:latin typeface="Times New Roman" panose="02020603050405020304" pitchFamily="18" charset="0"/>
+              <a:rPr lang="en-GB" sz="2800" i="1" dirty="0">
+                <a:latin typeface="cmss12" panose="020B0500000000000000" pitchFamily="34" charset="0"/>
                 <a:cs typeface="Times New Roman" panose="02020603050405020304" pitchFamily="18" charset="0"/>
               </a:rPr>
               <a:t>d</a:t>
             </a:r>
-            <a:endParaRPr lang="en-GB" sz="3200" i="1" baseline="-25000" dirty="0">
-              <a:latin typeface="Times New Roman" panose="02020603050405020304" pitchFamily="18" charset="0"/>
+            <a:endParaRPr lang="en-GB" sz="2800" i="1" baseline="-25000" dirty="0">
+              <a:latin typeface="cmss12" panose="020B0500000000000000" pitchFamily="34" charset="0"/>
               <a:cs typeface="Times New Roman" panose="02020603050405020304" pitchFamily="18" charset="0"/>
             </a:endParaRPr>
           </a:p>
@@ -6173,8 +6242,8 @@
         </p:nvSpPr>
         <p:spPr>
           <a:xfrm>
-            <a:off x="10744823" y="2623852"/>
-            <a:ext cx="1233287" cy="584775"/>
+            <a:off x="10744824" y="4495516"/>
+            <a:ext cx="1233287" cy="523220"/>
           </a:xfrm>
           <a:prstGeom prst="rect">
             <a:avLst/>
@@ -6188,14 +6257,14 @@
           <a:lstStyle/>
           <a:p>
             <a:r>
-              <a:rPr lang="en-GB" sz="3200" i="1" dirty="0">
-                <a:latin typeface="Times New Roman" panose="02020603050405020304" pitchFamily="18" charset="0"/>
+              <a:rPr lang="en-GB" sz="2800" i="1" dirty="0">
+                <a:latin typeface="cmss12" panose="020B0500000000000000" pitchFamily="34" charset="0"/>
                 <a:cs typeface="Times New Roman" panose="02020603050405020304" pitchFamily="18" charset="0"/>
               </a:rPr>
               <a:t>H</a:t>
             </a:r>
-            <a:endParaRPr lang="en-GB" sz="3200" i="1" baseline="-25000" dirty="0">
-              <a:latin typeface="Times New Roman" panose="02020603050405020304" pitchFamily="18" charset="0"/>
+            <a:endParaRPr lang="en-GB" sz="2800" i="1" baseline="-25000" dirty="0">
+              <a:latin typeface="cmss12" panose="020B0500000000000000" pitchFamily="34" charset="0"/>
               <a:cs typeface="Times New Roman" panose="02020603050405020304" pitchFamily="18" charset="0"/>
             </a:endParaRPr>
           </a:p>
@@ -6209,8 +6278,8 @@
         </p:nvSpPr>
         <p:spPr>
           <a:xfrm>
-            <a:off x="11771984" y="3564436"/>
-            <a:ext cx="1233287" cy="584775"/>
+            <a:off x="11771985" y="5436100"/>
+            <a:ext cx="1233287" cy="523220"/>
           </a:xfrm>
           <a:prstGeom prst="rect">
             <a:avLst/>
@@ -6224,14 +6293,14 @@
           <a:lstStyle/>
           <a:p>
             <a:r>
-              <a:rPr lang="en-GB" sz="3200" i="1" dirty="0">
-                <a:latin typeface="Times New Roman" panose="02020603050405020304" pitchFamily="18" charset="0"/>
+              <a:rPr lang="en-GB" sz="2800" i="1" dirty="0">
+                <a:latin typeface="cmss12" panose="020B0500000000000000" pitchFamily="34" charset="0"/>
                 <a:cs typeface="Times New Roman" panose="02020603050405020304" pitchFamily="18" charset="0"/>
               </a:rPr>
               <a:t>W</a:t>
             </a:r>
-            <a:endParaRPr lang="en-GB" sz="3200" i="1" baseline="-25000" dirty="0">
-              <a:latin typeface="Times New Roman" panose="02020603050405020304" pitchFamily="18" charset="0"/>
+            <a:endParaRPr lang="en-GB" sz="2800" i="1" baseline="-25000" dirty="0">
+              <a:latin typeface="cmss12" panose="020B0500000000000000" pitchFamily="34" charset="0"/>
               <a:cs typeface="Times New Roman" panose="02020603050405020304" pitchFamily="18" charset="0"/>
             </a:endParaRPr>
           </a:p>
@@ -6245,7 +6314,7 @@
         </p:nvSpPr>
         <p:spPr>
           <a:xfrm>
-            <a:off x="3347046" y="1060197"/>
+            <a:off x="3347046" y="2931860"/>
             <a:ext cx="543456" cy="839394"/>
           </a:xfrm>
           <a:prstGeom prst="cube">
@@ -6286,7 +6355,9 @@
           <a:lstStyle/>
           <a:p>
             <a:pPr algn="ctr"/>
-            <a:endParaRPr lang="en-GB" sz="3200"/>
+            <a:endParaRPr lang="en-GB" sz="2800">
+              <a:latin typeface="cmss12" panose="020B0500000000000000" pitchFamily="34" charset="0"/>
+            </a:endParaRPr>
           </a:p>
         </p:txBody>
       </p:sp>
@@ -6298,7 +6369,7 @@
         </p:nvSpPr>
         <p:spPr>
           <a:xfrm>
-            <a:off x="3203031" y="3060297"/>
+            <a:off x="3203031" y="4931960"/>
             <a:ext cx="773426" cy="539354"/>
           </a:xfrm>
           <a:prstGeom prst="cube">
@@ -6339,7 +6410,9 @@
           <a:lstStyle/>
           <a:p>
             <a:pPr algn="ctr"/>
-            <a:endParaRPr lang="en-GB" sz="3200"/>
+            <a:endParaRPr lang="en-GB" sz="2800">
+              <a:latin typeface="cmss12" panose="020B0500000000000000" pitchFamily="34" charset="0"/>
+            </a:endParaRPr>
           </a:p>
         </p:txBody>
       </p:sp>
@@ -6351,8 +6424,8 @@
         </p:nvSpPr>
         <p:spPr>
           <a:xfrm>
-            <a:off x="8747648" y="871936"/>
-            <a:ext cx="3069771" cy="584775"/>
+            <a:off x="8747649" y="2743600"/>
+            <a:ext cx="3069771" cy="523220"/>
           </a:xfrm>
           <a:prstGeom prst="rect">
             <a:avLst/>
@@ -6366,19 +6439,21 @@
           <a:lstStyle/>
           <a:p>
             <a:r>
-              <a:rPr lang="en-GB" sz="3200" i="1" dirty="0">
-                <a:latin typeface="Times New Roman" panose="02020603050405020304" pitchFamily="18" charset="0"/>
+              <a:rPr lang="en-GB" sz="2800" i="1" dirty="0">
+                <a:latin typeface="cmss12" panose="020B0500000000000000" pitchFamily="34" charset="0"/>
                 <a:cs typeface="Times New Roman" panose="02020603050405020304" pitchFamily="18" charset="0"/>
               </a:rPr>
               <a:t>d </a:t>
             </a:r>
             <a:r>
-              <a:rPr lang="en-GB" sz="3200" dirty="0">
+              <a:rPr lang="en-GB" sz="2800" dirty="0">
+                <a:latin typeface="cmss12" panose="020B0500000000000000" pitchFamily="34" charset="0"/>
                 <a:cs typeface="Times New Roman" panose="02020603050405020304" pitchFamily="18" charset="0"/>
               </a:rPr>
               <a:t>filters</a:t>
             </a:r>
-            <a:endParaRPr lang="en-GB" sz="3200" baseline="-25000" dirty="0">
+            <a:endParaRPr lang="en-GB" sz="2800" baseline="-25000" dirty="0">
+              <a:latin typeface="cmss12" panose="020B0500000000000000" pitchFamily="34" charset="0"/>
               <a:cs typeface="Times New Roman" panose="02020603050405020304" pitchFamily="18" charset="0"/>
             </a:endParaRPr>
           </a:p>
@@ -6392,7 +6467,7 @@
         </p:nvSpPr>
         <p:spPr>
           <a:xfrm>
-            <a:off x="9026260" y="1404193"/>
+            <a:off x="9026260" y="3275856"/>
             <a:ext cx="543456" cy="551362"/>
           </a:xfrm>
           <a:prstGeom prst="cube">
@@ -6433,7 +6508,9 @@
           <a:lstStyle/>
           <a:p>
             <a:pPr algn="ctr"/>
-            <a:endParaRPr lang="en-GB" sz="3200"/>
+            <a:endParaRPr lang="en-GB" sz="2800">
+              <a:latin typeface="cmss12" panose="020B0500000000000000" pitchFamily="34" charset="0"/>
+            </a:endParaRPr>
           </a:p>
         </p:txBody>
       </p:sp>
@@ -6445,8 +6522,8 @@
         </p:nvSpPr>
         <p:spPr>
           <a:xfrm>
-            <a:off x="3635080" y="3771747"/>
-            <a:ext cx="1233287" cy="584775"/>
+            <a:off x="3635081" y="5704964"/>
+            <a:ext cx="1233287" cy="523220"/>
           </a:xfrm>
           <a:prstGeom prst="rect">
             <a:avLst/>
@@ -6460,14 +6537,14 @@
           <a:lstStyle/>
           <a:p>
             <a:r>
-              <a:rPr lang="en-GB" sz="3200" i="1" dirty="0">
-                <a:latin typeface="Times New Roman" panose="02020603050405020304" pitchFamily="18" charset="0"/>
+              <a:rPr lang="en-GB" sz="2800" i="1" dirty="0">
+                <a:latin typeface="cmss12" panose="020B0500000000000000" pitchFamily="34" charset="0"/>
                 <a:cs typeface="Times New Roman" panose="02020603050405020304" pitchFamily="18" charset="0"/>
               </a:rPr>
               <a:t>c</a:t>
             </a:r>
-            <a:endParaRPr lang="en-GB" sz="3200" i="1" baseline="-25000" dirty="0">
-              <a:latin typeface="Times New Roman" panose="02020603050405020304" pitchFamily="18" charset="0"/>
+            <a:endParaRPr lang="en-GB" sz="2800" i="1" baseline="-25000" dirty="0">
+              <a:latin typeface="cmss12" panose="020B0500000000000000" pitchFamily="34" charset="0"/>
               <a:cs typeface="Times New Roman" panose="02020603050405020304" pitchFamily="18" charset="0"/>
             </a:endParaRPr>
           </a:p>
@@ -6481,8 +6558,8 @@
         </p:nvSpPr>
         <p:spPr>
           <a:xfrm>
-            <a:off x="3140548" y="4084162"/>
-            <a:ext cx="432048" cy="584775"/>
+            <a:off x="3140548" y="5955826"/>
+            <a:ext cx="432048" cy="523220"/>
           </a:xfrm>
           <a:prstGeom prst="rect">
             <a:avLst/>
@@ -6496,14 +6573,14 @@
           <a:lstStyle/>
           <a:p>
             <a:r>
-              <a:rPr lang="en-GB" sz="3200" i="1" dirty="0">
-                <a:latin typeface="Times New Roman" panose="02020603050405020304" pitchFamily="18" charset="0"/>
+              <a:rPr lang="en-GB" sz="2800" i="1" dirty="0">
+                <a:latin typeface="cmss12" panose="020B0500000000000000" pitchFamily="34" charset="0"/>
                 <a:cs typeface="Times New Roman" panose="02020603050405020304" pitchFamily="18" charset="0"/>
               </a:rPr>
               <a:t>w</a:t>
             </a:r>
-            <a:endParaRPr lang="en-GB" sz="3200" i="1" baseline="-25000" dirty="0">
-              <a:latin typeface="Times New Roman" panose="02020603050405020304" pitchFamily="18" charset="0"/>
+            <a:endParaRPr lang="en-GB" sz="2800" i="1" baseline="-25000" dirty="0">
+              <a:latin typeface="cmss12" panose="020B0500000000000000" pitchFamily="34" charset="0"/>
               <a:cs typeface="Times New Roman" panose="02020603050405020304" pitchFamily="18" charset="0"/>
             </a:endParaRPr>
           </a:p>
@@ -6517,8 +6594,8 @@
         </p:nvSpPr>
         <p:spPr>
           <a:xfrm>
-            <a:off x="2890616" y="3840581"/>
-            <a:ext cx="432048" cy="584775"/>
+            <a:off x="2890616" y="5712245"/>
+            <a:ext cx="432048" cy="523220"/>
           </a:xfrm>
           <a:prstGeom prst="rect">
             <a:avLst/>
@@ -6532,14 +6609,14 @@
           <a:lstStyle/>
           <a:p>
             <a:r>
-              <a:rPr lang="en-GB" sz="3200" i="1" dirty="0">
-                <a:latin typeface="Times New Roman" panose="02020603050405020304" pitchFamily="18" charset="0"/>
+              <a:rPr lang="en-GB" sz="2800" i="1" dirty="0">
+                <a:latin typeface="cmss12" panose="020B0500000000000000" pitchFamily="34" charset="0"/>
                 <a:cs typeface="Times New Roman" panose="02020603050405020304" pitchFamily="18" charset="0"/>
               </a:rPr>
               <a:t>1</a:t>
             </a:r>
-            <a:endParaRPr lang="en-GB" sz="3200" i="1" baseline="-25000" dirty="0">
-              <a:latin typeface="Times New Roman" panose="02020603050405020304" pitchFamily="18" charset="0"/>
+            <a:endParaRPr lang="en-GB" sz="2800" i="1" baseline="-25000" dirty="0">
+              <a:latin typeface="cmss12" panose="020B0500000000000000" pitchFamily="34" charset="0"/>
               <a:cs typeface="Times New Roman" panose="02020603050405020304" pitchFamily="18" charset="0"/>
             </a:endParaRPr>
           </a:p>
@@ -6553,8 +6630,8 @@
         </p:nvSpPr>
         <p:spPr>
           <a:xfrm>
-            <a:off x="9344664" y="3598892"/>
-            <a:ext cx="1233287" cy="584775"/>
+            <a:off x="9344665" y="5470556"/>
+            <a:ext cx="1233287" cy="523220"/>
           </a:xfrm>
           <a:prstGeom prst="rect">
             <a:avLst/>
@@ -6568,14 +6645,14 @@
           <a:lstStyle/>
           <a:p>
             <a:r>
-              <a:rPr lang="en-GB" sz="3200" i="1" dirty="0">
-                <a:latin typeface="Times New Roman" panose="02020603050405020304" pitchFamily="18" charset="0"/>
+              <a:rPr lang="en-GB" sz="2800" i="1" dirty="0">
+                <a:latin typeface="cmss12" panose="020B0500000000000000" pitchFamily="34" charset="0"/>
                 <a:cs typeface="Times New Roman" panose="02020603050405020304" pitchFamily="18" charset="0"/>
               </a:rPr>
               <a:t>m</a:t>
             </a:r>
-            <a:endParaRPr lang="en-GB" sz="3200" i="1" baseline="-25000" dirty="0">
-              <a:latin typeface="Times New Roman" panose="02020603050405020304" pitchFamily="18" charset="0"/>
+            <a:endParaRPr lang="en-GB" sz="2800" i="1" baseline="-25000" dirty="0">
+              <a:latin typeface="cmss12" panose="020B0500000000000000" pitchFamily="34" charset="0"/>
               <a:cs typeface="Times New Roman" panose="02020603050405020304" pitchFamily="18" charset="0"/>
             </a:endParaRPr>
           </a:p>
@@ -6589,8 +6666,8 @@
         </p:nvSpPr>
         <p:spPr>
           <a:xfrm>
-            <a:off x="8681346" y="3564436"/>
-            <a:ext cx="1233287" cy="584775"/>
+            <a:off x="8681347" y="5436100"/>
+            <a:ext cx="1233287" cy="523220"/>
           </a:xfrm>
           <a:prstGeom prst="rect">
             <a:avLst/>
@@ -6604,14 +6681,14 @@
           <a:lstStyle/>
           <a:p>
             <a:r>
-              <a:rPr lang="en-GB" sz="3200" i="1" dirty="0">
-                <a:latin typeface="Times New Roman" panose="02020603050405020304" pitchFamily="18" charset="0"/>
+              <a:rPr lang="en-GB" sz="2800" i="1" dirty="0">
+                <a:latin typeface="cmss12" panose="020B0500000000000000" pitchFamily="34" charset="0"/>
                 <a:cs typeface="Times New Roman" panose="02020603050405020304" pitchFamily="18" charset="0"/>
               </a:rPr>
               <a:t>1</a:t>
             </a:r>
-            <a:endParaRPr lang="en-GB" sz="3200" i="1" baseline="-25000" dirty="0">
-              <a:latin typeface="Times New Roman" panose="02020603050405020304" pitchFamily="18" charset="0"/>
+            <a:endParaRPr lang="en-GB" sz="2800" i="1" baseline="-25000" dirty="0">
+              <a:latin typeface="cmss12" panose="020B0500000000000000" pitchFamily="34" charset="0"/>
               <a:cs typeface="Times New Roman" panose="02020603050405020304" pitchFamily="18" charset="0"/>
             </a:endParaRPr>
           </a:p>
@@ -6625,8 +6702,8 @@
         </p:nvSpPr>
         <p:spPr>
           <a:xfrm>
-            <a:off x="2626967" y="2500741"/>
-            <a:ext cx="432048" cy="830997"/>
+            <a:off x="2626967" y="4372405"/>
+            <a:ext cx="432048" cy="523220"/>
           </a:xfrm>
           <a:prstGeom prst="rect">
             <a:avLst/>
@@ -6640,14 +6717,14 @@
           <a:lstStyle/>
           <a:p>
             <a:r>
-              <a:rPr lang="en-GB" sz="4800" i="1" dirty="0">
-                <a:latin typeface="Times New Roman" panose="02020603050405020304" pitchFamily="18" charset="0"/>
+              <a:rPr lang="en-GB" sz="2800" dirty="0">
+                <a:latin typeface="cmss12" panose="020B0500000000000000" pitchFamily="34" charset="0"/>
                 <a:cs typeface="Times New Roman" panose="02020603050405020304" pitchFamily="18" charset="0"/>
               </a:rPr>
               <a:t>*</a:t>
             </a:r>
-            <a:endParaRPr lang="en-GB" sz="4800" i="1" baseline="-25000" dirty="0">
-              <a:latin typeface="Times New Roman" panose="02020603050405020304" pitchFamily="18" charset="0"/>
+            <a:endParaRPr lang="en-GB" sz="2800" baseline="-25000" dirty="0">
+              <a:latin typeface="cmss12" panose="020B0500000000000000" pitchFamily="34" charset="0"/>
               <a:cs typeface="Times New Roman" panose="02020603050405020304" pitchFamily="18" charset="0"/>
             </a:endParaRPr>
           </a:p>
@@ -6661,8 +6738,8 @@
         </p:nvSpPr>
         <p:spPr>
           <a:xfrm>
-            <a:off x="8099575" y="2500741"/>
-            <a:ext cx="720080" cy="830997"/>
+            <a:off x="8099575" y="4372405"/>
+            <a:ext cx="720080" cy="523220"/>
           </a:xfrm>
           <a:prstGeom prst="rect">
             <a:avLst/>
@@ -6676,14 +6753,14 @@
           <a:lstStyle/>
           <a:p>
             <a:r>
-              <a:rPr lang="en-GB" sz="4800" i="1" dirty="0">
-                <a:latin typeface="Times New Roman" panose="02020603050405020304" pitchFamily="18" charset="0"/>
+              <a:rPr lang="en-GB" sz="2800" dirty="0">
+                <a:latin typeface="cmss12" panose="020B0500000000000000" pitchFamily="34" charset="0"/>
                 <a:cs typeface="Times New Roman" panose="02020603050405020304" pitchFamily="18" charset="0"/>
               </a:rPr>
               <a:t>*</a:t>
             </a:r>
-            <a:endParaRPr lang="en-GB" sz="4800" i="1" baseline="-25000" dirty="0">
-              <a:latin typeface="Times New Roman" panose="02020603050405020304" pitchFamily="18" charset="0"/>
+            <a:endParaRPr lang="en-GB" sz="2800" baseline="-25000" dirty="0">
+              <a:latin typeface="cmss12" panose="020B0500000000000000" pitchFamily="34" charset="0"/>
               <a:cs typeface="Times New Roman" panose="02020603050405020304" pitchFamily="18" charset="0"/>
             </a:endParaRPr>
           </a:p>
@@ -6697,8 +6774,8 @@
         </p:nvSpPr>
         <p:spPr>
           <a:xfrm rot="5400000">
-            <a:off x="3359396" y="3480075"/>
-            <a:ext cx="744740" cy="769441"/>
+            <a:off x="3289130" y="5474849"/>
+            <a:ext cx="744740" cy="523220"/>
           </a:xfrm>
           <a:prstGeom prst="rect">
             <a:avLst/>
@@ -6712,7 +6789,9 @@
           <a:lstStyle/>
           <a:p>
             <a:r>
-              <a:rPr lang="en-GB" sz="4400" dirty="0"/>
+              <a:rPr lang="en-GB" sz="2800" dirty="0">
+                <a:latin typeface="cmss12" panose="020B0500000000000000" pitchFamily="34" charset="0"/>
+              </a:rPr>
               <a:t>…</a:t>
             </a:r>
           </a:p>
@@ -6726,8 +6805,8 @@
         </p:nvSpPr>
         <p:spPr>
           <a:xfrm>
-            <a:off x="3222081" y="2701153"/>
-            <a:ext cx="288032" cy="584775"/>
+            <a:off x="3222081" y="4572817"/>
+            <a:ext cx="288032" cy="523220"/>
           </a:xfrm>
           <a:prstGeom prst="rect">
             <a:avLst/>
@@ -6741,14 +6820,14 @@
           <a:lstStyle/>
           <a:p>
             <a:r>
-              <a:rPr lang="en-GB" sz="3200" i="1" dirty="0">
-                <a:latin typeface="Times New Roman" panose="02020603050405020304" pitchFamily="18" charset="0"/>
+              <a:rPr lang="en-GB" sz="2800" i="1" dirty="0">
+                <a:latin typeface="cmss12" panose="020B0500000000000000" pitchFamily="34" charset="0"/>
                 <a:cs typeface="Times New Roman" panose="02020603050405020304" pitchFamily="18" charset="0"/>
               </a:rPr>
               <a:t>1</a:t>
             </a:r>
-            <a:endParaRPr lang="en-GB" sz="3200" i="1" baseline="-25000" dirty="0">
-              <a:latin typeface="Times New Roman" panose="02020603050405020304" pitchFamily="18" charset="0"/>
+            <a:endParaRPr lang="en-GB" sz="2800" i="1" baseline="-25000" dirty="0">
+              <a:latin typeface="cmss12" panose="020B0500000000000000" pitchFamily="34" charset="0"/>
               <a:cs typeface="Times New Roman" panose="02020603050405020304" pitchFamily="18" charset="0"/>
             </a:endParaRPr>
           </a:p>
@@ -6762,8 +6841,8 @@
         </p:nvSpPr>
         <p:spPr>
           <a:xfrm>
-            <a:off x="2987007" y="2263856"/>
-            <a:ext cx="432048" cy="584775"/>
+            <a:off x="2987007" y="4135520"/>
+            <a:ext cx="432048" cy="523220"/>
           </a:xfrm>
           <a:prstGeom prst="rect">
             <a:avLst/>
@@ -6777,14 +6856,14 @@
           <a:lstStyle/>
           <a:p>
             <a:r>
-              <a:rPr lang="en-GB" sz="3200" i="1" dirty="0">
-                <a:latin typeface="Times New Roman" panose="02020603050405020304" pitchFamily="18" charset="0"/>
+              <a:rPr lang="en-GB" sz="2800" i="1" dirty="0">
+                <a:latin typeface="cmss12" panose="020B0500000000000000" pitchFamily="34" charset="0"/>
                 <a:cs typeface="Times New Roman" panose="02020603050405020304" pitchFamily="18" charset="0"/>
               </a:rPr>
               <a:t>h</a:t>
             </a:r>
-            <a:endParaRPr lang="en-GB" sz="3200" i="1" baseline="-25000" dirty="0">
-              <a:latin typeface="Times New Roman" panose="02020603050405020304" pitchFamily="18" charset="0"/>
+            <a:endParaRPr lang="en-GB" sz="2800" i="1" baseline="-25000" dirty="0">
+              <a:latin typeface="cmss12" panose="020B0500000000000000" pitchFamily="34" charset="0"/>
               <a:cs typeface="Times New Roman" panose="02020603050405020304" pitchFamily="18" charset="0"/>
             </a:endParaRPr>
           </a:p>
@@ -6798,8 +6877,8 @@
         </p:nvSpPr>
         <p:spPr>
           <a:xfrm rot="5400000">
-            <a:off x="3473511" y="1637768"/>
-            <a:ext cx="516511" cy="769441"/>
+            <a:off x="3475252" y="3620086"/>
+            <a:ext cx="516511" cy="523220"/>
           </a:xfrm>
           <a:prstGeom prst="rect">
             <a:avLst/>
@@ -6813,7 +6892,9 @@
           <a:lstStyle/>
           <a:p>
             <a:r>
-              <a:rPr lang="en-GB" sz="4400" dirty="0"/>
+              <a:rPr lang="en-GB" sz="2800" dirty="0">
+                <a:latin typeface="cmss12" panose="020B0500000000000000" pitchFamily="34" charset="0"/>
+              </a:rPr>
               <a:t>…</a:t>
             </a:r>
           </a:p>
@@ -6827,8 +6908,8 @@
         </p:nvSpPr>
         <p:spPr>
           <a:xfrm>
-            <a:off x="3644606" y="2314368"/>
-            <a:ext cx="1233287" cy="584775"/>
+            <a:off x="3644607" y="4186032"/>
+            <a:ext cx="1233287" cy="523220"/>
           </a:xfrm>
           <a:prstGeom prst="rect">
             <a:avLst/>
@@ -6842,14 +6923,14 @@
           <a:lstStyle/>
           <a:p>
             <a:r>
-              <a:rPr lang="en-GB" sz="3200" i="1" dirty="0">
-                <a:latin typeface="Times New Roman" panose="02020603050405020304" pitchFamily="18" charset="0"/>
+              <a:rPr lang="en-GB" sz="2800" i="1" dirty="0">
+                <a:latin typeface="cmss12" panose="020B0500000000000000" pitchFamily="34" charset="0"/>
                 <a:cs typeface="Times New Roman" panose="02020603050405020304" pitchFamily="18" charset="0"/>
               </a:rPr>
               <a:t>c</a:t>
             </a:r>
-            <a:endParaRPr lang="en-GB" sz="3200" i="1" baseline="-25000" dirty="0">
-              <a:latin typeface="Times New Roman" panose="02020603050405020304" pitchFamily="18" charset="0"/>
+            <a:endParaRPr lang="en-GB" sz="2800" i="1" baseline="-25000" dirty="0">
+              <a:latin typeface="cmss12" panose="020B0500000000000000" pitchFamily="34" charset="0"/>
               <a:cs typeface="Times New Roman" panose="02020603050405020304" pitchFamily="18" charset="0"/>
             </a:endParaRPr>
           </a:p>
@@ -6863,7 +6944,7 @@
         </p:nvSpPr>
         <p:spPr>
           <a:xfrm>
-            <a:off x="9026260" y="1836241"/>
+            <a:off x="9026260" y="3707904"/>
             <a:ext cx="543456" cy="551362"/>
           </a:xfrm>
           <a:prstGeom prst="cube">
@@ -6904,7 +6985,9 @@
           <a:lstStyle/>
           <a:p>
             <a:pPr algn="ctr"/>
-            <a:endParaRPr lang="en-GB" sz="3200"/>
+            <a:endParaRPr lang="en-GB" sz="2800">
+              <a:latin typeface="cmss12" panose="020B0500000000000000" pitchFamily="34" charset="0"/>
+            </a:endParaRPr>
           </a:p>
         </p:txBody>
       </p:sp>
@@ -6916,7 +6999,7 @@
         </p:nvSpPr>
         <p:spPr>
           <a:xfrm>
-            <a:off x="9026260" y="3492425"/>
+            <a:off x="9026260" y="5364088"/>
             <a:ext cx="543456" cy="551362"/>
           </a:xfrm>
           <a:prstGeom prst="cube">
@@ -6957,7 +7040,9 @@
           <a:lstStyle/>
           <a:p>
             <a:pPr algn="ctr"/>
-            <a:endParaRPr lang="en-GB" sz="3200"/>
+            <a:endParaRPr lang="en-GB" sz="2800">
+              <a:latin typeface="cmss12" panose="020B0500000000000000" pitchFamily="34" charset="0"/>
+            </a:endParaRPr>
           </a:p>
         </p:txBody>
       </p:sp>
@@ -6999,7 +7084,7 @@
         </p:nvSpPr>
         <p:spPr>
           <a:xfrm>
-            <a:off x="3130550" y="3420417"/>
+            <a:off x="3130550" y="5292081"/>
             <a:ext cx="802392" cy="824745"/>
           </a:xfrm>
           <a:prstGeom prst="cube">
@@ -7040,7 +7125,9 @@
           <a:lstStyle/>
           <a:p>
             <a:pPr algn="ctr"/>
-            <a:endParaRPr lang="en-GB" sz="1991"/>
+            <a:endParaRPr lang="en-GB" sz="2800">
+              <a:latin typeface="cmss12" panose="020B0500000000000000" pitchFamily="34" charset="0"/>
+            </a:endParaRPr>
           </a:p>
         </p:txBody>
       </p:sp>
@@ -7052,7 +7139,7 @@
         </p:nvSpPr>
         <p:spPr>
           <a:xfrm>
-            <a:off x="3130550" y="2916361"/>
+            <a:off x="3130550" y="4788024"/>
             <a:ext cx="773426" cy="539354"/>
           </a:xfrm>
           <a:prstGeom prst="cube">
@@ -7093,7 +7180,9 @@
           <a:lstStyle/>
           <a:p>
             <a:pPr algn="ctr"/>
-            <a:endParaRPr lang="en-GB" sz="3200"/>
+            <a:endParaRPr lang="en-GB" sz="2800">
+              <a:latin typeface="cmss12" panose="020B0500000000000000" pitchFamily="34" charset="0"/>
+            </a:endParaRPr>
           </a:p>
         </p:txBody>
       </p:sp>
@@ -7105,7 +7194,7 @@
         </p:nvSpPr>
         <p:spPr>
           <a:xfrm>
-            <a:off x="3131022" y="4356522"/>
+            <a:off x="3131022" y="6228186"/>
             <a:ext cx="802392" cy="824745"/>
           </a:xfrm>
           <a:prstGeom prst="cube">
@@ -7146,7 +7235,9 @@
           <a:lstStyle/>
           <a:p>
             <a:pPr algn="ctr"/>
-            <a:endParaRPr lang="en-GB" sz="1991"/>
+            <a:endParaRPr lang="en-GB" sz="2800">
+              <a:latin typeface="cmss12" panose="020B0500000000000000" pitchFamily="34" charset="0"/>
+            </a:endParaRPr>
           </a:p>
         </p:txBody>
       </p:sp>
@@ -7158,8 +7249,8 @@
         </p:nvSpPr>
         <p:spPr>
           <a:xfrm>
-            <a:off x="8942716" y="3954005"/>
-            <a:ext cx="1233287" cy="584775"/>
+            <a:off x="8942717" y="5825669"/>
+            <a:ext cx="1233287" cy="523220"/>
           </a:xfrm>
           <a:prstGeom prst="rect">
             <a:avLst/>
@@ -7173,14 +7264,14 @@
           <a:lstStyle/>
           <a:p>
             <a:r>
-              <a:rPr lang="en-GB" sz="3200" i="1" dirty="0">
-                <a:latin typeface="Times New Roman" panose="02020603050405020304" pitchFamily="18" charset="0"/>
+              <a:rPr lang="en-GB" sz="2800" i="1" dirty="0">
+                <a:latin typeface="cmss12" panose="020B0500000000000000" pitchFamily="34" charset="0"/>
                 <a:cs typeface="Times New Roman" panose="02020603050405020304" pitchFamily="18" charset="0"/>
               </a:rPr>
               <a:t>1</a:t>
             </a:r>
-            <a:endParaRPr lang="en-GB" sz="3200" i="1" baseline="-25000" dirty="0">
-              <a:latin typeface="Times New Roman" panose="02020603050405020304" pitchFamily="18" charset="0"/>
+            <a:endParaRPr lang="en-GB" sz="2800" i="1" baseline="-25000" dirty="0">
+              <a:latin typeface="cmss12" panose="020B0500000000000000" pitchFamily="34" charset="0"/>
               <a:cs typeface="Times New Roman" panose="02020603050405020304" pitchFamily="18" charset="0"/>
             </a:endParaRPr>
           </a:p>
@@ -7194,14 +7285,14 @@
         </p:nvSpPr>
         <p:spPr>
           <a:xfrm>
-            <a:off x="538734" y="1846100"/>
+            <a:off x="538734" y="3717763"/>
             <a:ext cx="2087714" cy="1787850"/>
           </a:xfrm>
           <a:prstGeom prst="cube">
             <a:avLst/>
           </a:prstGeom>
           <a:solidFill>
-            <a:schemeClr val="bg2"/>
+            <a:srgbClr val="E6E6E6"/>
           </a:solidFill>
           <a:ln>
             <a:solidFill>
@@ -7230,7 +7321,9 @@
           <a:lstStyle/>
           <a:p>
             <a:pPr algn="ctr"/>
-            <a:endParaRPr lang="en-GB" sz="3200"/>
+            <a:endParaRPr lang="en-GB" sz="2800">
+              <a:latin typeface="cmss12" panose="020B0500000000000000" pitchFamily="34" charset="0"/>
+            </a:endParaRPr>
           </a:p>
         </p:txBody>
       </p:sp>
@@ -7242,7 +7335,7 @@
         </p:nvSpPr>
         <p:spPr>
           <a:xfrm>
-            <a:off x="5219257" y="1658057"/>
+            <a:off x="5219257" y="3529721"/>
             <a:ext cx="2599920" cy="2198871"/>
           </a:xfrm>
           <a:prstGeom prst="cube">
@@ -7251,7 +7344,7 @@
             </a:avLst>
           </a:prstGeom>
           <a:solidFill>
-            <a:schemeClr val="bg2"/>
+            <a:srgbClr val="E6E6E6"/>
           </a:solidFill>
           <a:ln>
             <a:solidFill>
@@ -7280,7 +7373,9 @@
           <a:lstStyle/>
           <a:p>
             <a:pPr algn="ctr"/>
-            <a:endParaRPr lang="en-GB" sz="3200"/>
+            <a:endParaRPr lang="en-GB" sz="2800">
+              <a:latin typeface="cmss12" panose="020B0500000000000000" pitchFamily="34" charset="0"/>
+            </a:endParaRPr>
           </a:p>
         </p:txBody>
       </p:sp>
@@ -7292,7 +7387,7 @@
         </p:nvSpPr>
         <p:spPr>
           <a:xfrm>
-            <a:off x="4211142" y="2556321"/>
+            <a:off x="4211142" y="4427984"/>
             <a:ext cx="312380" cy="399074"/>
           </a:xfrm>
           <a:prstGeom prst="rightArrow">
@@ -7328,7 +7423,9 @@
           <a:lstStyle/>
           <a:p>
             <a:pPr algn="ctr"/>
-            <a:endParaRPr lang="en-GB" sz="3200"/>
+            <a:endParaRPr lang="en-GB" sz="2800">
+              <a:latin typeface="cmss12" panose="020B0500000000000000" pitchFamily="34" charset="0"/>
+            </a:endParaRPr>
           </a:p>
         </p:txBody>
       </p:sp>
@@ -7340,8 +7437,8 @@
         </p:nvSpPr>
         <p:spPr>
           <a:xfrm>
-            <a:off x="1025652" y="3526335"/>
-            <a:ext cx="1233287" cy="584775"/>
+            <a:off x="1025653" y="5397999"/>
+            <a:ext cx="1233287" cy="523220"/>
           </a:xfrm>
           <a:prstGeom prst="rect">
             <a:avLst/>
@@ -7355,14 +7452,14 @@
           <a:lstStyle/>
           <a:p>
             <a:r>
-              <a:rPr lang="en-GB" sz="3200" i="1" dirty="0">
-                <a:latin typeface="Times New Roman" panose="02020603050405020304" pitchFamily="18" charset="0"/>
+              <a:rPr lang="en-GB" sz="2800" i="1" dirty="0">
+                <a:latin typeface="cmss12" panose="020B0500000000000000" pitchFamily="34" charset="0"/>
                 <a:cs typeface="Times New Roman" panose="02020603050405020304" pitchFamily="18" charset="0"/>
               </a:rPr>
               <a:t>W</a:t>
             </a:r>
-            <a:endParaRPr lang="en-GB" sz="3200" i="1" baseline="-25000" dirty="0">
-              <a:latin typeface="Times New Roman" panose="02020603050405020304" pitchFamily="18" charset="0"/>
+            <a:endParaRPr lang="en-GB" sz="2800" i="1" baseline="-25000" dirty="0">
+              <a:latin typeface="cmss12" panose="020B0500000000000000" pitchFamily="34" charset="0"/>
               <a:cs typeface="Times New Roman" panose="02020603050405020304" pitchFamily="18" charset="0"/>
             </a:endParaRPr>
           </a:p>
@@ -7376,8 +7473,8 @@
         </p:nvSpPr>
         <p:spPr>
           <a:xfrm>
-            <a:off x="106688" y="2623851"/>
-            <a:ext cx="1233287" cy="584775"/>
+            <a:off x="106689" y="4495515"/>
+            <a:ext cx="1233287" cy="523220"/>
           </a:xfrm>
           <a:prstGeom prst="rect">
             <a:avLst/>
@@ -7391,14 +7488,14 @@
           <a:lstStyle/>
           <a:p>
             <a:r>
-              <a:rPr lang="en-GB" sz="3200" i="1" dirty="0">
-                <a:latin typeface="Times New Roman" panose="02020603050405020304" pitchFamily="18" charset="0"/>
+              <a:rPr lang="en-GB" sz="2800" i="1">
+                <a:latin typeface="cmss12" panose="020B0500000000000000" pitchFamily="34" charset="0"/>
                 <a:cs typeface="Times New Roman" panose="02020603050405020304" pitchFamily="18" charset="0"/>
               </a:rPr>
               <a:t>H</a:t>
             </a:r>
-            <a:endParaRPr lang="en-GB" sz="3200" i="1" baseline="-25000" dirty="0">
-              <a:latin typeface="Times New Roman" panose="02020603050405020304" pitchFamily="18" charset="0"/>
+            <a:endParaRPr lang="en-GB" sz="2800" i="1" baseline="-25000" dirty="0">
+              <a:latin typeface="cmss12" panose="020B0500000000000000" pitchFamily="34" charset="0"/>
               <a:cs typeface="Times New Roman" panose="02020603050405020304" pitchFamily="18" charset="0"/>
             </a:endParaRPr>
           </a:p>
@@ -7412,8 +7509,8 @@
         </p:nvSpPr>
         <p:spPr>
           <a:xfrm>
-            <a:off x="3203030" y="252065"/>
-            <a:ext cx="3069771" cy="584775"/>
+            <a:off x="3203031" y="2123729"/>
+            <a:ext cx="3069771" cy="523220"/>
           </a:xfrm>
           <a:prstGeom prst="rect">
             <a:avLst/>
@@ -7428,19 +7525,21 @@
           <a:p>
             <a:pPr algn="ctr"/>
             <a:r>
-              <a:rPr lang="en-GB" sz="3200" i="1" dirty="0">
-                <a:latin typeface="Times New Roman" panose="02020603050405020304" pitchFamily="18" charset="0"/>
+              <a:rPr lang="en-GB" sz="2800" i="1" dirty="0">
+                <a:latin typeface="cmss12" panose="020B0500000000000000" pitchFamily="34" charset="0"/>
                 <a:cs typeface="Times New Roman" panose="02020603050405020304" pitchFamily="18" charset="0"/>
               </a:rPr>
               <a:t>m </a:t>
             </a:r>
             <a:r>
-              <a:rPr lang="en-GB" sz="3200" dirty="0">
+              <a:rPr lang="en-GB" sz="2800" dirty="0">
+                <a:latin typeface="cmss12" panose="020B0500000000000000" pitchFamily="34" charset="0"/>
                 <a:cs typeface="Times New Roman" panose="02020603050405020304" pitchFamily="18" charset="0"/>
               </a:rPr>
               <a:t>filters</a:t>
             </a:r>
-            <a:endParaRPr lang="en-GB" sz="3200" baseline="-25000" dirty="0">
+            <a:endParaRPr lang="en-GB" sz="2800" baseline="-25000" dirty="0">
+              <a:latin typeface="cmss12" panose="020B0500000000000000" pitchFamily="34" charset="0"/>
               <a:cs typeface="Times New Roman" panose="02020603050405020304" pitchFamily="18" charset="0"/>
             </a:endParaRPr>
           </a:p>
@@ -7454,8 +7553,8 @@
         </p:nvSpPr>
         <p:spPr>
           <a:xfrm>
-            <a:off x="4758633" y="2900077"/>
-            <a:ext cx="1233287" cy="584775"/>
+            <a:off x="4758634" y="4771741"/>
+            <a:ext cx="1233287" cy="523220"/>
           </a:xfrm>
           <a:prstGeom prst="rect">
             <a:avLst/>
@@ -7469,14 +7568,14 @@
           <a:lstStyle/>
           <a:p>
             <a:r>
-              <a:rPr lang="en-GB" sz="3200" i="1" dirty="0">
-                <a:latin typeface="Times New Roman" panose="02020603050405020304" pitchFamily="18" charset="0"/>
+              <a:rPr lang="en-GB" sz="2800" i="1">
+                <a:latin typeface="cmss12" panose="020B0500000000000000" pitchFamily="34" charset="0"/>
                 <a:cs typeface="Times New Roman" panose="02020603050405020304" pitchFamily="18" charset="0"/>
               </a:rPr>
               <a:t>H</a:t>
             </a:r>
-            <a:endParaRPr lang="en-GB" sz="3200" i="1" baseline="-25000" dirty="0">
-              <a:latin typeface="Times New Roman" panose="02020603050405020304" pitchFamily="18" charset="0"/>
+            <a:endParaRPr lang="en-GB" sz="2800" i="1" baseline="-25000" dirty="0">
+              <a:latin typeface="cmss12" panose="020B0500000000000000" pitchFamily="34" charset="0"/>
               <a:cs typeface="Times New Roman" panose="02020603050405020304" pitchFamily="18" charset="0"/>
             </a:endParaRPr>
           </a:p>
@@ -7490,8 +7589,8 @@
         </p:nvSpPr>
         <p:spPr>
           <a:xfrm>
-            <a:off x="5773905" y="3758940"/>
-            <a:ext cx="1233287" cy="584775"/>
+            <a:off x="5773906" y="5630604"/>
+            <a:ext cx="1233287" cy="523220"/>
           </a:xfrm>
           <a:prstGeom prst="rect">
             <a:avLst/>
@@ -7505,14 +7604,14 @@
           <a:lstStyle/>
           <a:p>
             <a:r>
-              <a:rPr lang="en-GB" sz="3200" i="1" dirty="0">
-                <a:latin typeface="Times New Roman" panose="02020603050405020304" pitchFamily="18" charset="0"/>
+              <a:rPr lang="en-GB" sz="2800" i="1" dirty="0">
+                <a:latin typeface="cmss12" panose="020B0500000000000000" pitchFamily="34" charset="0"/>
                 <a:cs typeface="Times New Roman" panose="02020603050405020304" pitchFamily="18" charset="0"/>
               </a:rPr>
               <a:t>W</a:t>
             </a:r>
-            <a:endParaRPr lang="en-GB" sz="3200" i="1" baseline="-25000" dirty="0">
-              <a:latin typeface="Times New Roman" panose="02020603050405020304" pitchFamily="18" charset="0"/>
+            <a:endParaRPr lang="en-GB" sz="2800" i="1" baseline="-25000" dirty="0">
+              <a:latin typeface="cmss12" panose="020B0500000000000000" pitchFamily="34" charset="0"/>
               <a:cs typeface="Times New Roman" panose="02020603050405020304" pitchFamily="18" charset="0"/>
             </a:endParaRPr>
           </a:p>
@@ -7526,7 +7625,7 @@
         </p:nvSpPr>
         <p:spPr>
           <a:xfrm>
-            <a:off x="11195918" y="1404196"/>
+            <a:off x="11195918" y="3275860"/>
             <a:ext cx="2599920" cy="2198871"/>
           </a:xfrm>
           <a:prstGeom prst="cube">
@@ -7535,7 +7634,7 @@
             </a:avLst>
           </a:prstGeom>
           <a:solidFill>
-            <a:schemeClr val="bg2"/>
+            <a:srgbClr val="E6E6E6"/>
           </a:solidFill>
           <a:ln>
             <a:solidFill>
@@ -7564,7 +7663,9 @@
           <a:lstStyle/>
           <a:p>
             <a:pPr algn="ctr"/>
-            <a:endParaRPr lang="en-GB" sz="3200"/>
+            <a:endParaRPr lang="en-GB" sz="2800">
+              <a:latin typeface="cmss12" panose="020B0500000000000000" pitchFamily="34" charset="0"/>
+            </a:endParaRPr>
           </a:p>
         </p:txBody>
       </p:sp>
@@ -7576,7 +7677,7 @@
         </p:nvSpPr>
         <p:spPr>
           <a:xfrm>
-            <a:off x="10115798" y="2541546"/>
+            <a:off x="10115798" y="4413209"/>
             <a:ext cx="312380" cy="399074"/>
           </a:xfrm>
           <a:prstGeom prst="rightArrow">
@@ -7612,7 +7713,9 @@
           <a:lstStyle/>
           <a:p>
             <a:pPr algn="ctr"/>
-            <a:endParaRPr lang="en-GB" sz="3200"/>
+            <a:endParaRPr lang="en-GB" sz="2800">
+              <a:latin typeface="cmss12" panose="020B0500000000000000" pitchFamily="34" charset="0"/>
+            </a:endParaRPr>
           </a:p>
         </p:txBody>
       </p:sp>
@@ -7624,8 +7727,8 @@
         </p:nvSpPr>
         <p:spPr>
           <a:xfrm rot="5400000">
-            <a:off x="9035403" y="2804307"/>
-            <a:ext cx="744740" cy="830997"/>
+            <a:off x="9035403" y="4754768"/>
+            <a:ext cx="744740" cy="523220"/>
           </a:xfrm>
           <a:prstGeom prst="rect">
             <a:avLst/>
@@ -7639,7 +7742,9 @@
           <a:lstStyle/>
           <a:p>
             <a:r>
-              <a:rPr lang="en-GB" sz="4800" dirty="0"/>
+              <a:rPr lang="en-GB" sz="2800" dirty="0">
+                <a:latin typeface="cmss12" panose="020B0500000000000000" pitchFamily="34" charset="0"/>
+              </a:rPr>
               <a:t>…</a:t>
             </a:r>
           </a:p>
@@ -7653,8 +7758,8 @@
         </p:nvSpPr>
         <p:spPr>
           <a:xfrm>
-            <a:off x="7410525" y="3143974"/>
-            <a:ext cx="1233287" cy="584775"/>
+            <a:off x="7410526" y="5015638"/>
+            <a:ext cx="1233287" cy="523220"/>
           </a:xfrm>
           <a:prstGeom prst="rect">
             <a:avLst/>
@@ -7668,14 +7773,14 @@
           <a:lstStyle/>
           <a:p>
             <a:r>
-              <a:rPr lang="en-GB" sz="3200" i="1" dirty="0">
-                <a:latin typeface="Times New Roman" panose="02020603050405020304" pitchFamily="18" charset="0"/>
+              <a:rPr lang="en-GB" sz="2800" i="1" dirty="0">
+                <a:latin typeface="cmss12" panose="020B0500000000000000" pitchFamily="34" charset="0"/>
                 <a:cs typeface="Times New Roman" panose="02020603050405020304" pitchFamily="18" charset="0"/>
               </a:rPr>
               <a:t>m</a:t>
             </a:r>
-            <a:endParaRPr lang="en-GB" sz="3200" i="1" baseline="-25000" dirty="0">
-              <a:latin typeface="Times New Roman" panose="02020603050405020304" pitchFamily="18" charset="0"/>
+            <a:endParaRPr lang="en-GB" sz="2800" i="1" baseline="-25000" dirty="0">
+              <a:latin typeface="cmss12" panose="020B0500000000000000" pitchFamily="34" charset="0"/>
               <a:cs typeface="Times New Roman" panose="02020603050405020304" pitchFamily="18" charset="0"/>
             </a:endParaRPr>
           </a:p>
@@ -7689,8 +7794,8 @@
         </p:nvSpPr>
         <p:spPr>
           <a:xfrm>
-            <a:off x="13356160" y="2988371"/>
-            <a:ext cx="1233287" cy="584775"/>
+            <a:off x="13356161" y="4860035"/>
+            <a:ext cx="1233287" cy="523220"/>
           </a:xfrm>
           <a:prstGeom prst="rect">
             <a:avLst/>
@@ -7704,14 +7809,14 @@
           <a:lstStyle/>
           <a:p>
             <a:r>
-              <a:rPr lang="en-GB" sz="3200" i="1" dirty="0">
-                <a:latin typeface="Times New Roman" panose="02020603050405020304" pitchFamily="18" charset="0"/>
+              <a:rPr lang="en-GB" sz="2800" i="1" dirty="0">
+                <a:latin typeface="cmss12" panose="020B0500000000000000" pitchFamily="34" charset="0"/>
                 <a:cs typeface="Times New Roman" panose="02020603050405020304" pitchFamily="18" charset="0"/>
               </a:rPr>
               <a:t>d</a:t>
             </a:r>
-            <a:endParaRPr lang="en-GB" sz="3200" i="1" baseline="-25000" dirty="0">
-              <a:latin typeface="Times New Roman" panose="02020603050405020304" pitchFamily="18" charset="0"/>
+            <a:endParaRPr lang="en-GB" sz="2800" i="1" baseline="-25000" dirty="0">
+              <a:latin typeface="cmss12" panose="020B0500000000000000" pitchFamily="34" charset="0"/>
               <a:cs typeface="Times New Roman" panose="02020603050405020304" pitchFamily="18" charset="0"/>
             </a:endParaRPr>
           </a:p>
@@ -7725,8 +7830,8 @@
         </p:nvSpPr>
         <p:spPr>
           <a:xfrm>
-            <a:off x="10744823" y="2623852"/>
-            <a:ext cx="1233287" cy="584775"/>
+            <a:off x="10744824" y="4495516"/>
+            <a:ext cx="1233287" cy="523220"/>
           </a:xfrm>
           <a:prstGeom prst="rect">
             <a:avLst/>
@@ -7740,14 +7845,14 @@
           <a:lstStyle/>
           <a:p>
             <a:r>
-              <a:rPr lang="en-GB" sz="3200" i="1" dirty="0">
-                <a:latin typeface="Times New Roman" panose="02020603050405020304" pitchFamily="18" charset="0"/>
+              <a:rPr lang="en-GB" sz="2800" i="1" dirty="0">
+                <a:latin typeface="cmss12" panose="020B0500000000000000" pitchFamily="34" charset="0"/>
                 <a:cs typeface="Times New Roman" panose="02020603050405020304" pitchFamily="18" charset="0"/>
               </a:rPr>
               <a:t>H</a:t>
             </a:r>
-            <a:endParaRPr lang="en-GB" sz="3200" i="1" baseline="-25000" dirty="0">
-              <a:latin typeface="Times New Roman" panose="02020603050405020304" pitchFamily="18" charset="0"/>
+            <a:endParaRPr lang="en-GB" sz="2800" i="1" baseline="-25000" dirty="0">
+              <a:latin typeface="cmss12" panose="020B0500000000000000" pitchFamily="34" charset="0"/>
               <a:cs typeface="Times New Roman" panose="02020603050405020304" pitchFamily="18" charset="0"/>
             </a:endParaRPr>
           </a:p>
@@ -7761,8 +7866,8 @@
         </p:nvSpPr>
         <p:spPr>
           <a:xfrm>
-            <a:off x="11771984" y="3564436"/>
-            <a:ext cx="1233287" cy="584775"/>
+            <a:off x="11771985" y="5436100"/>
+            <a:ext cx="1233287" cy="523220"/>
           </a:xfrm>
           <a:prstGeom prst="rect">
             <a:avLst/>
@@ -7776,14 +7881,14 @@
           <a:lstStyle/>
           <a:p>
             <a:r>
-              <a:rPr lang="en-GB" sz="3200" i="1" dirty="0">
-                <a:latin typeface="Times New Roman" panose="02020603050405020304" pitchFamily="18" charset="0"/>
+              <a:rPr lang="en-GB" sz="2800" i="1" dirty="0">
+                <a:latin typeface="cmss12" panose="020B0500000000000000" pitchFamily="34" charset="0"/>
                 <a:cs typeface="Times New Roman" panose="02020603050405020304" pitchFamily="18" charset="0"/>
               </a:rPr>
               <a:t>W</a:t>
             </a:r>
-            <a:endParaRPr lang="en-GB" sz="3200" i="1" baseline="-25000" dirty="0">
-              <a:latin typeface="Times New Roman" panose="02020603050405020304" pitchFamily="18" charset="0"/>
+            <a:endParaRPr lang="en-GB" sz="2800" i="1" baseline="-25000" dirty="0">
+              <a:latin typeface="cmss12" panose="020B0500000000000000" pitchFamily="34" charset="0"/>
               <a:cs typeface="Times New Roman" panose="02020603050405020304" pitchFamily="18" charset="0"/>
             </a:endParaRPr>
           </a:p>
@@ -7797,7 +7902,7 @@
         </p:nvSpPr>
         <p:spPr>
           <a:xfrm>
-            <a:off x="3347046" y="396081"/>
+            <a:off x="3347046" y="2267744"/>
             <a:ext cx="543456" cy="839394"/>
           </a:xfrm>
           <a:prstGeom prst="cube">
@@ -7838,7 +7943,9 @@
           <a:lstStyle/>
           <a:p>
             <a:pPr algn="ctr"/>
-            <a:endParaRPr lang="en-GB" sz="3200"/>
+            <a:endParaRPr lang="en-GB" sz="2800">
+              <a:latin typeface="cmss12" panose="020B0500000000000000" pitchFamily="34" charset="0"/>
+            </a:endParaRPr>
           </a:p>
         </p:txBody>
       </p:sp>
@@ -7850,7 +7957,7 @@
         </p:nvSpPr>
         <p:spPr>
           <a:xfrm>
-            <a:off x="3130550" y="2124273"/>
+            <a:off x="3130550" y="3995936"/>
             <a:ext cx="773426" cy="539354"/>
           </a:xfrm>
           <a:prstGeom prst="cube">
@@ -7891,7 +7998,9 @@
           <a:lstStyle/>
           <a:p>
             <a:pPr algn="ctr"/>
-            <a:endParaRPr lang="en-GB" sz="3200"/>
+            <a:endParaRPr lang="en-GB" sz="2800">
+              <a:latin typeface="cmss12" panose="020B0500000000000000" pitchFamily="34" charset="0"/>
+            </a:endParaRPr>
           </a:p>
         </p:txBody>
       </p:sp>
@@ -7903,8 +8012,8 @@
         </p:nvSpPr>
         <p:spPr>
           <a:xfrm>
-            <a:off x="8747648" y="871936"/>
-            <a:ext cx="3069771" cy="584775"/>
+            <a:off x="8747649" y="2743600"/>
+            <a:ext cx="3069771" cy="523220"/>
           </a:xfrm>
           <a:prstGeom prst="rect">
             <a:avLst/>
@@ -7918,19 +8027,21 @@
           <a:lstStyle/>
           <a:p>
             <a:r>
-              <a:rPr lang="en-GB" sz="3200" i="1" dirty="0">
-                <a:latin typeface="Times New Roman" panose="02020603050405020304" pitchFamily="18" charset="0"/>
+              <a:rPr lang="en-GB" sz="2800" i="1" dirty="0">
+                <a:latin typeface="cmss12" panose="020B0500000000000000" pitchFamily="34" charset="0"/>
                 <a:cs typeface="Times New Roman" panose="02020603050405020304" pitchFamily="18" charset="0"/>
               </a:rPr>
               <a:t>d </a:t>
             </a:r>
             <a:r>
-              <a:rPr lang="en-GB" sz="3200" dirty="0">
+              <a:rPr lang="en-GB" sz="2800" dirty="0">
+                <a:latin typeface="cmss12" panose="020B0500000000000000" pitchFamily="34" charset="0"/>
                 <a:cs typeface="Times New Roman" panose="02020603050405020304" pitchFamily="18" charset="0"/>
               </a:rPr>
               <a:t>filters</a:t>
             </a:r>
-            <a:endParaRPr lang="en-GB" sz="3200" baseline="-25000" dirty="0">
+            <a:endParaRPr lang="en-GB" sz="2800" baseline="-25000" dirty="0">
+              <a:latin typeface="cmss12" panose="020B0500000000000000" pitchFamily="34" charset="0"/>
               <a:cs typeface="Times New Roman" panose="02020603050405020304" pitchFamily="18" charset="0"/>
             </a:endParaRPr>
           </a:p>
@@ -7944,7 +8055,7 @@
         </p:nvSpPr>
         <p:spPr>
           <a:xfrm>
-            <a:off x="9026260" y="1404193"/>
+            <a:off x="9026260" y="3275856"/>
             <a:ext cx="543456" cy="551362"/>
           </a:xfrm>
           <a:prstGeom prst="cube">
@@ -7985,7 +8096,9 @@
           <a:lstStyle/>
           <a:p>
             <a:pPr algn="ctr"/>
-            <a:endParaRPr lang="en-GB" sz="3200"/>
+            <a:endParaRPr lang="en-GB" sz="2800">
+              <a:latin typeface="cmss12" panose="020B0500000000000000" pitchFamily="34" charset="0"/>
+            </a:endParaRPr>
           </a:p>
         </p:txBody>
       </p:sp>
@@ -7997,8 +8110,8 @@
         </p:nvSpPr>
         <p:spPr>
           <a:xfrm>
-            <a:off x="9344664" y="3598892"/>
-            <a:ext cx="1233287" cy="584775"/>
+            <a:off x="9344665" y="5470556"/>
+            <a:ext cx="1233287" cy="523220"/>
           </a:xfrm>
           <a:prstGeom prst="rect">
             <a:avLst/>
@@ -8012,14 +8125,14 @@
           <a:lstStyle/>
           <a:p>
             <a:r>
-              <a:rPr lang="en-GB" sz="3200" i="1" dirty="0">
-                <a:latin typeface="Times New Roman" panose="02020603050405020304" pitchFamily="18" charset="0"/>
+              <a:rPr lang="en-GB" sz="2800" i="1" dirty="0">
+                <a:latin typeface="cmss12" panose="020B0500000000000000" pitchFamily="34" charset="0"/>
                 <a:cs typeface="Times New Roman" panose="02020603050405020304" pitchFamily="18" charset="0"/>
               </a:rPr>
               <a:t>m</a:t>
             </a:r>
-            <a:endParaRPr lang="en-GB" sz="3200" i="1" baseline="-25000" dirty="0">
-              <a:latin typeface="Times New Roman" panose="02020603050405020304" pitchFamily="18" charset="0"/>
+            <a:endParaRPr lang="en-GB" sz="2800" i="1" baseline="-25000" dirty="0">
+              <a:latin typeface="cmss12" panose="020B0500000000000000" pitchFamily="34" charset="0"/>
               <a:cs typeface="Times New Roman" panose="02020603050405020304" pitchFamily="18" charset="0"/>
             </a:endParaRPr>
           </a:p>
@@ -8033,8 +8146,8 @@
         </p:nvSpPr>
         <p:spPr>
           <a:xfrm>
-            <a:off x="8681346" y="3564436"/>
-            <a:ext cx="1233287" cy="584775"/>
+            <a:off x="8681347" y="5436100"/>
+            <a:ext cx="1233287" cy="523220"/>
           </a:xfrm>
           <a:prstGeom prst="rect">
             <a:avLst/>
@@ -8048,14 +8161,14 @@
           <a:lstStyle/>
           <a:p>
             <a:r>
-              <a:rPr lang="en-GB" sz="3200" i="1" dirty="0">
-                <a:latin typeface="Times New Roman" panose="02020603050405020304" pitchFamily="18" charset="0"/>
+              <a:rPr lang="en-GB" sz="2800" i="1" dirty="0">
+                <a:latin typeface="cmss12" panose="020B0500000000000000" pitchFamily="34" charset="0"/>
                 <a:cs typeface="Times New Roman" panose="02020603050405020304" pitchFamily="18" charset="0"/>
               </a:rPr>
               <a:t>1</a:t>
             </a:r>
-            <a:endParaRPr lang="en-GB" sz="3200" i="1" baseline="-25000" dirty="0">
-              <a:latin typeface="Times New Roman" panose="02020603050405020304" pitchFamily="18" charset="0"/>
+            <a:endParaRPr lang="en-GB" sz="2800" i="1" baseline="-25000" dirty="0">
+              <a:latin typeface="cmss12" panose="020B0500000000000000" pitchFamily="34" charset="0"/>
               <a:cs typeface="Times New Roman" panose="02020603050405020304" pitchFamily="18" charset="0"/>
             </a:endParaRPr>
           </a:p>
@@ -8069,8 +8182,8 @@
         </p:nvSpPr>
         <p:spPr>
           <a:xfrm>
-            <a:off x="2626966" y="2412305"/>
-            <a:ext cx="432048" cy="830997"/>
+            <a:off x="2626966" y="4283969"/>
+            <a:ext cx="432048" cy="523220"/>
           </a:xfrm>
           <a:prstGeom prst="rect">
             <a:avLst/>
@@ -8084,14 +8197,14 @@
           <a:lstStyle/>
           <a:p>
             <a:r>
-              <a:rPr lang="en-GB" sz="4800" i="1" dirty="0">
-                <a:latin typeface="Times New Roman" panose="02020603050405020304" pitchFamily="18" charset="0"/>
+              <a:rPr lang="en-GB" sz="2800" dirty="0">
+                <a:latin typeface="cmss12" panose="020B0500000000000000" pitchFamily="34" charset="0"/>
                 <a:cs typeface="Times New Roman" panose="02020603050405020304" pitchFamily="18" charset="0"/>
               </a:rPr>
               <a:t>*</a:t>
             </a:r>
-            <a:endParaRPr lang="en-GB" sz="4800" i="1" baseline="-25000" dirty="0">
-              <a:latin typeface="Times New Roman" panose="02020603050405020304" pitchFamily="18" charset="0"/>
+            <a:endParaRPr lang="en-GB" sz="2800" baseline="-25000" dirty="0">
+              <a:latin typeface="cmss12" panose="020B0500000000000000" pitchFamily="34" charset="0"/>
               <a:cs typeface="Times New Roman" panose="02020603050405020304" pitchFamily="18" charset="0"/>
             </a:endParaRPr>
           </a:p>
@@ -8105,8 +8218,8 @@
         </p:nvSpPr>
         <p:spPr>
           <a:xfrm>
-            <a:off x="8099575" y="2500741"/>
-            <a:ext cx="720080" cy="830997"/>
+            <a:off x="8099575" y="4372405"/>
+            <a:ext cx="720080" cy="523220"/>
           </a:xfrm>
           <a:prstGeom prst="rect">
             <a:avLst/>
@@ -8120,14 +8233,14 @@
           <a:lstStyle/>
           <a:p>
             <a:r>
-              <a:rPr lang="en-GB" sz="4800" i="1" dirty="0">
-                <a:latin typeface="Times New Roman" panose="02020603050405020304" pitchFamily="18" charset="0"/>
+              <a:rPr lang="en-GB" sz="2800" dirty="0">
+                <a:latin typeface="cmss12" panose="020B0500000000000000" pitchFamily="34" charset="0"/>
                 <a:cs typeface="Times New Roman" panose="02020603050405020304" pitchFamily="18" charset="0"/>
               </a:rPr>
               <a:t>*</a:t>
             </a:r>
-            <a:endParaRPr lang="en-GB" sz="4800" i="1" baseline="-25000" dirty="0">
-              <a:latin typeface="Times New Roman" panose="02020603050405020304" pitchFamily="18" charset="0"/>
+            <a:endParaRPr lang="en-GB" sz="2800" baseline="-25000" dirty="0">
+              <a:latin typeface="cmss12" panose="020B0500000000000000" pitchFamily="34" charset="0"/>
               <a:cs typeface="Times New Roman" panose="02020603050405020304" pitchFamily="18" charset="0"/>
             </a:endParaRPr>
           </a:p>
@@ -8141,8 +8254,8 @@
         </p:nvSpPr>
         <p:spPr>
           <a:xfrm rot="5400000">
-            <a:off x="3359396" y="2639468"/>
-            <a:ext cx="744740" cy="769441"/>
+            <a:off x="3359396" y="4634242"/>
+            <a:ext cx="744740" cy="523220"/>
           </a:xfrm>
           <a:prstGeom prst="rect">
             <a:avLst/>
@@ -8156,7 +8269,9 @@
           <a:lstStyle/>
           <a:p>
             <a:r>
-              <a:rPr lang="en-GB" sz="4400" dirty="0"/>
+              <a:rPr lang="en-GB" sz="2800" dirty="0">
+                <a:latin typeface="cmss12" panose="020B0500000000000000" pitchFamily="34" charset="0"/>
+              </a:rPr>
               <a:t>…</a:t>
             </a:r>
           </a:p>
@@ -8170,8 +8285,8 @@
         </p:nvSpPr>
         <p:spPr>
           <a:xfrm rot="5400000">
-            <a:off x="3473511" y="989696"/>
-            <a:ext cx="516511" cy="769441"/>
+            <a:off x="3473512" y="2984470"/>
+            <a:ext cx="516511" cy="523220"/>
           </a:xfrm>
           <a:prstGeom prst="rect">
             <a:avLst/>
@@ -8185,7 +8300,9 @@
           <a:lstStyle/>
           <a:p>
             <a:r>
-              <a:rPr lang="en-GB" sz="4400" dirty="0"/>
+              <a:rPr lang="en-GB" sz="2800" dirty="0">
+                <a:latin typeface="cmss12" panose="020B0500000000000000" pitchFamily="34" charset="0"/>
+              </a:rPr>
               <a:t>…</a:t>
             </a:r>
           </a:p>
@@ -8199,7 +8316,7 @@
         </p:nvSpPr>
         <p:spPr>
           <a:xfrm>
-            <a:off x="9026260" y="1836241"/>
+            <a:off x="9026260" y="3707904"/>
             <a:ext cx="543456" cy="551362"/>
           </a:xfrm>
           <a:prstGeom prst="cube">
@@ -8240,7 +8357,9 @@
           <a:lstStyle/>
           <a:p>
             <a:pPr algn="ctr"/>
-            <a:endParaRPr lang="en-GB" sz="3200"/>
+            <a:endParaRPr lang="en-GB" sz="2800">
+              <a:latin typeface="cmss12" panose="020B0500000000000000" pitchFamily="34" charset="0"/>
+            </a:endParaRPr>
           </a:p>
         </p:txBody>
       </p:sp>
@@ -8252,7 +8371,7 @@
         </p:nvSpPr>
         <p:spPr>
           <a:xfrm>
-            <a:off x="9026260" y="3492425"/>
+            <a:off x="9026260" y="5364088"/>
             <a:ext cx="543456" cy="551362"/>
           </a:xfrm>
           <a:prstGeom prst="cube">
@@ -8293,7 +8412,9 @@
           <a:lstStyle/>
           <a:p>
             <a:pPr algn="ctr"/>
-            <a:endParaRPr lang="en-GB" sz="3200"/>
+            <a:endParaRPr lang="en-GB" sz="2800">
+              <a:latin typeface="cmss12" panose="020B0500000000000000" pitchFamily="34" charset="0"/>
+            </a:endParaRPr>
           </a:p>
         </p:txBody>
       </p:sp>
@@ -8305,8 +8426,8 @@
         </p:nvSpPr>
         <p:spPr>
           <a:xfrm rot="5400000">
-            <a:off x="3473512" y="4014033"/>
-            <a:ext cx="516511" cy="769441"/>
+            <a:off x="3473513" y="6008807"/>
+            <a:ext cx="516511" cy="523220"/>
           </a:xfrm>
           <a:prstGeom prst="rect">
             <a:avLst/>
@@ -8320,7 +8441,9 @@
           <a:lstStyle/>
           <a:p>
             <a:r>
-              <a:rPr lang="en-GB" sz="4400" dirty="0"/>
+              <a:rPr lang="en-GB" sz="2800" dirty="0">
+                <a:latin typeface="cmss12" panose="020B0500000000000000" pitchFamily="34" charset="0"/>
+              </a:rPr>
               <a:t>…</a:t>
             </a:r>
           </a:p>
@@ -8334,8 +8457,8 @@
         </p:nvSpPr>
         <p:spPr>
           <a:xfrm>
-            <a:off x="2338934" y="3132385"/>
-            <a:ext cx="1233287" cy="584775"/>
+            <a:off x="2338935" y="5004049"/>
+            <a:ext cx="1233287" cy="523220"/>
           </a:xfrm>
           <a:prstGeom prst="rect">
             <a:avLst/>
@@ -8349,14 +8472,14 @@
           <a:lstStyle/>
           <a:p>
             <a:r>
-              <a:rPr lang="en-GB" sz="3200" i="1" dirty="0">
-                <a:latin typeface="Times New Roman" panose="02020603050405020304" pitchFamily="18" charset="0"/>
+              <a:rPr lang="en-GB" sz="2800" i="1" dirty="0">
+                <a:latin typeface="cmss12" panose="020B0500000000000000" pitchFamily="34" charset="0"/>
                 <a:cs typeface="Times New Roman" panose="02020603050405020304" pitchFamily="18" charset="0"/>
               </a:rPr>
               <a:t>c</a:t>
             </a:r>
-            <a:endParaRPr lang="en-GB" sz="3200" i="1" baseline="-25000" dirty="0">
-              <a:latin typeface="Times New Roman" panose="02020603050405020304" pitchFamily="18" charset="0"/>
+            <a:endParaRPr lang="en-GB" sz="2800" i="1" baseline="-25000" dirty="0">
+              <a:latin typeface="cmss12" panose="020B0500000000000000" pitchFamily="34" charset="0"/>
               <a:cs typeface="Times New Roman" panose="02020603050405020304" pitchFamily="18" charset="0"/>
             </a:endParaRPr>
           </a:p>
@@ -8370,7 +8493,7 @@
         </p:nvSpPr>
         <p:spPr>
           <a:xfrm>
-            <a:off x="3275038" y="1476201"/>
+            <a:off x="3275038" y="3347864"/>
             <a:ext cx="543456" cy="839394"/>
           </a:xfrm>
           <a:prstGeom prst="cube">
@@ -8411,7 +8534,9 @@
           <a:lstStyle/>
           <a:p>
             <a:pPr algn="ctr"/>
-            <a:endParaRPr lang="en-GB" sz="3200"/>
+            <a:endParaRPr lang="en-GB" sz="2800">
+              <a:latin typeface="cmss12" panose="020B0500000000000000" pitchFamily="34" charset="0"/>
+            </a:endParaRPr>
           </a:p>
         </p:txBody>
       </p:sp>
@@ -8453,7 +8578,7 @@
         </p:nvSpPr>
         <p:spPr>
           <a:xfrm>
-            <a:off x="3175637" y="3708449"/>
+            <a:off x="3175637" y="5580112"/>
             <a:ext cx="773426" cy="539354"/>
           </a:xfrm>
           <a:prstGeom prst="cube">
@@ -8494,7 +8619,9 @@
           <a:lstStyle/>
           <a:p>
             <a:pPr algn="ctr"/>
-            <a:endParaRPr lang="en-GB" sz="3200"/>
+            <a:endParaRPr lang="en-GB" sz="2800">
+              <a:latin typeface="cmss12" panose="020B0500000000000000" pitchFamily="34" charset="0"/>
+            </a:endParaRPr>
           </a:p>
         </p:txBody>
       </p:sp>
@@ -8506,7 +8633,7 @@
         </p:nvSpPr>
         <p:spPr>
           <a:xfrm>
-            <a:off x="3347046" y="1971545"/>
+            <a:off x="3347046" y="3843208"/>
             <a:ext cx="543456" cy="839394"/>
           </a:xfrm>
           <a:prstGeom prst="cube">
@@ -8547,7 +8674,9 @@
           <a:lstStyle/>
           <a:p>
             <a:pPr algn="ctr"/>
-            <a:endParaRPr lang="en-GB" sz="3200"/>
+            <a:endParaRPr lang="en-GB" sz="2800">
+              <a:latin typeface="cmss12" panose="020B0500000000000000" pitchFamily="34" charset="0"/>
+            </a:endParaRPr>
           </a:p>
         </p:txBody>
       </p:sp>
@@ -8559,14 +8688,14 @@
         </p:nvSpPr>
         <p:spPr>
           <a:xfrm>
-            <a:off x="538734" y="1846100"/>
+            <a:off x="538734" y="3717763"/>
             <a:ext cx="2087714" cy="1787850"/>
           </a:xfrm>
           <a:prstGeom prst="cube">
             <a:avLst/>
           </a:prstGeom>
           <a:solidFill>
-            <a:schemeClr val="bg2"/>
+            <a:srgbClr val="E6E6E6"/>
           </a:solidFill>
           <a:ln>
             <a:solidFill>
@@ -8595,7 +8724,9 @@
           <a:lstStyle/>
           <a:p>
             <a:pPr algn="ctr"/>
-            <a:endParaRPr lang="en-GB" sz="3200"/>
+            <a:endParaRPr lang="en-GB" sz="2800">
+              <a:latin typeface="cmss12" panose="020B0500000000000000" pitchFamily="34" charset="0"/>
+            </a:endParaRPr>
           </a:p>
         </p:txBody>
       </p:sp>
@@ -8607,7 +8738,7 @@
         </p:nvSpPr>
         <p:spPr>
           <a:xfrm>
-            <a:off x="5219257" y="1658057"/>
+            <a:off x="5219257" y="3529721"/>
             <a:ext cx="2599920" cy="2198871"/>
           </a:xfrm>
           <a:prstGeom prst="cube">
@@ -8616,7 +8747,7 @@
             </a:avLst>
           </a:prstGeom>
           <a:solidFill>
-            <a:schemeClr val="bg2"/>
+            <a:srgbClr val="E6E6E6"/>
           </a:solidFill>
           <a:ln>
             <a:solidFill>
@@ -8645,7 +8776,9 @@
           <a:lstStyle/>
           <a:p>
             <a:pPr algn="ctr"/>
-            <a:endParaRPr lang="en-GB" sz="3200"/>
+            <a:endParaRPr lang="en-GB" sz="2800">
+              <a:latin typeface="cmss12" panose="020B0500000000000000" pitchFamily="34" charset="0"/>
+            </a:endParaRPr>
           </a:p>
         </p:txBody>
       </p:sp>
@@ -8657,7 +8790,7 @@
         </p:nvSpPr>
         <p:spPr>
           <a:xfrm>
-            <a:off x="4211142" y="2652468"/>
+            <a:off x="4211142" y="4524131"/>
             <a:ext cx="312380" cy="399074"/>
           </a:xfrm>
           <a:prstGeom prst="rightArrow">
@@ -8693,7 +8826,9 @@
           <a:lstStyle/>
           <a:p>
             <a:pPr algn="ctr"/>
-            <a:endParaRPr lang="en-GB" sz="3200"/>
+            <a:endParaRPr lang="en-GB" sz="2800">
+              <a:latin typeface="cmss12" panose="020B0500000000000000" pitchFamily="34" charset="0"/>
+            </a:endParaRPr>
           </a:p>
         </p:txBody>
       </p:sp>
@@ -8705,8 +8840,8 @@
         </p:nvSpPr>
         <p:spPr>
           <a:xfrm>
-            <a:off x="1025652" y="3526335"/>
-            <a:ext cx="1233287" cy="584775"/>
+            <a:off x="1025653" y="5397999"/>
+            <a:ext cx="1233287" cy="523220"/>
           </a:xfrm>
           <a:prstGeom prst="rect">
             <a:avLst/>
@@ -8720,14 +8855,14 @@
           <a:lstStyle/>
           <a:p>
             <a:r>
-              <a:rPr lang="en-GB" sz="3200" i="1" dirty="0">
-                <a:latin typeface="Times New Roman" panose="02020603050405020304" pitchFamily="18" charset="0"/>
+              <a:rPr lang="en-GB" sz="2800" i="1" dirty="0">
+                <a:latin typeface="cmss12" panose="020B0500000000000000" pitchFamily="34" charset="0"/>
                 <a:cs typeface="Times New Roman" panose="02020603050405020304" pitchFamily="18" charset="0"/>
               </a:rPr>
               <a:t>W</a:t>
             </a:r>
-            <a:endParaRPr lang="en-GB" sz="3200" i="1" baseline="-25000" dirty="0">
-              <a:latin typeface="Times New Roman" panose="02020603050405020304" pitchFamily="18" charset="0"/>
+            <a:endParaRPr lang="en-GB" sz="2800" i="1" baseline="-25000" dirty="0">
+              <a:latin typeface="cmss12" panose="020B0500000000000000" pitchFamily="34" charset="0"/>
               <a:cs typeface="Times New Roman" panose="02020603050405020304" pitchFamily="18" charset="0"/>
             </a:endParaRPr>
           </a:p>
@@ -8741,8 +8876,8 @@
         </p:nvSpPr>
         <p:spPr>
           <a:xfrm>
-            <a:off x="106688" y="2623851"/>
-            <a:ext cx="1233287" cy="584775"/>
+            <a:off x="106689" y="4495515"/>
+            <a:ext cx="1233287" cy="523220"/>
           </a:xfrm>
           <a:prstGeom prst="rect">
             <a:avLst/>
@@ -8756,14 +8891,14 @@
           <a:lstStyle/>
           <a:p>
             <a:r>
-              <a:rPr lang="en-GB" sz="3200" i="1" dirty="0">
-                <a:latin typeface="Times New Roman" panose="02020603050405020304" pitchFamily="18" charset="0"/>
+              <a:rPr lang="en-GB" sz="2800" i="1" dirty="0">
+                <a:latin typeface="cmss12" panose="020B0500000000000000" pitchFamily="34" charset="0"/>
                 <a:cs typeface="Times New Roman" panose="02020603050405020304" pitchFamily="18" charset="0"/>
               </a:rPr>
               <a:t>H</a:t>
             </a:r>
-            <a:endParaRPr lang="en-GB" sz="3200" i="1" baseline="-25000" dirty="0">
-              <a:latin typeface="Times New Roman" panose="02020603050405020304" pitchFamily="18" charset="0"/>
+            <a:endParaRPr lang="en-GB" sz="2800" i="1" baseline="-25000" dirty="0">
+              <a:latin typeface="cmss12" panose="020B0500000000000000" pitchFamily="34" charset="0"/>
               <a:cs typeface="Times New Roman" panose="02020603050405020304" pitchFamily="18" charset="0"/>
             </a:endParaRPr>
           </a:p>
@@ -8777,8 +8912,8 @@
         </p:nvSpPr>
         <p:spPr>
           <a:xfrm>
-            <a:off x="2361038" y="3118671"/>
-            <a:ext cx="1233287" cy="584775"/>
+            <a:off x="2361039" y="4990335"/>
+            <a:ext cx="1233287" cy="523220"/>
           </a:xfrm>
           <a:prstGeom prst="rect">
             <a:avLst/>
@@ -8792,14 +8927,14 @@
           <a:lstStyle/>
           <a:p>
             <a:r>
-              <a:rPr lang="en-GB" sz="3200" i="1" dirty="0">
-                <a:latin typeface="Times New Roman" panose="02020603050405020304" pitchFamily="18" charset="0"/>
+              <a:rPr lang="en-GB" sz="2800" i="1" dirty="0">
+                <a:latin typeface="cmss12" panose="020B0500000000000000" pitchFamily="34" charset="0"/>
                 <a:cs typeface="Times New Roman" panose="02020603050405020304" pitchFamily="18" charset="0"/>
               </a:rPr>
               <a:t>c</a:t>
             </a:r>
-            <a:endParaRPr lang="en-GB" sz="3200" i="1" baseline="-25000" dirty="0">
-              <a:latin typeface="Times New Roman" panose="02020603050405020304" pitchFamily="18" charset="0"/>
+            <a:endParaRPr lang="en-GB" sz="2800" i="1" baseline="-25000" dirty="0">
+              <a:latin typeface="cmss12" panose="020B0500000000000000" pitchFamily="34" charset="0"/>
               <a:cs typeface="Times New Roman" panose="02020603050405020304" pitchFamily="18" charset="0"/>
             </a:endParaRPr>
           </a:p>
@@ -8813,8 +8948,8 @@
         </p:nvSpPr>
         <p:spPr>
           <a:xfrm>
-            <a:off x="2266927" y="396082"/>
-            <a:ext cx="3069771" cy="584775"/>
+            <a:off x="2266928" y="2267746"/>
+            <a:ext cx="3069771" cy="523220"/>
           </a:xfrm>
           <a:prstGeom prst="rect">
             <a:avLst/>
@@ -8829,19 +8964,21 @@
           <a:p>
             <a:pPr algn="ctr"/>
             <a:r>
-              <a:rPr lang="en-GB" sz="3200" i="1" dirty="0">
-                <a:latin typeface="Times New Roman" panose="02020603050405020304" pitchFamily="18" charset="0"/>
+              <a:rPr lang="en-GB" sz="2800" i="1" dirty="0">
+                <a:latin typeface="cmss12" panose="020B0500000000000000" pitchFamily="34" charset="0"/>
                 <a:cs typeface="Times New Roman" panose="02020603050405020304" pitchFamily="18" charset="0"/>
               </a:rPr>
               <a:t>m </a:t>
             </a:r>
             <a:r>
-              <a:rPr lang="en-GB" sz="3200" dirty="0">
+              <a:rPr lang="en-GB" sz="2800" dirty="0">
+                <a:latin typeface="cmss12" panose="020B0500000000000000" pitchFamily="34" charset="0"/>
                 <a:cs typeface="Times New Roman" panose="02020603050405020304" pitchFamily="18" charset="0"/>
               </a:rPr>
               <a:t>filters</a:t>
             </a:r>
-            <a:endParaRPr lang="en-GB" sz="3200" baseline="-25000" dirty="0">
+            <a:endParaRPr lang="en-GB" sz="2800" baseline="-25000" dirty="0">
+              <a:latin typeface="cmss12" panose="020B0500000000000000" pitchFamily="34" charset="0"/>
               <a:cs typeface="Times New Roman" panose="02020603050405020304" pitchFamily="18" charset="0"/>
             </a:endParaRPr>
           </a:p>
@@ -8855,8 +8992,8 @@
         </p:nvSpPr>
         <p:spPr>
           <a:xfrm>
-            <a:off x="4758633" y="2900077"/>
-            <a:ext cx="1233287" cy="584775"/>
+            <a:off x="4758634" y="4771741"/>
+            <a:ext cx="1233287" cy="523220"/>
           </a:xfrm>
           <a:prstGeom prst="rect">
             <a:avLst/>
@@ -8870,14 +9007,14 @@
           <a:lstStyle/>
           <a:p>
             <a:r>
-              <a:rPr lang="en-GB" sz="3200" i="1" dirty="0">
-                <a:latin typeface="Times New Roman" panose="02020603050405020304" pitchFamily="18" charset="0"/>
+              <a:rPr lang="en-GB" sz="2800" i="1" dirty="0">
+                <a:latin typeface="cmss12" panose="020B0500000000000000" pitchFamily="34" charset="0"/>
                 <a:cs typeface="Times New Roman" panose="02020603050405020304" pitchFamily="18" charset="0"/>
               </a:rPr>
               <a:t>H</a:t>
             </a:r>
-            <a:endParaRPr lang="en-GB" sz="3200" i="1" baseline="-25000" dirty="0">
-              <a:latin typeface="Times New Roman" panose="02020603050405020304" pitchFamily="18" charset="0"/>
+            <a:endParaRPr lang="en-GB" sz="2800" i="1" baseline="-25000" dirty="0">
+              <a:latin typeface="cmss12" panose="020B0500000000000000" pitchFamily="34" charset="0"/>
               <a:cs typeface="Times New Roman" panose="02020603050405020304" pitchFamily="18" charset="0"/>
             </a:endParaRPr>
           </a:p>
@@ -8891,8 +9028,8 @@
         </p:nvSpPr>
         <p:spPr>
           <a:xfrm>
-            <a:off x="5773905" y="3758940"/>
-            <a:ext cx="1233287" cy="584775"/>
+            <a:off x="5773906" y="5630604"/>
+            <a:ext cx="1233287" cy="523220"/>
           </a:xfrm>
           <a:prstGeom prst="rect">
             <a:avLst/>
@@ -8906,14 +9043,14 @@
           <a:lstStyle/>
           <a:p>
             <a:r>
-              <a:rPr lang="en-GB" sz="3200" i="1" dirty="0">
-                <a:latin typeface="Times New Roman" panose="02020603050405020304" pitchFamily="18" charset="0"/>
+              <a:rPr lang="en-GB" sz="2800" i="1" dirty="0">
+                <a:latin typeface="cmss12" panose="020B0500000000000000" pitchFamily="34" charset="0"/>
                 <a:cs typeface="Times New Roman" panose="02020603050405020304" pitchFamily="18" charset="0"/>
               </a:rPr>
               <a:t>W</a:t>
             </a:r>
-            <a:endParaRPr lang="en-GB" sz="3200" i="1" baseline="-25000" dirty="0">
-              <a:latin typeface="Times New Roman" panose="02020603050405020304" pitchFamily="18" charset="0"/>
+            <a:endParaRPr lang="en-GB" sz="2800" i="1" baseline="-25000" dirty="0">
+              <a:latin typeface="cmss12" panose="020B0500000000000000" pitchFamily="34" charset="0"/>
               <a:cs typeface="Times New Roman" panose="02020603050405020304" pitchFamily="18" charset="0"/>
             </a:endParaRPr>
           </a:p>
@@ -8927,8 +9064,8 @@
         </p:nvSpPr>
         <p:spPr>
           <a:xfrm>
-            <a:off x="7410525" y="3143974"/>
-            <a:ext cx="1233287" cy="584775"/>
+            <a:off x="7410526" y="5015638"/>
+            <a:ext cx="1233287" cy="523220"/>
           </a:xfrm>
           <a:prstGeom prst="rect">
             <a:avLst/>
@@ -8942,14 +9079,14 @@
           <a:lstStyle/>
           <a:p>
             <a:r>
-              <a:rPr lang="en-GB" sz="3200" i="1" dirty="0">
-                <a:latin typeface="Times New Roman" panose="02020603050405020304" pitchFamily="18" charset="0"/>
+              <a:rPr lang="en-GB" sz="2800" i="1" dirty="0">
+                <a:latin typeface="cmss12" panose="020B0500000000000000" pitchFamily="34" charset="0"/>
                 <a:cs typeface="Times New Roman" panose="02020603050405020304" pitchFamily="18" charset="0"/>
               </a:rPr>
               <a:t>m</a:t>
             </a:r>
-            <a:endParaRPr lang="en-GB" sz="3200" i="1" baseline="-25000" dirty="0">
-              <a:latin typeface="Times New Roman" panose="02020603050405020304" pitchFamily="18" charset="0"/>
+            <a:endParaRPr lang="en-GB" sz="2800" i="1" baseline="-25000" dirty="0">
+              <a:latin typeface="cmss12" panose="020B0500000000000000" pitchFamily="34" charset="0"/>
               <a:cs typeface="Times New Roman" panose="02020603050405020304" pitchFamily="18" charset="0"/>
             </a:endParaRPr>
           </a:p>
@@ -8963,7 +9100,7 @@
         </p:nvSpPr>
         <p:spPr>
           <a:xfrm>
-            <a:off x="3347046" y="1060197"/>
+            <a:off x="3347046" y="2931860"/>
             <a:ext cx="543456" cy="839394"/>
           </a:xfrm>
           <a:prstGeom prst="cube">
@@ -9004,7 +9141,9 @@
           <a:lstStyle/>
           <a:p>
             <a:pPr algn="ctr"/>
-            <a:endParaRPr lang="en-GB" sz="3200"/>
+            <a:endParaRPr lang="en-GB" sz="2800">
+              <a:latin typeface="cmss12" panose="020B0500000000000000" pitchFamily="34" charset="0"/>
+            </a:endParaRPr>
           </a:p>
         </p:txBody>
       </p:sp>
@@ -9016,7 +9155,7 @@
         </p:nvSpPr>
         <p:spPr>
           <a:xfrm>
-            <a:off x="3203031" y="3060297"/>
+            <a:off x="3203031" y="4931960"/>
             <a:ext cx="773426" cy="539354"/>
           </a:xfrm>
           <a:prstGeom prst="cube">
@@ -9057,7 +9196,9 @@
           <a:lstStyle/>
           <a:p>
             <a:pPr algn="ctr"/>
-            <a:endParaRPr lang="en-GB" sz="3200"/>
+            <a:endParaRPr lang="en-GB" sz="2800">
+              <a:latin typeface="cmss12" panose="020B0500000000000000" pitchFamily="34" charset="0"/>
+            </a:endParaRPr>
           </a:p>
         </p:txBody>
       </p:sp>
@@ -9069,8 +9210,8 @@
         </p:nvSpPr>
         <p:spPr>
           <a:xfrm>
-            <a:off x="3635080" y="3771747"/>
-            <a:ext cx="1233287" cy="584775"/>
+            <a:off x="3635081" y="5704964"/>
+            <a:ext cx="1233287" cy="523220"/>
           </a:xfrm>
           <a:prstGeom prst="rect">
             <a:avLst/>
@@ -9084,14 +9225,14 @@
           <a:lstStyle/>
           <a:p>
             <a:r>
-              <a:rPr lang="en-GB" sz="3200" i="1" dirty="0">
-                <a:latin typeface="Times New Roman" panose="02020603050405020304" pitchFamily="18" charset="0"/>
+              <a:rPr lang="en-GB" sz="2800" i="1" dirty="0">
+                <a:latin typeface="cmss12" panose="020B0500000000000000" pitchFamily="34" charset="0"/>
                 <a:cs typeface="Times New Roman" panose="02020603050405020304" pitchFamily="18" charset="0"/>
               </a:rPr>
               <a:t>c</a:t>
             </a:r>
-            <a:endParaRPr lang="en-GB" sz="3200" i="1" baseline="-25000" dirty="0">
-              <a:latin typeface="Times New Roman" panose="02020603050405020304" pitchFamily="18" charset="0"/>
+            <a:endParaRPr lang="en-GB" sz="2800" i="1" baseline="-25000" dirty="0">
+              <a:latin typeface="cmss12" panose="020B0500000000000000" pitchFamily="34" charset="0"/>
               <a:cs typeface="Times New Roman" panose="02020603050405020304" pitchFamily="18" charset="0"/>
             </a:endParaRPr>
           </a:p>
@@ -9105,8 +9246,8 @@
         </p:nvSpPr>
         <p:spPr>
           <a:xfrm>
-            <a:off x="3140548" y="4084162"/>
-            <a:ext cx="432048" cy="584775"/>
+            <a:off x="3140548" y="5955826"/>
+            <a:ext cx="432048" cy="523220"/>
           </a:xfrm>
           <a:prstGeom prst="rect">
             <a:avLst/>
@@ -9120,14 +9261,14 @@
           <a:lstStyle/>
           <a:p>
             <a:r>
-              <a:rPr lang="en-GB" sz="3200" i="1" dirty="0">
-                <a:latin typeface="Times New Roman" panose="02020603050405020304" pitchFamily="18" charset="0"/>
+              <a:rPr lang="en-GB" sz="2800" i="1" dirty="0">
+                <a:latin typeface="cmss12" panose="020B0500000000000000" pitchFamily="34" charset="0"/>
                 <a:cs typeface="Times New Roman" panose="02020603050405020304" pitchFamily="18" charset="0"/>
               </a:rPr>
               <a:t>w</a:t>
             </a:r>
-            <a:endParaRPr lang="en-GB" sz="3200" i="1" baseline="-25000" dirty="0">
-              <a:latin typeface="Times New Roman" panose="02020603050405020304" pitchFamily="18" charset="0"/>
+            <a:endParaRPr lang="en-GB" sz="2800" i="1" baseline="-25000" dirty="0">
+              <a:latin typeface="cmss12" panose="020B0500000000000000" pitchFamily="34" charset="0"/>
               <a:cs typeface="Times New Roman" panose="02020603050405020304" pitchFamily="18" charset="0"/>
             </a:endParaRPr>
           </a:p>
@@ -9141,8 +9282,8 @@
         </p:nvSpPr>
         <p:spPr>
           <a:xfrm>
-            <a:off x="2890616" y="3840581"/>
-            <a:ext cx="432048" cy="584775"/>
+            <a:off x="2890616" y="5712245"/>
+            <a:ext cx="432048" cy="523220"/>
           </a:xfrm>
           <a:prstGeom prst="rect">
             <a:avLst/>
@@ -9156,14 +9297,14 @@
           <a:lstStyle/>
           <a:p>
             <a:r>
-              <a:rPr lang="en-GB" sz="3200" i="1" dirty="0">
-                <a:latin typeface="Times New Roman" panose="02020603050405020304" pitchFamily="18" charset="0"/>
+              <a:rPr lang="en-GB" sz="2800" i="1" dirty="0">
+                <a:latin typeface="cmss12" panose="020B0500000000000000" pitchFamily="34" charset="0"/>
                 <a:cs typeface="Times New Roman" panose="02020603050405020304" pitchFamily="18" charset="0"/>
               </a:rPr>
               <a:t>1</a:t>
             </a:r>
-            <a:endParaRPr lang="en-GB" sz="3200" i="1" baseline="-25000" dirty="0">
-              <a:latin typeface="Times New Roman" panose="02020603050405020304" pitchFamily="18" charset="0"/>
+            <a:endParaRPr lang="en-GB" sz="2800" i="1" baseline="-25000" dirty="0">
+              <a:latin typeface="cmss12" panose="020B0500000000000000" pitchFamily="34" charset="0"/>
               <a:cs typeface="Times New Roman" panose="02020603050405020304" pitchFamily="18" charset="0"/>
             </a:endParaRPr>
           </a:p>
@@ -9177,8 +9318,8 @@
         </p:nvSpPr>
         <p:spPr>
           <a:xfrm>
-            <a:off x="2626967" y="2500741"/>
-            <a:ext cx="432048" cy="830997"/>
+            <a:off x="2626967" y="4372405"/>
+            <a:ext cx="432048" cy="523220"/>
           </a:xfrm>
           <a:prstGeom prst="rect">
             <a:avLst/>
@@ -9192,14 +9333,14 @@
           <a:lstStyle/>
           <a:p>
             <a:r>
-              <a:rPr lang="en-GB" sz="4800" i="1" dirty="0">
-                <a:latin typeface="Times New Roman" panose="02020603050405020304" pitchFamily="18" charset="0"/>
+              <a:rPr lang="en-GB" sz="2800" i="1" dirty="0">
+                <a:latin typeface="cmss12" panose="020B0500000000000000" pitchFamily="34" charset="0"/>
                 <a:cs typeface="Times New Roman" panose="02020603050405020304" pitchFamily="18" charset="0"/>
               </a:rPr>
               <a:t>*</a:t>
             </a:r>
-            <a:endParaRPr lang="en-GB" sz="4800" i="1" baseline="-25000" dirty="0">
-              <a:latin typeface="Times New Roman" panose="02020603050405020304" pitchFamily="18" charset="0"/>
+            <a:endParaRPr lang="en-GB" sz="2800" i="1" baseline="-25000" dirty="0">
+              <a:latin typeface="cmss12" panose="020B0500000000000000" pitchFamily="34" charset="0"/>
               <a:cs typeface="Times New Roman" panose="02020603050405020304" pitchFamily="18" charset="0"/>
             </a:endParaRPr>
           </a:p>
@@ -9213,8 +9354,8 @@
         </p:nvSpPr>
         <p:spPr>
           <a:xfrm rot="5400000">
-            <a:off x="3359396" y="3480075"/>
-            <a:ext cx="744740" cy="769441"/>
+            <a:off x="3289130" y="5474848"/>
+            <a:ext cx="744740" cy="523220"/>
           </a:xfrm>
           <a:prstGeom prst="rect">
             <a:avLst/>
@@ -9228,7 +9369,9 @@
           <a:lstStyle/>
           <a:p>
             <a:r>
-              <a:rPr lang="en-GB" sz="4400" dirty="0"/>
+              <a:rPr lang="en-GB" sz="2800" dirty="0">
+                <a:latin typeface="cmss12" panose="020B0500000000000000" pitchFamily="34" charset="0"/>
+              </a:rPr>
               <a:t>…</a:t>
             </a:r>
           </a:p>
@@ -9242,8 +9385,8 @@
         </p:nvSpPr>
         <p:spPr>
           <a:xfrm>
-            <a:off x="3222081" y="2701153"/>
-            <a:ext cx="288032" cy="584775"/>
+            <a:off x="3222081" y="4572817"/>
+            <a:ext cx="288032" cy="523220"/>
           </a:xfrm>
           <a:prstGeom prst="rect">
             <a:avLst/>
@@ -9257,14 +9400,14 @@
           <a:lstStyle/>
           <a:p>
             <a:r>
-              <a:rPr lang="en-GB" sz="3200" i="1" dirty="0">
-                <a:latin typeface="Times New Roman" panose="02020603050405020304" pitchFamily="18" charset="0"/>
+              <a:rPr lang="en-GB" sz="2800" i="1" dirty="0">
+                <a:latin typeface="cmss12" panose="020B0500000000000000" pitchFamily="34" charset="0"/>
                 <a:cs typeface="Times New Roman" panose="02020603050405020304" pitchFamily="18" charset="0"/>
               </a:rPr>
               <a:t>1</a:t>
             </a:r>
-            <a:endParaRPr lang="en-GB" sz="3200" i="1" baseline="-25000" dirty="0">
-              <a:latin typeface="Times New Roman" panose="02020603050405020304" pitchFamily="18" charset="0"/>
+            <a:endParaRPr lang="en-GB" sz="2800" i="1" baseline="-25000" dirty="0">
+              <a:latin typeface="cmss12" panose="020B0500000000000000" pitchFamily="34" charset="0"/>
               <a:cs typeface="Times New Roman" panose="02020603050405020304" pitchFamily="18" charset="0"/>
             </a:endParaRPr>
           </a:p>
@@ -9278,8 +9421,8 @@
         </p:nvSpPr>
         <p:spPr>
           <a:xfrm>
-            <a:off x="2987007" y="2263856"/>
-            <a:ext cx="432048" cy="584775"/>
+            <a:off x="2987007" y="4135520"/>
+            <a:ext cx="432048" cy="523220"/>
           </a:xfrm>
           <a:prstGeom prst="rect">
             <a:avLst/>
@@ -9293,14 +9436,14 @@
           <a:lstStyle/>
           <a:p>
             <a:r>
-              <a:rPr lang="en-GB" sz="3200" i="1" dirty="0">
-                <a:latin typeface="Times New Roman" panose="02020603050405020304" pitchFamily="18" charset="0"/>
+              <a:rPr lang="en-GB" sz="2800" i="1" dirty="0">
+                <a:latin typeface="cmss12" panose="020B0500000000000000" pitchFamily="34" charset="0"/>
                 <a:cs typeface="Times New Roman" panose="02020603050405020304" pitchFamily="18" charset="0"/>
               </a:rPr>
               <a:t>h</a:t>
             </a:r>
-            <a:endParaRPr lang="en-GB" sz="3200" i="1" baseline="-25000" dirty="0">
-              <a:latin typeface="Times New Roman" panose="02020603050405020304" pitchFamily="18" charset="0"/>
+            <a:endParaRPr lang="en-GB" sz="2800" i="1" baseline="-25000" dirty="0">
+              <a:latin typeface="cmss12" panose="020B0500000000000000" pitchFamily="34" charset="0"/>
               <a:cs typeface="Times New Roman" panose="02020603050405020304" pitchFamily="18" charset="0"/>
             </a:endParaRPr>
           </a:p>
@@ -9314,8 +9457,8 @@
         </p:nvSpPr>
         <p:spPr>
           <a:xfrm rot="5400000">
-            <a:off x="3473511" y="1637768"/>
-            <a:ext cx="516511" cy="769441"/>
+            <a:off x="3475252" y="3560534"/>
+            <a:ext cx="516511" cy="523220"/>
           </a:xfrm>
           <a:prstGeom prst="rect">
             <a:avLst/>
@@ -9329,7 +9472,9 @@
           <a:lstStyle/>
           <a:p>
             <a:r>
-              <a:rPr lang="en-GB" sz="4400" dirty="0"/>
+              <a:rPr lang="en-GB" sz="2800" dirty="0">
+                <a:latin typeface="cmss12" panose="020B0500000000000000" pitchFamily="34" charset="0"/>
+              </a:rPr>
               <a:t>…</a:t>
             </a:r>
           </a:p>
@@ -9343,8 +9488,8 @@
         </p:nvSpPr>
         <p:spPr>
           <a:xfrm>
-            <a:off x="3644606" y="2314368"/>
-            <a:ext cx="1233287" cy="584775"/>
+            <a:off x="3644607" y="4186032"/>
+            <a:ext cx="1233287" cy="523220"/>
           </a:xfrm>
           <a:prstGeom prst="rect">
             <a:avLst/>
@@ -9358,14 +9503,14 @@
           <a:lstStyle/>
           <a:p>
             <a:r>
-              <a:rPr lang="en-GB" sz="3200" i="1" dirty="0">
-                <a:latin typeface="Times New Roman" panose="02020603050405020304" pitchFamily="18" charset="0"/>
+              <a:rPr lang="en-GB" sz="2800" i="1" dirty="0">
+                <a:latin typeface="cmss12" panose="020B0500000000000000" pitchFamily="34" charset="0"/>
                 <a:cs typeface="Times New Roman" panose="02020603050405020304" pitchFamily="18" charset="0"/>
               </a:rPr>
               <a:t>c</a:t>
             </a:r>
-            <a:endParaRPr lang="en-GB" sz="3200" i="1" baseline="-25000" dirty="0">
-              <a:latin typeface="Times New Roman" panose="02020603050405020304" pitchFamily="18" charset="0"/>
+            <a:endParaRPr lang="en-GB" sz="2800" i="1" baseline="-25000" dirty="0">
+              <a:latin typeface="cmss12" panose="020B0500000000000000" pitchFamily="34" charset="0"/>
               <a:cs typeface="Times New Roman" panose="02020603050405020304" pitchFamily="18" charset="0"/>
             </a:endParaRPr>
           </a:p>
@@ -9409,7 +9554,7 @@
         </p:nvSpPr>
         <p:spPr>
           <a:xfrm>
-            <a:off x="3130550" y="3420417"/>
+            <a:off x="3130550" y="5292081"/>
             <a:ext cx="802392" cy="824745"/>
           </a:xfrm>
           <a:prstGeom prst="cube">
@@ -9450,7 +9595,9 @@
           <a:lstStyle/>
           <a:p>
             <a:pPr algn="ctr"/>
-            <a:endParaRPr lang="en-GB" sz="1991"/>
+            <a:endParaRPr lang="en-GB" sz="2800">
+              <a:latin typeface="cmss12" panose="020B0500000000000000" pitchFamily="34" charset="0"/>
+            </a:endParaRPr>
           </a:p>
         </p:txBody>
       </p:sp>
@@ -9462,7 +9609,7 @@
         </p:nvSpPr>
         <p:spPr>
           <a:xfrm>
-            <a:off x="3130550" y="2916361"/>
+            <a:off x="3130550" y="4788024"/>
             <a:ext cx="773426" cy="539354"/>
           </a:xfrm>
           <a:prstGeom prst="cube">
@@ -9503,7 +9650,9 @@
           <a:lstStyle/>
           <a:p>
             <a:pPr algn="ctr"/>
-            <a:endParaRPr lang="en-GB" sz="3200"/>
+            <a:endParaRPr lang="en-GB" sz="2800">
+              <a:latin typeface="cmss12" panose="020B0500000000000000" pitchFamily="34" charset="0"/>
+            </a:endParaRPr>
           </a:p>
         </p:txBody>
       </p:sp>
@@ -9515,7 +9664,7 @@
         </p:nvSpPr>
         <p:spPr>
           <a:xfrm>
-            <a:off x="3131022" y="4356522"/>
+            <a:off x="3131022" y="6228186"/>
             <a:ext cx="802392" cy="824745"/>
           </a:xfrm>
           <a:prstGeom prst="cube">
@@ -9556,7 +9705,9 @@
           <a:lstStyle/>
           <a:p>
             <a:pPr algn="ctr"/>
-            <a:endParaRPr lang="en-GB" sz="1991"/>
+            <a:endParaRPr lang="en-GB" sz="2800">
+              <a:latin typeface="cmss12" panose="020B0500000000000000" pitchFamily="34" charset="0"/>
+            </a:endParaRPr>
           </a:p>
         </p:txBody>
       </p:sp>
@@ -9568,14 +9719,14 @@
         </p:nvSpPr>
         <p:spPr>
           <a:xfrm>
-            <a:off x="538734" y="1846100"/>
+            <a:off x="538734" y="3717763"/>
             <a:ext cx="2087714" cy="1787850"/>
           </a:xfrm>
           <a:prstGeom prst="cube">
             <a:avLst/>
           </a:prstGeom>
           <a:solidFill>
-            <a:schemeClr val="bg2"/>
+            <a:srgbClr val="E6E6E6"/>
           </a:solidFill>
           <a:ln>
             <a:solidFill>
@@ -9604,7 +9755,9 @@
           <a:lstStyle/>
           <a:p>
             <a:pPr algn="ctr"/>
-            <a:endParaRPr lang="en-GB" sz="3200"/>
+            <a:endParaRPr lang="en-GB" sz="2800">
+              <a:latin typeface="cmss12" panose="020B0500000000000000" pitchFamily="34" charset="0"/>
+            </a:endParaRPr>
           </a:p>
         </p:txBody>
       </p:sp>
@@ -9616,7 +9769,7 @@
         </p:nvSpPr>
         <p:spPr>
           <a:xfrm>
-            <a:off x="5219257" y="1658057"/>
+            <a:off x="5219257" y="3529721"/>
             <a:ext cx="2599920" cy="2198871"/>
           </a:xfrm>
           <a:prstGeom prst="cube">
@@ -9625,7 +9778,7 @@
             </a:avLst>
           </a:prstGeom>
           <a:solidFill>
-            <a:schemeClr val="bg2"/>
+            <a:srgbClr val="E6E6E6"/>
           </a:solidFill>
           <a:ln>
             <a:solidFill>
@@ -9654,7 +9807,9 @@
           <a:lstStyle/>
           <a:p>
             <a:pPr algn="ctr"/>
-            <a:endParaRPr lang="en-GB" sz="3200"/>
+            <a:endParaRPr lang="en-GB" sz="2800">
+              <a:latin typeface="cmss12" panose="020B0500000000000000" pitchFamily="34" charset="0"/>
+            </a:endParaRPr>
           </a:p>
         </p:txBody>
       </p:sp>
@@ -9666,7 +9821,7 @@
         </p:nvSpPr>
         <p:spPr>
           <a:xfrm>
-            <a:off x="4211142" y="2556321"/>
+            <a:off x="4211142" y="4427984"/>
             <a:ext cx="312380" cy="399074"/>
           </a:xfrm>
           <a:prstGeom prst="rightArrow">
@@ -9702,7 +9857,9 @@
           <a:lstStyle/>
           <a:p>
             <a:pPr algn="ctr"/>
-            <a:endParaRPr lang="en-GB" sz="3200"/>
+            <a:endParaRPr lang="en-GB" sz="2800">
+              <a:latin typeface="cmss12" panose="020B0500000000000000" pitchFamily="34" charset="0"/>
+            </a:endParaRPr>
           </a:p>
         </p:txBody>
       </p:sp>
@@ -9714,8 +9871,8 @@
         </p:nvSpPr>
         <p:spPr>
           <a:xfrm>
-            <a:off x="1025652" y="3526335"/>
-            <a:ext cx="1233287" cy="584775"/>
+            <a:off x="1025653" y="5397999"/>
+            <a:ext cx="1233287" cy="523220"/>
           </a:xfrm>
           <a:prstGeom prst="rect">
             <a:avLst/>
@@ -9729,14 +9886,14 @@
           <a:lstStyle/>
           <a:p>
             <a:r>
-              <a:rPr lang="en-GB" sz="3200" i="1" dirty="0">
-                <a:latin typeface="Times New Roman" panose="02020603050405020304" pitchFamily="18" charset="0"/>
+              <a:rPr lang="en-GB" sz="2800" i="1" dirty="0">
+                <a:latin typeface="cmss12" panose="020B0500000000000000" pitchFamily="34" charset="0"/>
                 <a:cs typeface="Times New Roman" panose="02020603050405020304" pitchFamily="18" charset="0"/>
               </a:rPr>
               <a:t>W</a:t>
             </a:r>
-            <a:endParaRPr lang="en-GB" sz="3200" i="1" baseline="-25000" dirty="0">
-              <a:latin typeface="Times New Roman" panose="02020603050405020304" pitchFamily="18" charset="0"/>
+            <a:endParaRPr lang="en-GB" sz="2800" i="1" baseline="-25000" dirty="0">
+              <a:latin typeface="cmss12" panose="020B0500000000000000" pitchFamily="34" charset="0"/>
               <a:cs typeface="Times New Roman" panose="02020603050405020304" pitchFamily="18" charset="0"/>
             </a:endParaRPr>
           </a:p>
@@ -9750,8 +9907,8 @@
         </p:nvSpPr>
         <p:spPr>
           <a:xfrm>
-            <a:off x="106688" y="2623851"/>
-            <a:ext cx="1233287" cy="584775"/>
+            <a:off x="106689" y="4495515"/>
+            <a:ext cx="1233287" cy="523220"/>
           </a:xfrm>
           <a:prstGeom prst="rect">
             <a:avLst/>
@@ -9765,14 +9922,14 @@
           <a:lstStyle/>
           <a:p>
             <a:r>
-              <a:rPr lang="en-GB" sz="3200" i="1" dirty="0">
-                <a:latin typeface="Times New Roman" panose="02020603050405020304" pitchFamily="18" charset="0"/>
+              <a:rPr lang="en-GB" sz="2800" i="1" dirty="0">
+                <a:latin typeface="cmss12" panose="020B0500000000000000" pitchFamily="34" charset="0"/>
                 <a:cs typeface="Times New Roman" panose="02020603050405020304" pitchFamily="18" charset="0"/>
               </a:rPr>
               <a:t>H</a:t>
             </a:r>
-            <a:endParaRPr lang="en-GB" sz="3200" i="1" baseline="-25000" dirty="0">
-              <a:latin typeface="Times New Roman" panose="02020603050405020304" pitchFamily="18" charset="0"/>
+            <a:endParaRPr lang="en-GB" sz="2800" i="1" baseline="-25000" dirty="0">
+              <a:latin typeface="cmss12" panose="020B0500000000000000" pitchFamily="34" charset="0"/>
               <a:cs typeface="Times New Roman" panose="02020603050405020304" pitchFamily="18" charset="0"/>
             </a:endParaRPr>
           </a:p>
@@ -9786,8 +9943,8 @@
         </p:nvSpPr>
         <p:spPr>
           <a:xfrm>
-            <a:off x="3203030" y="252065"/>
-            <a:ext cx="3069771" cy="584775"/>
+            <a:off x="3203031" y="2123729"/>
+            <a:ext cx="3069771" cy="523220"/>
           </a:xfrm>
           <a:prstGeom prst="rect">
             <a:avLst/>
@@ -9802,19 +9959,21 @@
           <a:p>
             <a:pPr algn="ctr"/>
             <a:r>
-              <a:rPr lang="en-GB" sz="3200" i="1" dirty="0">
-                <a:latin typeface="Times New Roman" panose="02020603050405020304" pitchFamily="18" charset="0"/>
+              <a:rPr lang="en-GB" sz="2800" i="1" dirty="0">
+                <a:latin typeface="cmss12" panose="020B0500000000000000" pitchFamily="34" charset="0"/>
                 <a:cs typeface="Times New Roman" panose="02020603050405020304" pitchFamily="18" charset="0"/>
               </a:rPr>
               <a:t>m </a:t>
             </a:r>
             <a:r>
-              <a:rPr lang="en-GB" sz="3200" dirty="0">
+              <a:rPr lang="en-GB" sz="2800" dirty="0">
+                <a:latin typeface="cmss12" panose="020B0500000000000000" pitchFamily="34" charset="0"/>
                 <a:cs typeface="Times New Roman" panose="02020603050405020304" pitchFamily="18" charset="0"/>
               </a:rPr>
               <a:t>filters</a:t>
             </a:r>
-            <a:endParaRPr lang="en-GB" sz="3200" baseline="-25000" dirty="0">
+            <a:endParaRPr lang="en-GB" sz="2800" baseline="-25000" dirty="0">
+              <a:latin typeface="cmss12" panose="020B0500000000000000" pitchFamily="34" charset="0"/>
               <a:cs typeface="Times New Roman" panose="02020603050405020304" pitchFamily="18" charset="0"/>
             </a:endParaRPr>
           </a:p>
@@ -9828,8 +9987,8 @@
         </p:nvSpPr>
         <p:spPr>
           <a:xfrm>
-            <a:off x="4758633" y="2900077"/>
-            <a:ext cx="1233287" cy="584775"/>
+            <a:off x="4758634" y="4771741"/>
+            <a:ext cx="1233287" cy="523220"/>
           </a:xfrm>
           <a:prstGeom prst="rect">
             <a:avLst/>
@@ -9843,14 +10002,14 @@
           <a:lstStyle/>
           <a:p>
             <a:r>
-              <a:rPr lang="en-GB" sz="3200" i="1" dirty="0">
-                <a:latin typeface="Times New Roman" panose="02020603050405020304" pitchFamily="18" charset="0"/>
+              <a:rPr lang="en-GB" sz="2800" i="1" dirty="0">
+                <a:latin typeface="cmss12" panose="020B0500000000000000" pitchFamily="34" charset="0"/>
                 <a:cs typeface="Times New Roman" panose="02020603050405020304" pitchFamily="18" charset="0"/>
               </a:rPr>
               <a:t>H</a:t>
             </a:r>
-            <a:endParaRPr lang="en-GB" sz="3200" i="1" baseline="-25000" dirty="0">
-              <a:latin typeface="Times New Roman" panose="02020603050405020304" pitchFamily="18" charset="0"/>
+            <a:endParaRPr lang="en-GB" sz="2800" i="1" baseline="-25000" dirty="0">
+              <a:latin typeface="cmss12" panose="020B0500000000000000" pitchFamily="34" charset="0"/>
               <a:cs typeface="Times New Roman" panose="02020603050405020304" pitchFamily="18" charset="0"/>
             </a:endParaRPr>
           </a:p>
@@ -9864,8 +10023,8 @@
         </p:nvSpPr>
         <p:spPr>
           <a:xfrm>
-            <a:off x="5773905" y="3758940"/>
-            <a:ext cx="1233287" cy="584775"/>
+            <a:off x="5773906" y="5630604"/>
+            <a:ext cx="1233287" cy="523220"/>
           </a:xfrm>
           <a:prstGeom prst="rect">
             <a:avLst/>
@@ -9879,14 +10038,14 @@
           <a:lstStyle/>
           <a:p>
             <a:r>
-              <a:rPr lang="en-GB" sz="3200" i="1" dirty="0">
-                <a:latin typeface="Times New Roman" panose="02020603050405020304" pitchFamily="18" charset="0"/>
+              <a:rPr lang="en-GB" sz="2800" i="1" dirty="0">
+                <a:latin typeface="cmss12" panose="020B0500000000000000" pitchFamily="34" charset="0"/>
                 <a:cs typeface="Times New Roman" panose="02020603050405020304" pitchFamily="18" charset="0"/>
               </a:rPr>
               <a:t>W</a:t>
             </a:r>
-            <a:endParaRPr lang="en-GB" sz="3200" i="1" baseline="-25000" dirty="0">
-              <a:latin typeface="Times New Roman" panose="02020603050405020304" pitchFamily="18" charset="0"/>
+            <a:endParaRPr lang="en-GB" sz="2800" i="1" baseline="-25000" dirty="0">
+              <a:latin typeface="cmss12" panose="020B0500000000000000" pitchFamily="34" charset="0"/>
               <a:cs typeface="Times New Roman" panose="02020603050405020304" pitchFamily="18" charset="0"/>
             </a:endParaRPr>
           </a:p>
@@ -9900,8 +10059,8 @@
         </p:nvSpPr>
         <p:spPr>
           <a:xfrm>
-            <a:off x="7410525" y="3143974"/>
-            <a:ext cx="1233287" cy="584775"/>
+            <a:off x="7410526" y="5015638"/>
+            <a:ext cx="1233287" cy="523220"/>
           </a:xfrm>
           <a:prstGeom prst="rect">
             <a:avLst/>
@@ -9915,14 +10074,14 @@
           <a:lstStyle/>
           <a:p>
             <a:r>
-              <a:rPr lang="en-GB" sz="3200" i="1" dirty="0">
-                <a:latin typeface="Times New Roman" panose="02020603050405020304" pitchFamily="18" charset="0"/>
+              <a:rPr lang="en-GB" sz="2800" i="1" dirty="0">
+                <a:latin typeface="cmss12" panose="020B0500000000000000" pitchFamily="34" charset="0"/>
                 <a:cs typeface="Times New Roman" panose="02020603050405020304" pitchFamily="18" charset="0"/>
               </a:rPr>
               <a:t>m</a:t>
             </a:r>
-            <a:endParaRPr lang="en-GB" sz="3200" i="1" baseline="-25000" dirty="0">
-              <a:latin typeface="Times New Roman" panose="02020603050405020304" pitchFamily="18" charset="0"/>
+            <a:endParaRPr lang="en-GB" sz="2800" i="1" baseline="-25000" dirty="0">
+              <a:latin typeface="cmss12" panose="020B0500000000000000" pitchFamily="34" charset="0"/>
               <a:cs typeface="Times New Roman" panose="02020603050405020304" pitchFamily="18" charset="0"/>
             </a:endParaRPr>
           </a:p>
@@ -9936,7 +10095,7 @@
         </p:nvSpPr>
         <p:spPr>
           <a:xfrm>
-            <a:off x="3347046" y="396081"/>
+            <a:off x="3275038" y="2267744"/>
             <a:ext cx="543456" cy="839394"/>
           </a:xfrm>
           <a:prstGeom prst="cube">
@@ -9977,7 +10136,9 @@
           <a:lstStyle/>
           <a:p>
             <a:pPr algn="ctr"/>
-            <a:endParaRPr lang="en-GB" sz="3200"/>
+            <a:endParaRPr lang="en-GB" sz="2800">
+              <a:latin typeface="cmss12" panose="020B0500000000000000" pitchFamily="34" charset="0"/>
+            </a:endParaRPr>
           </a:p>
         </p:txBody>
       </p:sp>
@@ -9989,7 +10150,7 @@
         </p:nvSpPr>
         <p:spPr>
           <a:xfrm>
-            <a:off x="3130550" y="2124273"/>
+            <a:off x="3130550" y="3995936"/>
             <a:ext cx="773426" cy="539354"/>
           </a:xfrm>
           <a:prstGeom prst="cube">
@@ -10030,7 +10191,9 @@
           <a:lstStyle/>
           <a:p>
             <a:pPr algn="ctr"/>
-            <a:endParaRPr lang="en-GB" sz="3200"/>
+            <a:endParaRPr lang="en-GB" sz="2800">
+              <a:latin typeface="cmss12" panose="020B0500000000000000" pitchFamily="34" charset="0"/>
+            </a:endParaRPr>
           </a:p>
         </p:txBody>
       </p:sp>
@@ -10042,8 +10205,8 @@
         </p:nvSpPr>
         <p:spPr>
           <a:xfrm>
-            <a:off x="2626966" y="2412305"/>
-            <a:ext cx="432048" cy="830997"/>
+            <a:off x="2626966" y="4283969"/>
+            <a:ext cx="432048" cy="523220"/>
           </a:xfrm>
           <a:prstGeom prst="rect">
             <a:avLst/>
@@ -10057,14 +10220,14 @@
           <a:lstStyle/>
           <a:p>
             <a:r>
-              <a:rPr lang="en-GB" sz="4800" i="1" dirty="0">
-                <a:latin typeface="Times New Roman" panose="02020603050405020304" pitchFamily="18" charset="0"/>
+              <a:rPr lang="en-GB" sz="2800" i="1" dirty="0">
+                <a:latin typeface="cmss12" panose="020B0500000000000000" pitchFamily="34" charset="0"/>
                 <a:cs typeface="Times New Roman" panose="02020603050405020304" pitchFamily="18" charset="0"/>
               </a:rPr>
               <a:t>*</a:t>
             </a:r>
-            <a:endParaRPr lang="en-GB" sz="4800" i="1" baseline="-25000" dirty="0">
-              <a:latin typeface="Times New Roman" panose="02020603050405020304" pitchFamily="18" charset="0"/>
+            <a:endParaRPr lang="en-GB" sz="2800" i="1" baseline="-25000" dirty="0">
+              <a:latin typeface="cmss12" panose="020B0500000000000000" pitchFamily="34" charset="0"/>
               <a:cs typeface="Times New Roman" panose="02020603050405020304" pitchFamily="18" charset="0"/>
             </a:endParaRPr>
           </a:p>
@@ -10078,8 +10241,8 @@
         </p:nvSpPr>
         <p:spPr>
           <a:xfrm rot="5400000">
-            <a:off x="3359396" y="2639468"/>
-            <a:ext cx="744740" cy="769441"/>
+            <a:off x="3217122" y="4610752"/>
+            <a:ext cx="744740" cy="523220"/>
           </a:xfrm>
           <a:prstGeom prst="rect">
             <a:avLst/>
@@ -10093,7 +10256,9 @@
           <a:lstStyle/>
           <a:p>
             <a:r>
-              <a:rPr lang="en-GB" sz="4400" dirty="0"/>
+              <a:rPr lang="en-GB" sz="2800" dirty="0">
+                <a:latin typeface="cmss12" panose="020B0500000000000000" pitchFamily="34" charset="0"/>
+              </a:rPr>
               <a:t>…</a:t>
             </a:r>
           </a:p>
@@ -10107,8 +10272,8 @@
         </p:nvSpPr>
         <p:spPr>
           <a:xfrm rot="5400000">
-            <a:off x="3473511" y="989696"/>
-            <a:ext cx="516511" cy="769441"/>
+            <a:off x="3401504" y="2912462"/>
+            <a:ext cx="516511" cy="523220"/>
           </a:xfrm>
           <a:prstGeom prst="rect">
             <a:avLst/>
@@ -10122,7 +10287,9 @@
           <a:lstStyle/>
           <a:p>
             <a:r>
-              <a:rPr lang="en-GB" sz="4400" dirty="0"/>
+              <a:rPr lang="en-GB" sz="2800" dirty="0">
+                <a:latin typeface="cmss12" panose="020B0500000000000000" pitchFamily="34" charset="0"/>
+              </a:rPr>
               <a:t>…</a:t>
             </a:r>
           </a:p>
@@ -10136,8 +10303,8 @@
         </p:nvSpPr>
         <p:spPr>
           <a:xfrm rot="5400000">
-            <a:off x="3473512" y="4014033"/>
-            <a:ext cx="516511" cy="769441"/>
+            <a:off x="3403244" y="6008807"/>
+            <a:ext cx="516511" cy="523220"/>
           </a:xfrm>
           <a:prstGeom prst="rect">
             <a:avLst/>
@@ -10151,7 +10318,9 @@
           <a:lstStyle/>
           <a:p>
             <a:r>
-              <a:rPr lang="en-GB" sz="4400" dirty="0"/>
+              <a:rPr lang="en-GB" sz="2800" dirty="0">
+                <a:latin typeface="cmss12" panose="020B0500000000000000" pitchFamily="34" charset="0"/>
+              </a:rPr>
               <a:t>…</a:t>
             </a:r>
           </a:p>
@@ -10165,8 +10334,8 @@
         </p:nvSpPr>
         <p:spPr>
           <a:xfrm>
-            <a:off x="2338934" y="3132385"/>
-            <a:ext cx="1233287" cy="584775"/>
+            <a:off x="2338935" y="5004049"/>
+            <a:ext cx="1233287" cy="523220"/>
           </a:xfrm>
           <a:prstGeom prst="rect">
             <a:avLst/>
@@ -10180,14 +10349,14 @@
           <a:lstStyle/>
           <a:p>
             <a:r>
-              <a:rPr lang="en-GB" sz="3200" i="1" dirty="0">
-                <a:latin typeface="Times New Roman" panose="02020603050405020304" pitchFamily="18" charset="0"/>
+              <a:rPr lang="en-GB" sz="2800" i="1" dirty="0">
+                <a:latin typeface="cmss12" panose="020B0500000000000000" pitchFamily="34" charset="0"/>
                 <a:cs typeface="Times New Roman" panose="02020603050405020304" pitchFamily="18" charset="0"/>
               </a:rPr>
               <a:t>c</a:t>
             </a:r>
-            <a:endParaRPr lang="en-GB" sz="3200" i="1" baseline="-25000" dirty="0">
-              <a:latin typeface="Times New Roman" panose="02020603050405020304" pitchFamily="18" charset="0"/>
+            <a:endParaRPr lang="en-GB" sz="2800" i="1" baseline="-25000" dirty="0">
+              <a:latin typeface="cmss12" panose="020B0500000000000000" pitchFamily="34" charset="0"/>
               <a:cs typeface="Times New Roman" panose="02020603050405020304" pitchFamily="18" charset="0"/>
             </a:endParaRPr>
           </a:p>
@@ -10201,7 +10370,7 @@
         </p:nvSpPr>
         <p:spPr>
           <a:xfrm>
-            <a:off x="3275038" y="1476201"/>
+            <a:off x="3203030" y="3347864"/>
             <a:ext cx="543456" cy="839394"/>
           </a:xfrm>
           <a:prstGeom prst="cube">
@@ -10242,7 +10411,9 @@
           <a:lstStyle/>
           <a:p>
             <a:pPr algn="ctr"/>
-            <a:endParaRPr lang="en-GB" sz="3200"/>
+            <a:endParaRPr lang="en-GB" sz="2800">
+              <a:latin typeface="cmss12" panose="020B0500000000000000" pitchFamily="34" charset="0"/>
+            </a:endParaRPr>
           </a:p>
         </p:txBody>
       </p:sp>
@@ -10250,6 +10421,2214 @@
     <p:extLst>
       <p:ext uri="{BB962C8B-B14F-4D97-AF65-F5344CB8AC3E}">
         <p14:creationId xmlns:p14="http://schemas.microsoft.com/office/powerpoint/2010/main" val="3795322276"/>
+      </p:ext>
+    </p:extLst>
+  </p:cSld>
+  <p:clrMapOvr>
+    <a:masterClrMapping/>
+  </p:clrMapOvr>
+</p:sld>
+</file>
+
+<file path=ppt/slides/slide7.xml><?xml version="1.0" encoding="utf-8"?>
+<p:sld xmlns:a="http://schemas.openxmlformats.org/drawingml/2006/main" xmlns:r="http://schemas.openxmlformats.org/officeDocument/2006/relationships" xmlns:p="http://schemas.openxmlformats.org/presentationml/2006/main">
+  <p:cSld>
+    <p:spTree>
+      <p:nvGrpSpPr>
+        <p:cNvPr id="1" name=""/>
+        <p:cNvGrpSpPr/>
+        <p:nvPr/>
+      </p:nvGrpSpPr>
+      <p:grpSpPr>
+        <a:xfrm>
+          <a:off x="0" y="0"/>
+          <a:ext cx="0" cy="0"/>
+          <a:chOff x="0" y="0"/>
+          <a:chExt cx="0" cy="0"/>
+        </a:xfrm>
+      </p:grpSpPr>
+      <p:sp>
+        <p:nvSpPr>
+          <p:cNvPr id="264" name="TextBox 263"/>
+          <p:cNvSpPr txBox="1"/>
+          <p:nvPr/>
+        </p:nvSpPr>
+        <p:spPr>
+          <a:xfrm>
+            <a:off x="8942717" y="5825669"/>
+            <a:ext cx="1233287" cy="523220"/>
+          </a:xfrm>
+          <a:prstGeom prst="rect">
+            <a:avLst/>
+          </a:prstGeom>
+          <a:noFill/>
+        </p:spPr>
+        <p:txBody>
+          <a:bodyPr wrap="square" rtlCol="0">
+            <a:spAutoFit/>
+          </a:bodyPr>
+          <a:lstStyle/>
+          <a:p>
+            <a:r>
+              <a:rPr lang="en-GB" sz="2800" i="1" dirty="0">
+                <a:latin typeface="cmss12" panose="020B0500000000000000" pitchFamily="34" charset="0"/>
+                <a:cs typeface="Times New Roman" panose="02020603050405020304" pitchFamily="18" charset="0"/>
+              </a:rPr>
+              <a:t>1</a:t>
+            </a:r>
+            <a:endParaRPr lang="en-GB" sz="2800" i="1" baseline="-25000" dirty="0">
+              <a:latin typeface="cmss12" panose="020B0500000000000000" pitchFamily="34" charset="0"/>
+              <a:cs typeface="Times New Roman" panose="02020603050405020304" pitchFamily="18" charset="0"/>
+            </a:endParaRPr>
+          </a:p>
+        </p:txBody>
+      </p:sp>
+      <p:sp>
+        <p:nvSpPr>
+          <p:cNvPr id="226" name="Cube 225"/>
+          <p:cNvSpPr/>
+          <p:nvPr/>
+        </p:nvSpPr>
+        <p:spPr>
+          <a:xfrm>
+            <a:off x="538734" y="3717763"/>
+            <a:ext cx="2087714" cy="1787850"/>
+          </a:xfrm>
+          <a:prstGeom prst="cube">
+            <a:avLst/>
+          </a:prstGeom>
+          <a:solidFill>
+            <a:srgbClr val="E6E6E6"/>
+          </a:solidFill>
+          <a:ln>
+            <a:solidFill>
+              <a:schemeClr val="tx1"/>
+            </a:solidFill>
+          </a:ln>
+        </p:spPr>
+        <p:style>
+          <a:lnRef idx="2">
+            <a:schemeClr val="accent1">
+              <a:shade val="50000"/>
+            </a:schemeClr>
+          </a:lnRef>
+          <a:fillRef idx="1">
+            <a:schemeClr val="accent1"/>
+          </a:fillRef>
+          <a:effectRef idx="0">
+            <a:schemeClr val="accent1"/>
+          </a:effectRef>
+          <a:fontRef idx="minor">
+            <a:schemeClr val="lt1"/>
+          </a:fontRef>
+        </p:style>
+        <p:txBody>
+          <a:bodyPr rtlCol="0" anchor="ctr"/>
+          <a:lstStyle/>
+          <a:p>
+            <a:pPr algn="ctr"/>
+            <a:endParaRPr lang="en-GB" sz="2800">
+              <a:latin typeface="cmss12" panose="020B0500000000000000" pitchFamily="34" charset="0"/>
+            </a:endParaRPr>
+          </a:p>
+        </p:txBody>
+      </p:sp>
+      <p:sp>
+        <p:nvSpPr>
+          <p:cNvPr id="227" name="Cube 226"/>
+          <p:cNvSpPr/>
+          <p:nvPr/>
+        </p:nvSpPr>
+        <p:spPr>
+          <a:xfrm>
+            <a:off x="5219257" y="3529721"/>
+            <a:ext cx="2599920" cy="2198871"/>
+          </a:xfrm>
+          <a:prstGeom prst="cube">
+            <a:avLst>
+              <a:gd name="adj" fmla="val 39958"/>
+            </a:avLst>
+          </a:prstGeom>
+          <a:solidFill>
+            <a:srgbClr val="E6E6E6"/>
+          </a:solidFill>
+          <a:ln>
+            <a:solidFill>
+              <a:schemeClr val="tx1"/>
+            </a:solidFill>
+          </a:ln>
+        </p:spPr>
+        <p:style>
+          <a:lnRef idx="2">
+            <a:schemeClr val="accent1">
+              <a:shade val="50000"/>
+            </a:schemeClr>
+          </a:lnRef>
+          <a:fillRef idx="1">
+            <a:schemeClr val="accent1"/>
+          </a:fillRef>
+          <a:effectRef idx="0">
+            <a:schemeClr val="accent1"/>
+          </a:effectRef>
+          <a:fontRef idx="minor">
+            <a:schemeClr val="lt1"/>
+          </a:fontRef>
+        </p:style>
+        <p:txBody>
+          <a:bodyPr rtlCol="0" anchor="ctr"/>
+          <a:lstStyle/>
+          <a:p>
+            <a:pPr algn="ctr"/>
+            <a:endParaRPr lang="en-GB" sz="2800">
+              <a:latin typeface="cmss12" panose="020B0500000000000000" pitchFamily="34" charset="0"/>
+            </a:endParaRPr>
+          </a:p>
+        </p:txBody>
+      </p:sp>
+      <p:sp>
+        <p:nvSpPr>
+          <p:cNvPr id="228" name="Right Arrow 227"/>
+          <p:cNvSpPr/>
+          <p:nvPr/>
+        </p:nvSpPr>
+        <p:spPr>
+          <a:xfrm>
+            <a:off x="4211142" y="4427984"/>
+            <a:ext cx="312380" cy="399074"/>
+          </a:xfrm>
+          <a:prstGeom prst="rightArrow">
+            <a:avLst/>
+          </a:prstGeom>
+          <a:solidFill>
+            <a:schemeClr val="bg1">
+              <a:lumMod val="75000"/>
+            </a:schemeClr>
+          </a:solidFill>
+          <a:ln>
+            <a:noFill/>
+          </a:ln>
+        </p:spPr>
+        <p:style>
+          <a:lnRef idx="2">
+            <a:schemeClr val="accent1">
+              <a:shade val="50000"/>
+            </a:schemeClr>
+          </a:lnRef>
+          <a:fillRef idx="1">
+            <a:schemeClr val="accent1"/>
+          </a:fillRef>
+          <a:effectRef idx="0">
+            <a:schemeClr val="accent1"/>
+          </a:effectRef>
+          <a:fontRef idx="minor">
+            <a:schemeClr val="lt1"/>
+          </a:fontRef>
+        </p:style>
+        <p:txBody>
+          <a:bodyPr rtlCol="0" anchor="ctr"/>
+          <a:lstStyle/>
+          <a:p>
+            <a:pPr algn="ctr"/>
+            <a:endParaRPr lang="en-GB" sz="2800">
+              <a:latin typeface="cmss12" panose="020B0500000000000000" pitchFamily="34" charset="0"/>
+            </a:endParaRPr>
+          </a:p>
+        </p:txBody>
+      </p:sp>
+      <p:sp>
+        <p:nvSpPr>
+          <p:cNvPr id="235" name="TextBox 234"/>
+          <p:cNvSpPr txBox="1"/>
+          <p:nvPr/>
+        </p:nvSpPr>
+        <p:spPr>
+          <a:xfrm>
+            <a:off x="1025653" y="5416932"/>
+            <a:ext cx="1233287" cy="523220"/>
+          </a:xfrm>
+          <a:prstGeom prst="rect">
+            <a:avLst/>
+          </a:prstGeom>
+          <a:noFill/>
+        </p:spPr>
+        <p:txBody>
+          <a:bodyPr wrap="square" rtlCol="0">
+            <a:spAutoFit/>
+          </a:bodyPr>
+          <a:lstStyle/>
+          <a:p>
+            <a:r>
+              <a:rPr lang="en-GB" sz="2800" i="1" dirty="0">
+                <a:latin typeface="cmss12" panose="020B0500000000000000" pitchFamily="34" charset="0"/>
+                <a:cs typeface="Times New Roman" panose="02020603050405020304" pitchFamily="18" charset="0"/>
+              </a:rPr>
+              <a:t>W</a:t>
+            </a:r>
+            <a:endParaRPr lang="en-GB" sz="2800" i="1" baseline="-25000" dirty="0">
+              <a:latin typeface="cmss12" panose="020B0500000000000000" pitchFamily="34" charset="0"/>
+              <a:cs typeface="Times New Roman" panose="02020603050405020304" pitchFamily="18" charset="0"/>
+            </a:endParaRPr>
+          </a:p>
+        </p:txBody>
+      </p:sp>
+      <p:sp>
+        <p:nvSpPr>
+          <p:cNvPr id="236" name="TextBox 235"/>
+          <p:cNvSpPr txBox="1"/>
+          <p:nvPr/>
+        </p:nvSpPr>
+        <p:spPr>
+          <a:xfrm>
+            <a:off x="106689" y="4495515"/>
+            <a:ext cx="1233287" cy="523220"/>
+          </a:xfrm>
+          <a:prstGeom prst="rect">
+            <a:avLst/>
+          </a:prstGeom>
+          <a:noFill/>
+        </p:spPr>
+        <p:txBody>
+          <a:bodyPr wrap="square" rtlCol="0">
+            <a:spAutoFit/>
+          </a:bodyPr>
+          <a:lstStyle/>
+          <a:p>
+            <a:r>
+              <a:rPr lang="en-GB" sz="2800" i="1" dirty="0">
+                <a:latin typeface="cmss12" panose="020B0500000000000000" pitchFamily="34" charset="0"/>
+                <a:cs typeface="Times New Roman" panose="02020603050405020304" pitchFamily="18" charset="0"/>
+              </a:rPr>
+              <a:t>H</a:t>
+            </a:r>
+            <a:endParaRPr lang="en-GB" sz="2800" i="1" baseline="-25000" dirty="0">
+              <a:latin typeface="cmss12" panose="020B0500000000000000" pitchFamily="34" charset="0"/>
+              <a:cs typeface="Times New Roman" panose="02020603050405020304" pitchFamily="18" charset="0"/>
+            </a:endParaRPr>
+          </a:p>
+        </p:txBody>
+      </p:sp>
+      <p:sp>
+        <p:nvSpPr>
+          <p:cNvPr id="238" name="TextBox 237"/>
+          <p:cNvSpPr txBox="1"/>
+          <p:nvPr/>
+        </p:nvSpPr>
+        <p:spPr>
+          <a:xfrm>
+            <a:off x="3203031" y="2123729"/>
+            <a:ext cx="3069771" cy="523220"/>
+          </a:xfrm>
+          <a:prstGeom prst="rect">
+            <a:avLst/>
+          </a:prstGeom>
+          <a:noFill/>
+        </p:spPr>
+        <p:txBody>
+          <a:bodyPr wrap="square" rtlCol="0">
+            <a:spAutoFit/>
+          </a:bodyPr>
+          <a:lstStyle/>
+          <a:p>
+            <a:pPr algn="ctr"/>
+            <a:r>
+              <a:rPr lang="en-GB" sz="2800" i="1" dirty="0">
+                <a:latin typeface="cmss12" panose="020B0500000000000000" pitchFamily="34" charset="0"/>
+                <a:cs typeface="Times New Roman" panose="02020603050405020304" pitchFamily="18" charset="0"/>
+              </a:rPr>
+              <a:t>m </a:t>
+            </a:r>
+            <a:r>
+              <a:rPr lang="en-GB" sz="2800" dirty="0">
+                <a:latin typeface="cmss12" panose="020B0500000000000000" pitchFamily="34" charset="0"/>
+                <a:cs typeface="Times New Roman" panose="02020603050405020304" pitchFamily="18" charset="0"/>
+              </a:rPr>
+              <a:t>filters</a:t>
+            </a:r>
+            <a:endParaRPr lang="en-GB" sz="2800" baseline="-25000" dirty="0">
+              <a:latin typeface="cmss12" panose="020B0500000000000000" pitchFamily="34" charset="0"/>
+              <a:cs typeface="Times New Roman" panose="02020603050405020304" pitchFamily="18" charset="0"/>
+            </a:endParaRPr>
+          </a:p>
+        </p:txBody>
+      </p:sp>
+      <p:sp>
+        <p:nvSpPr>
+          <p:cNvPr id="239" name="TextBox 238"/>
+          <p:cNvSpPr txBox="1"/>
+          <p:nvPr/>
+        </p:nvSpPr>
+        <p:spPr>
+          <a:xfrm>
+            <a:off x="4758634" y="4771741"/>
+            <a:ext cx="1233287" cy="523220"/>
+          </a:xfrm>
+          <a:prstGeom prst="rect">
+            <a:avLst/>
+          </a:prstGeom>
+          <a:noFill/>
+        </p:spPr>
+        <p:txBody>
+          <a:bodyPr wrap="square" rtlCol="0">
+            <a:spAutoFit/>
+          </a:bodyPr>
+          <a:lstStyle/>
+          <a:p>
+            <a:r>
+              <a:rPr lang="en-GB" sz="2800" i="1" dirty="0">
+                <a:latin typeface="cmss12" panose="020B0500000000000000" pitchFamily="34" charset="0"/>
+                <a:cs typeface="Times New Roman" panose="02020603050405020304" pitchFamily="18" charset="0"/>
+              </a:rPr>
+              <a:t>H</a:t>
+            </a:r>
+            <a:endParaRPr lang="en-GB" sz="2800" i="1" baseline="-25000" dirty="0">
+              <a:latin typeface="cmss12" panose="020B0500000000000000" pitchFamily="34" charset="0"/>
+              <a:cs typeface="Times New Roman" panose="02020603050405020304" pitchFamily="18" charset="0"/>
+            </a:endParaRPr>
+          </a:p>
+        </p:txBody>
+      </p:sp>
+      <p:sp>
+        <p:nvSpPr>
+          <p:cNvPr id="240" name="TextBox 239"/>
+          <p:cNvSpPr txBox="1"/>
+          <p:nvPr/>
+        </p:nvSpPr>
+        <p:spPr>
+          <a:xfrm>
+            <a:off x="5773906" y="5630604"/>
+            <a:ext cx="1233287" cy="523220"/>
+          </a:xfrm>
+          <a:prstGeom prst="rect">
+            <a:avLst/>
+          </a:prstGeom>
+          <a:noFill/>
+        </p:spPr>
+        <p:txBody>
+          <a:bodyPr wrap="square" rtlCol="0">
+            <a:spAutoFit/>
+          </a:bodyPr>
+          <a:lstStyle/>
+          <a:p>
+            <a:r>
+              <a:rPr lang="en-GB" sz="2800" i="1" dirty="0">
+                <a:latin typeface="cmss12" panose="020B0500000000000000" pitchFamily="34" charset="0"/>
+                <a:cs typeface="Times New Roman" panose="02020603050405020304" pitchFamily="18" charset="0"/>
+              </a:rPr>
+              <a:t>W</a:t>
+            </a:r>
+            <a:endParaRPr lang="en-GB" sz="2800" i="1" baseline="-25000" dirty="0">
+              <a:latin typeface="cmss12" panose="020B0500000000000000" pitchFamily="34" charset="0"/>
+              <a:cs typeface="Times New Roman" panose="02020603050405020304" pitchFamily="18" charset="0"/>
+            </a:endParaRPr>
+          </a:p>
+        </p:txBody>
+      </p:sp>
+      <p:sp>
+        <p:nvSpPr>
+          <p:cNvPr id="241" name="Cube 240"/>
+          <p:cNvSpPr/>
+          <p:nvPr/>
+        </p:nvSpPr>
+        <p:spPr>
+          <a:xfrm>
+            <a:off x="11195918" y="3453249"/>
+            <a:ext cx="2599920" cy="2198871"/>
+          </a:xfrm>
+          <a:prstGeom prst="cube">
+            <a:avLst>
+              <a:gd name="adj" fmla="val 39958"/>
+            </a:avLst>
+          </a:prstGeom>
+          <a:solidFill>
+            <a:srgbClr val="E6E6E6"/>
+          </a:solidFill>
+          <a:ln>
+            <a:solidFill>
+              <a:schemeClr val="tx1"/>
+            </a:solidFill>
+          </a:ln>
+        </p:spPr>
+        <p:style>
+          <a:lnRef idx="2">
+            <a:schemeClr val="accent1">
+              <a:shade val="50000"/>
+            </a:schemeClr>
+          </a:lnRef>
+          <a:fillRef idx="1">
+            <a:schemeClr val="accent1"/>
+          </a:fillRef>
+          <a:effectRef idx="0">
+            <a:schemeClr val="accent1"/>
+          </a:effectRef>
+          <a:fontRef idx="minor">
+            <a:schemeClr val="lt1"/>
+          </a:fontRef>
+        </p:style>
+        <p:txBody>
+          <a:bodyPr rtlCol="0" anchor="ctr"/>
+          <a:lstStyle/>
+          <a:p>
+            <a:pPr algn="ctr"/>
+            <a:endParaRPr lang="en-GB" sz="2800">
+              <a:latin typeface="cmss12" panose="020B0500000000000000" pitchFamily="34" charset="0"/>
+            </a:endParaRPr>
+          </a:p>
+        </p:txBody>
+      </p:sp>
+      <p:sp>
+        <p:nvSpPr>
+          <p:cNvPr id="242" name="Right Arrow 241"/>
+          <p:cNvSpPr/>
+          <p:nvPr/>
+        </p:nvSpPr>
+        <p:spPr>
+          <a:xfrm>
+            <a:off x="10115798" y="4413209"/>
+            <a:ext cx="312380" cy="399074"/>
+          </a:xfrm>
+          <a:prstGeom prst="rightArrow">
+            <a:avLst/>
+          </a:prstGeom>
+          <a:solidFill>
+            <a:schemeClr val="bg1">
+              <a:lumMod val="75000"/>
+            </a:schemeClr>
+          </a:solidFill>
+          <a:ln>
+            <a:noFill/>
+          </a:ln>
+        </p:spPr>
+        <p:style>
+          <a:lnRef idx="2">
+            <a:schemeClr val="accent1">
+              <a:shade val="50000"/>
+            </a:schemeClr>
+          </a:lnRef>
+          <a:fillRef idx="1">
+            <a:schemeClr val="accent1"/>
+          </a:fillRef>
+          <a:effectRef idx="0">
+            <a:schemeClr val="accent1"/>
+          </a:effectRef>
+          <a:fontRef idx="minor">
+            <a:schemeClr val="lt1"/>
+          </a:fontRef>
+        </p:style>
+        <p:txBody>
+          <a:bodyPr rtlCol="0" anchor="ctr"/>
+          <a:lstStyle/>
+          <a:p>
+            <a:pPr algn="ctr"/>
+            <a:endParaRPr lang="en-GB" sz="2800">
+              <a:latin typeface="cmss12" panose="020B0500000000000000" pitchFamily="34" charset="0"/>
+            </a:endParaRPr>
+          </a:p>
+        </p:txBody>
+      </p:sp>
+      <p:sp>
+        <p:nvSpPr>
+          <p:cNvPr id="243" name="TextBox 242"/>
+          <p:cNvSpPr txBox="1"/>
+          <p:nvPr/>
+        </p:nvSpPr>
+        <p:spPr>
+          <a:xfrm rot="5400000">
+            <a:off x="9035403" y="4829859"/>
+            <a:ext cx="744740" cy="523220"/>
+          </a:xfrm>
+          <a:prstGeom prst="rect">
+            <a:avLst/>
+          </a:prstGeom>
+          <a:noFill/>
+        </p:spPr>
+        <p:txBody>
+          <a:bodyPr wrap="square" rtlCol="0">
+            <a:spAutoFit/>
+          </a:bodyPr>
+          <a:lstStyle/>
+          <a:p>
+            <a:r>
+              <a:rPr lang="en-GB" sz="2800" dirty="0">
+                <a:latin typeface="cmss12" panose="020B0500000000000000" pitchFamily="34" charset="0"/>
+              </a:rPr>
+              <a:t>…</a:t>
+            </a:r>
+          </a:p>
+        </p:txBody>
+      </p:sp>
+      <p:sp>
+        <p:nvSpPr>
+          <p:cNvPr id="244" name="TextBox 243"/>
+          <p:cNvSpPr txBox="1"/>
+          <p:nvPr/>
+        </p:nvSpPr>
+        <p:spPr>
+          <a:xfrm>
+            <a:off x="7410526" y="5015638"/>
+            <a:ext cx="1233287" cy="523220"/>
+          </a:xfrm>
+          <a:prstGeom prst="rect">
+            <a:avLst/>
+          </a:prstGeom>
+          <a:noFill/>
+        </p:spPr>
+        <p:txBody>
+          <a:bodyPr wrap="square" rtlCol="0">
+            <a:spAutoFit/>
+          </a:bodyPr>
+          <a:lstStyle/>
+          <a:p>
+            <a:r>
+              <a:rPr lang="en-GB" sz="2800" i="1" dirty="0">
+                <a:latin typeface="cmss12" panose="020B0500000000000000" pitchFamily="34" charset="0"/>
+                <a:cs typeface="Times New Roman" panose="02020603050405020304" pitchFamily="18" charset="0"/>
+              </a:rPr>
+              <a:t>m</a:t>
+            </a:r>
+            <a:endParaRPr lang="en-GB" sz="2800" i="1" baseline="-25000" dirty="0">
+              <a:latin typeface="cmss12" panose="020B0500000000000000" pitchFamily="34" charset="0"/>
+              <a:cs typeface="Times New Roman" panose="02020603050405020304" pitchFamily="18" charset="0"/>
+            </a:endParaRPr>
+          </a:p>
+        </p:txBody>
+      </p:sp>
+      <p:sp>
+        <p:nvSpPr>
+          <p:cNvPr id="245" name="TextBox 244"/>
+          <p:cNvSpPr txBox="1"/>
+          <p:nvPr/>
+        </p:nvSpPr>
+        <p:spPr>
+          <a:xfrm>
+            <a:off x="13356161" y="5008527"/>
+            <a:ext cx="1233287" cy="523220"/>
+          </a:xfrm>
+          <a:prstGeom prst="rect">
+            <a:avLst/>
+          </a:prstGeom>
+          <a:noFill/>
+        </p:spPr>
+        <p:txBody>
+          <a:bodyPr wrap="square" rtlCol="0">
+            <a:spAutoFit/>
+          </a:bodyPr>
+          <a:lstStyle/>
+          <a:p>
+            <a:r>
+              <a:rPr lang="en-GB" sz="2800" i="1" dirty="0">
+                <a:latin typeface="cmss12" panose="020B0500000000000000" pitchFamily="34" charset="0"/>
+                <a:cs typeface="Times New Roman" panose="02020603050405020304" pitchFamily="18" charset="0"/>
+              </a:rPr>
+              <a:t>d</a:t>
+            </a:r>
+            <a:endParaRPr lang="en-GB" sz="2800" i="1" baseline="-25000" dirty="0">
+              <a:latin typeface="cmss12" panose="020B0500000000000000" pitchFamily="34" charset="0"/>
+              <a:cs typeface="Times New Roman" panose="02020603050405020304" pitchFamily="18" charset="0"/>
+            </a:endParaRPr>
+          </a:p>
+        </p:txBody>
+      </p:sp>
+      <p:sp>
+        <p:nvSpPr>
+          <p:cNvPr id="246" name="TextBox 245"/>
+          <p:cNvSpPr txBox="1"/>
+          <p:nvPr/>
+        </p:nvSpPr>
+        <p:spPr>
+          <a:xfrm>
+            <a:off x="10744824" y="4644008"/>
+            <a:ext cx="1233287" cy="523220"/>
+          </a:xfrm>
+          <a:prstGeom prst="rect">
+            <a:avLst/>
+          </a:prstGeom>
+          <a:noFill/>
+        </p:spPr>
+        <p:txBody>
+          <a:bodyPr wrap="square" rtlCol="0">
+            <a:spAutoFit/>
+          </a:bodyPr>
+          <a:lstStyle/>
+          <a:p>
+            <a:r>
+              <a:rPr lang="en-GB" sz="2800" i="1" dirty="0">
+                <a:latin typeface="cmss12" panose="020B0500000000000000" pitchFamily="34" charset="0"/>
+                <a:cs typeface="Times New Roman" panose="02020603050405020304" pitchFamily="18" charset="0"/>
+              </a:rPr>
+              <a:t>H</a:t>
+            </a:r>
+            <a:endParaRPr lang="en-GB" sz="2800" i="1" baseline="-25000" dirty="0">
+              <a:latin typeface="cmss12" panose="020B0500000000000000" pitchFamily="34" charset="0"/>
+              <a:cs typeface="Times New Roman" panose="02020603050405020304" pitchFamily="18" charset="0"/>
+            </a:endParaRPr>
+          </a:p>
+        </p:txBody>
+      </p:sp>
+      <p:sp>
+        <p:nvSpPr>
+          <p:cNvPr id="247" name="TextBox 246"/>
+          <p:cNvSpPr txBox="1"/>
+          <p:nvPr/>
+        </p:nvSpPr>
+        <p:spPr>
+          <a:xfrm>
+            <a:off x="11771985" y="5565424"/>
+            <a:ext cx="1233287" cy="523220"/>
+          </a:xfrm>
+          <a:prstGeom prst="rect">
+            <a:avLst/>
+          </a:prstGeom>
+          <a:noFill/>
+        </p:spPr>
+        <p:txBody>
+          <a:bodyPr wrap="square" rtlCol="0">
+            <a:spAutoFit/>
+          </a:bodyPr>
+          <a:lstStyle/>
+          <a:p>
+            <a:r>
+              <a:rPr lang="en-GB" sz="2800" i="1" dirty="0">
+                <a:latin typeface="cmss12" panose="020B0500000000000000" pitchFamily="34" charset="0"/>
+                <a:cs typeface="Times New Roman" panose="02020603050405020304" pitchFamily="18" charset="0"/>
+              </a:rPr>
+              <a:t>W</a:t>
+            </a:r>
+            <a:endParaRPr lang="en-GB" sz="2800" i="1" baseline="-25000" dirty="0">
+              <a:latin typeface="cmss12" panose="020B0500000000000000" pitchFamily="34" charset="0"/>
+              <a:cs typeface="Times New Roman" panose="02020603050405020304" pitchFamily="18" charset="0"/>
+            </a:endParaRPr>
+          </a:p>
+        </p:txBody>
+      </p:sp>
+      <p:sp>
+        <p:nvSpPr>
+          <p:cNvPr id="253" name="TextBox 252"/>
+          <p:cNvSpPr txBox="1"/>
+          <p:nvPr/>
+        </p:nvSpPr>
+        <p:spPr>
+          <a:xfrm>
+            <a:off x="8747649" y="2743600"/>
+            <a:ext cx="3069771" cy="523220"/>
+          </a:xfrm>
+          <a:prstGeom prst="rect">
+            <a:avLst/>
+          </a:prstGeom>
+          <a:noFill/>
+        </p:spPr>
+        <p:txBody>
+          <a:bodyPr wrap="square" rtlCol="0">
+            <a:spAutoFit/>
+          </a:bodyPr>
+          <a:lstStyle/>
+          <a:p>
+            <a:r>
+              <a:rPr lang="en-GB" sz="2800" i="1" dirty="0">
+                <a:latin typeface="cmss12" panose="020B0500000000000000" pitchFamily="34" charset="0"/>
+                <a:cs typeface="Times New Roman" panose="02020603050405020304" pitchFamily="18" charset="0"/>
+              </a:rPr>
+              <a:t>d </a:t>
+            </a:r>
+            <a:r>
+              <a:rPr lang="en-GB" sz="2800" dirty="0">
+                <a:latin typeface="cmss12" panose="020B0500000000000000" pitchFamily="34" charset="0"/>
+                <a:cs typeface="Times New Roman" panose="02020603050405020304" pitchFamily="18" charset="0"/>
+              </a:rPr>
+              <a:t>filters</a:t>
+            </a:r>
+            <a:endParaRPr lang="en-GB" sz="2800" baseline="-25000" dirty="0">
+              <a:latin typeface="cmss12" panose="020B0500000000000000" pitchFamily="34" charset="0"/>
+              <a:cs typeface="Times New Roman" panose="02020603050405020304" pitchFamily="18" charset="0"/>
+            </a:endParaRPr>
+          </a:p>
+        </p:txBody>
+      </p:sp>
+      <p:sp>
+        <p:nvSpPr>
+          <p:cNvPr id="254" name="Cube 253"/>
+          <p:cNvSpPr/>
+          <p:nvPr/>
+        </p:nvSpPr>
+        <p:spPr>
+          <a:xfrm>
+            <a:off x="9026260" y="3275856"/>
+            <a:ext cx="543456" cy="551362"/>
+          </a:xfrm>
+          <a:prstGeom prst="cube">
+            <a:avLst>
+              <a:gd name="adj" fmla="val 71623"/>
+            </a:avLst>
+          </a:prstGeom>
+          <a:solidFill>
+            <a:schemeClr val="accent4">
+              <a:lumMod val="40000"/>
+              <a:lumOff val="60000"/>
+            </a:schemeClr>
+          </a:solidFill>
+          <a:ln>
+            <a:solidFill>
+              <a:schemeClr val="tx1"/>
+            </a:solidFill>
+          </a:ln>
+        </p:spPr>
+        <p:style>
+          <a:lnRef idx="2">
+            <a:schemeClr val="accent1">
+              <a:shade val="50000"/>
+            </a:schemeClr>
+          </a:lnRef>
+          <a:fillRef idx="1">
+            <a:schemeClr val="accent1"/>
+          </a:fillRef>
+          <a:effectRef idx="0">
+            <a:schemeClr val="accent1"/>
+          </a:effectRef>
+          <a:fontRef idx="minor">
+            <a:schemeClr val="lt1"/>
+          </a:fontRef>
+        </p:style>
+        <p:txBody>
+          <a:bodyPr rtlCol="0" anchor="ctr"/>
+          <a:lstStyle/>
+          <a:p>
+            <a:pPr algn="ctr"/>
+            <a:endParaRPr lang="en-GB" sz="2800">
+              <a:latin typeface="cmss12" panose="020B0500000000000000" pitchFamily="34" charset="0"/>
+            </a:endParaRPr>
+          </a:p>
+        </p:txBody>
+      </p:sp>
+      <p:sp>
+        <p:nvSpPr>
+          <p:cNvPr id="263" name="TextBox 262"/>
+          <p:cNvSpPr txBox="1"/>
+          <p:nvPr/>
+        </p:nvSpPr>
+        <p:spPr>
+          <a:xfrm>
+            <a:off x="9344665" y="5470556"/>
+            <a:ext cx="1233287" cy="523220"/>
+          </a:xfrm>
+          <a:prstGeom prst="rect">
+            <a:avLst/>
+          </a:prstGeom>
+          <a:noFill/>
+        </p:spPr>
+        <p:txBody>
+          <a:bodyPr wrap="square" rtlCol="0">
+            <a:spAutoFit/>
+          </a:bodyPr>
+          <a:lstStyle/>
+          <a:p>
+            <a:r>
+              <a:rPr lang="en-GB" sz="2800" i="1" dirty="0">
+                <a:latin typeface="cmss12" panose="020B0500000000000000" pitchFamily="34" charset="0"/>
+                <a:cs typeface="Times New Roman" panose="02020603050405020304" pitchFamily="18" charset="0"/>
+              </a:rPr>
+              <a:t>m</a:t>
+            </a:r>
+            <a:endParaRPr lang="en-GB" sz="2800" i="1" baseline="-25000" dirty="0">
+              <a:latin typeface="cmss12" panose="020B0500000000000000" pitchFamily="34" charset="0"/>
+              <a:cs typeface="Times New Roman" panose="02020603050405020304" pitchFamily="18" charset="0"/>
+            </a:endParaRPr>
+          </a:p>
+        </p:txBody>
+      </p:sp>
+      <p:sp>
+        <p:nvSpPr>
+          <p:cNvPr id="265" name="TextBox 264"/>
+          <p:cNvSpPr txBox="1"/>
+          <p:nvPr/>
+        </p:nvSpPr>
+        <p:spPr>
+          <a:xfrm>
+            <a:off x="8681347" y="5436100"/>
+            <a:ext cx="1233287" cy="523220"/>
+          </a:xfrm>
+          <a:prstGeom prst="rect">
+            <a:avLst/>
+          </a:prstGeom>
+          <a:noFill/>
+        </p:spPr>
+        <p:txBody>
+          <a:bodyPr wrap="square" rtlCol="0">
+            <a:spAutoFit/>
+          </a:bodyPr>
+          <a:lstStyle/>
+          <a:p>
+            <a:r>
+              <a:rPr lang="en-GB" sz="2800" i="1" dirty="0">
+                <a:latin typeface="cmss12" panose="020B0500000000000000" pitchFamily="34" charset="0"/>
+                <a:cs typeface="Times New Roman" panose="02020603050405020304" pitchFamily="18" charset="0"/>
+              </a:rPr>
+              <a:t>1</a:t>
+            </a:r>
+            <a:endParaRPr lang="en-GB" sz="2800" i="1" baseline="-25000" dirty="0">
+              <a:latin typeface="cmss12" panose="020B0500000000000000" pitchFamily="34" charset="0"/>
+              <a:cs typeface="Times New Roman" panose="02020603050405020304" pitchFamily="18" charset="0"/>
+            </a:endParaRPr>
+          </a:p>
+        </p:txBody>
+      </p:sp>
+      <p:sp>
+        <p:nvSpPr>
+          <p:cNvPr id="266" name="TextBox 265"/>
+          <p:cNvSpPr txBox="1"/>
+          <p:nvPr/>
+        </p:nvSpPr>
+        <p:spPr>
+          <a:xfrm>
+            <a:off x="2626966" y="4283969"/>
+            <a:ext cx="432048" cy="523220"/>
+          </a:xfrm>
+          <a:prstGeom prst="rect">
+            <a:avLst/>
+          </a:prstGeom>
+          <a:noFill/>
+        </p:spPr>
+        <p:txBody>
+          <a:bodyPr wrap="square" rtlCol="0">
+            <a:spAutoFit/>
+          </a:bodyPr>
+          <a:lstStyle/>
+          <a:p>
+            <a:r>
+              <a:rPr lang="en-GB" sz="2800" i="1" dirty="0">
+                <a:latin typeface="cmss12" panose="020B0500000000000000" pitchFamily="34" charset="0"/>
+                <a:cs typeface="Times New Roman" panose="02020603050405020304" pitchFamily="18" charset="0"/>
+              </a:rPr>
+              <a:t>*</a:t>
+            </a:r>
+            <a:endParaRPr lang="en-GB" sz="2800" i="1" baseline="-25000" dirty="0">
+              <a:latin typeface="cmss12" panose="020B0500000000000000" pitchFamily="34" charset="0"/>
+              <a:cs typeface="Times New Roman" panose="02020603050405020304" pitchFamily="18" charset="0"/>
+            </a:endParaRPr>
+          </a:p>
+        </p:txBody>
+      </p:sp>
+      <p:sp>
+        <p:nvSpPr>
+          <p:cNvPr id="267" name="TextBox 266"/>
+          <p:cNvSpPr txBox="1"/>
+          <p:nvPr/>
+        </p:nvSpPr>
+        <p:spPr>
+          <a:xfrm>
+            <a:off x="8099575" y="4372405"/>
+            <a:ext cx="720080" cy="523220"/>
+          </a:xfrm>
+          <a:prstGeom prst="rect">
+            <a:avLst/>
+          </a:prstGeom>
+          <a:noFill/>
+        </p:spPr>
+        <p:txBody>
+          <a:bodyPr wrap="square" rtlCol="0">
+            <a:spAutoFit/>
+          </a:bodyPr>
+          <a:lstStyle/>
+          <a:p>
+            <a:r>
+              <a:rPr lang="en-GB" sz="2800" i="1" dirty="0">
+                <a:latin typeface="cmss12" panose="020B0500000000000000" pitchFamily="34" charset="0"/>
+                <a:cs typeface="Times New Roman" panose="02020603050405020304" pitchFamily="18" charset="0"/>
+              </a:rPr>
+              <a:t>*</a:t>
+            </a:r>
+            <a:endParaRPr lang="en-GB" sz="2800" i="1" baseline="-25000" dirty="0">
+              <a:latin typeface="cmss12" panose="020B0500000000000000" pitchFamily="34" charset="0"/>
+              <a:cs typeface="Times New Roman" panose="02020603050405020304" pitchFamily="18" charset="0"/>
+            </a:endParaRPr>
+          </a:p>
+        </p:txBody>
+      </p:sp>
+      <p:sp>
+        <p:nvSpPr>
+          <p:cNvPr id="46" name="Cube 45"/>
+          <p:cNvSpPr/>
+          <p:nvPr/>
+        </p:nvSpPr>
+        <p:spPr>
+          <a:xfrm>
+            <a:off x="9026260" y="3707904"/>
+            <a:ext cx="543456" cy="551362"/>
+          </a:xfrm>
+          <a:prstGeom prst="cube">
+            <a:avLst>
+              <a:gd name="adj" fmla="val 71623"/>
+            </a:avLst>
+          </a:prstGeom>
+          <a:solidFill>
+            <a:schemeClr val="accent4">
+              <a:lumMod val="40000"/>
+              <a:lumOff val="60000"/>
+            </a:schemeClr>
+          </a:solidFill>
+          <a:ln>
+            <a:solidFill>
+              <a:schemeClr val="tx1"/>
+            </a:solidFill>
+          </a:ln>
+        </p:spPr>
+        <p:style>
+          <a:lnRef idx="2">
+            <a:schemeClr val="accent1">
+              <a:shade val="50000"/>
+            </a:schemeClr>
+          </a:lnRef>
+          <a:fillRef idx="1">
+            <a:schemeClr val="accent1"/>
+          </a:fillRef>
+          <a:effectRef idx="0">
+            <a:schemeClr val="accent1"/>
+          </a:effectRef>
+          <a:fontRef idx="minor">
+            <a:schemeClr val="lt1"/>
+          </a:fontRef>
+        </p:style>
+        <p:txBody>
+          <a:bodyPr rtlCol="0" anchor="ctr"/>
+          <a:lstStyle/>
+          <a:p>
+            <a:pPr algn="ctr"/>
+            <a:endParaRPr lang="en-GB" sz="2800">
+              <a:latin typeface="cmss12" panose="020B0500000000000000" pitchFamily="34" charset="0"/>
+            </a:endParaRPr>
+          </a:p>
+        </p:txBody>
+      </p:sp>
+      <p:sp>
+        <p:nvSpPr>
+          <p:cNvPr id="47" name="Cube 46"/>
+          <p:cNvSpPr/>
+          <p:nvPr/>
+        </p:nvSpPr>
+        <p:spPr>
+          <a:xfrm>
+            <a:off x="9026260" y="5364088"/>
+            <a:ext cx="543456" cy="551362"/>
+          </a:xfrm>
+          <a:prstGeom prst="cube">
+            <a:avLst>
+              <a:gd name="adj" fmla="val 71623"/>
+            </a:avLst>
+          </a:prstGeom>
+          <a:solidFill>
+            <a:schemeClr val="accent4">
+              <a:lumMod val="40000"/>
+              <a:lumOff val="60000"/>
+            </a:schemeClr>
+          </a:solidFill>
+          <a:ln>
+            <a:solidFill>
+              <a:schemeClr val="tx1"/>
+            </a:solidFill>
+          </a:ln>
+        </p:spPr>
+        <p:style>
+          <a:lnRef idx="2">
+            <a:schemeClr val="accent1">
+              <a:shade val="50000"/>
+            </a:schemeClr>
+          </a:lnRef>
+          <a:fillRef idx="1">
+            <a:schemeClr val="accent1"/>
+          </a:fillRef>
+          <a:effectRef idx="0">
+            <a:schemeClr val="accent1"/>
+          </a:effectRef>
+          <a:fontRef idx="minor">
+            <a:schemeClr val="lt1"/>
+          </a:fontRef>
+        </p:style>
+        <p:txBody>
+          <a:bodyPr rtlCol="0" anchor="ctr"/>
+          <a:lstStyle/>
+          <a:p>
+            <a:pPr algn="ctr"/>
+            <a:endParaRPr lang="en-GB" sz="2800">
+              <a:latin typeface="cmss12" panose="020B0500000000000000" pitchFamily="34" charset="0"/>
+            </a:endParaRPr>
+          </a:p>
+        </p:txBody>
+      </p:sp>
+      <p:grpSp>
+        <p:nvGrpSpPr>
+          <p:cNvPr id="8" name="Group 7"/>
+          <p:cNvGrpSpPr/>
+          <p:nvPr/>
+        </p:nvGrpSpPr>
+        <p:grpSpPr>
+          <a:xfrm>
+            <a:off x="3130550" y="4251310"/>
+            <a:ext cx="817284" cy="1760850"/>
+            <a:chOff x="3130550" y="3300626"/>
+            <a:chExt cx="817284" cy="1760850"/>
+          </a:xfrm>
+        </p:grpSpPr>
+        <p:sp>
+          <p:nvSpPr>
+            <p:cNvPr id="41" name="Cube 40"/>
+            <p:cNvSpPr/>
+            <p:nvPr/>
+          </p:nvSpPr>
+          <p:spPr>
+            <a:xfrm>
+              <a:off x="3130550" y="3300626"/>
+              <a:ext cx="802392" cy="824745"/>
+            </a:xfrm>
+            <a:prstGeom prst="cube">
+              <a:avLst>
+                <a:gd name="adj" fmla="val 50133"/>
+              </a:avLst>
+            </a:prstGeom>
+            <a:solidFill>
+              <a:schemeClr val="accent4">
+                <a:lumMod val="40000"/>
+                <a:lumOff val="60000"/>
+              </a:schemeClr>
+            </a:solidFill>
+            <a:ln>
+              <a:solidFill>
+                <a:schemeClr val="tx1"/>
+              </a:solidFill>
+            </a:ln>
+          </p:spPr>
+          <p:style>
+            <a:lnRef idx="2">
+              <a:schemeClr val="accent1">
+                <a:shade val="50000"/>
+              </a:schemeClr>
+            </a:lnRef>
+            <a:fillRef idx="1">
+              <a:schemeClr val="accent1"/>
+            </a:fillRef>
+            <a:effectRef idx="0">
+              <a:schemeClr val="accent1"/>
+            </a:effectRef>
+            <a:fontRef idx="minor">
+              <a:schemeClr val="lt1"/>
+            </a:fontRef>
+          </p:style>
+          <p:txBody>
+            <a:bodyPr rtlCol="0" anchor="ctr"/>
+            <a:lstStyle/>
+            <a:p>
+              <a:pPr algn="ctr"/>
+              <a:endParaRPr lang="en-GB" sz="2800">
+                <a:latin typeface="cmss12" panose="020B0500000000000000" pitchFamily="34" charset="0"/>
+              </a:endParaRPr>
+            </a:p>
+          </p:txBody>
+        </p:sp>
+        <p:sp>
+          <p:nvSpPr>
+            <p:cNvPr id="43" name="Cube 42"/>
+            <p:cNvSpPr/>
+            <p:nvPr/>
+          </p:nvSpPr>
+          <p:spPr>
+            <a:xfrm>
+              <a:off x="3131022" y="4236731"/>
+              <a:ext cx="802392" cy="824745"/>
+            </a:xfrm>
+            <a:prstGeom prst="cube">
+              <a:avLst>
+                <a:gd name="adj" fmla="val 50133"/>
+              </a:avLst>
+            </a:prstGeom>
+            <a:solidFill>
+              <a:schemeClr val="accent4">
+                <a:lumMod val="40000"/>
+                <a:lumOff val="60000"/>
+              </a:schemeClr>
+            </a:solidFill>
+            <a:ln>
+              <a:solidFill>
+                <a:schemeClr val="tx1"/>
+              </a:solidFill>
+            </a:ln>
+          </p:spPr>
+          <p:style>
+            <a:lnRef idx="2">
+              <a:schemeClr val="accent1">
+                <a:shade val="50000"/>
+              </a:schemeClr>
+            </a:lnRef>
+            <a:fillRef idx="1">
+              <a:schemeClr val="accent1"/>
+            </a:fillRef>
+            <a:effectRef idx="0">
+              <a:schemeClr val="accent1"/>
+            </a:effectRef>
+            <a:fontRef idx="minor">
+              <a:schemeClr val="lt1"/>
+            </a:fontRef>
+          </p:style>
+          <p:txBody>
+            <a:bodyPr rtlCol="0" anchor="ctr"/>
+            <a:lstStyle/>
+            <a:p>
+              <a:pPr algn="ctr"/>
+              <a:endParaRPr lang="en-GB" sz="2800">
+                <a:latin typeface="cmss12" panose="020B0500000000000000" pitchFamily="34" charset="0"/>
+              </a:endParaRPr>
+            </a:p>
+          </p:txBody>
+        </p:sp>
+        <p:sp>
+          <p:nvSpPr>
+            <p:cNvPr id="44" name="TextBox 43"/>
+            <p:cNvSpPr txBox="1"/>
+            <p:nvPr/>
+          </p:nvSpPr>
+          <p:spPr>
+            <a:xfrm rot="5400000">
+              <a:off x="3427968" y="4033979"/>
+              <a:ext cx="516511" cy="523220"/>
+            </a:xfrm>
+            <a:prstGeom prst="rect">
+              <a:avLst/>
+            </a:prstGeom>
+            <a:noFill/>
+          </p:spPr>
+          <p:txBody>
+            <a:bodyPr wrap="square" rtlCol="0">
+              <a:spAutoFit/>
+            </a:bodyPr>
+            <a:lstStyle/>
+            <a:p>
+              <a:r>
+                <a:rPr lang="en-GB" sz="2800" dirty="0">
+                  <a:latin typeface="cmss12" panose="020B0500000000000000" pitchFamily="34" charset="0"/>
+                </a:rPr>
+                <a:t>…</a:t>
+              </a:r>
+            </a:p>
+          </p:txBody>
+        </p:sp>
+      </p:grpSp>
+      <p:sp>
+        <p:nvSpPr>
+          <p:cNvPr id="237" name="TextBox 236"/>
+          <p:cNvSpPr txBox="1"/>
+          <p:nvPr/>
+        </p:nvSpPr>
+        <p:spPr>
+          <a:xfrm>
+            <a:off x="2338935" y="5004049"/>
+            <a:ext cx="1233287" cy="523220"/>
+          </a:xfrm>
+          <a:prstGeom prst="rect">
+            <a:avLst/>
+          </a:prstGeom>
+          <a:noFill/>
+        </p:spPr>
+        <p:txBody>
+          <a:bodyPr wrap="square" rtlCol="0">
+            <a:spAutoFit/>
+          </a:bodyPr>
+          <a:lstStyle/>
+          <a:p>
+            <a:r>
+              <a:rPr lang="en-GB" sz="2800" i="1" dirty="0">
+                <a:latin typeface="cmss12" panose="020B0500000000000000" pitchFamily="34" charset="0"/>
+                <a:cs typeface="Times New Roman" panose="02020603050405020304" pitchFamily="18" charset="0"/>
+              </a:rPr>
+              <a:t>c</a:t>
+            </a:r>
+            <a:endParaRPr lang="en-GB" sz="2800" i="1" baseline="-25000" dirty="0">
+              <a:latin typeface="cmss12" panose="020B0500000000000000" pitchFamily="34" charset="0"/>
+              <a:cs typeface="Times New Roman" panose="02020603050405020304" pitchFamily="18" charset="0"/>
+            </a:endParaRPr>
+          </a:p>
+        </p:txBody>
+      </p:sp>
+      <p:grpSp>
+        <p:nvGrpSpPr>
+          <p:cNvPr id="7" name="Group 6"/>
+          <p:cNvGrpSpPr/>
+          <p:nvPr/>
+        </p:nvGrpSpPr>
+        <p:grpSpPr>
+          <a:xfrm>
+            <a:off x="3207696" y="2771800"/>
+            <a:ext cx="740137" cy="1417690"/>
+            <a:chOff x="3207696" y="1907704"/>
+            <a:chExt cx="740137" cy="1417690"/>
+          </a:xfrm>
+        </p:grpSpPr>
+        <p:grpSp>
+          <p:nvGrpSpPr>
+            <p:cNvPr id="3" name="Group 2"/>
+            <p:cNvGrpSpPr/>
+            <p:nvPr/>
+          </p:nvGrpSpPr>
+          <p:grpSpPr>
+            <a:xfrm>
+              <a:off x="3207696" y="1907704"/>
+              <a:ext cx="674312" cy="1417690"/>
+              <a:chOff x="3152960" y="2258610"/>
+              <a:chExt cx="674312" cy="1417690"/>
+            </a:xfrm>
+          </p:grpSpPr>
+          <p:sp>
+            <p:nvSpPr>
+              <p:cNvPr id="52" name="Cube 51"/>
+              <p:cNvSpPr/>
+              <p:nvPr/>
+            </p:nvSpPr>
+            <p:spPr>
+              <a:xfrm>
+                <a:off x="3152960" y="3018549"/>
+                <a:ext cx="668591" cy="657751"/>
+              </a:xfrm>
+              <a:prstGeom prst="cube">
+                <a:avLst>
+                  <a:gd name="adj" fmla="val 66246"/>
+                </a:avLst>
+              </a:prstGeom>
+              <a:solidFill>
+                <a:schemeClr val="accent4">
+                  <a:lumMod val="40000"/>
+                  <a:lumOff val="60000"/>
+                </a:schemeClr>
+              </a:solidFill>
+              <a:ln>
+                <a:solidFill>
+                  <a:schemeClr val="tx1"/>
+                </a:solidFill>
+              </a:ln>
+            </p:spPr>
+            <p:style>
+              <a:lnRef idx="2">
+                <a:schemeClr val="accent1">
+                  <a:shade val="50000"/>
+                </a:schemeClr>
+              </a:lnRef>
+              <a:fillRef idx="1">
+                <a:schemeClr val="accent1"/>
+              </a:fillRef>
+              <a:effectRef idx="0">
+                <a:schemeClr val="accent1"/>
+              </a:effectRef>
+              <a:fontRef idx="minor">
+                <a:schemeClr val="lt1"/>
+              </a:fontRef>
+            </p:style>
+            <p:txBody>
+              <a:bodyPr rtlCol="0" anchor="ctr"/>
+              <a:lstStyle/>
+              <a:p>
+                <a:pPr algn="ctr"/>
+                <a:endParaRPr lang="en-GB" sz="2800">
+                  <a:latin typeface="cmss12" panose="020B0500000000000000" pitchFamily="34" charset="0"/>
+                </a:endParaRPr>
+              </a:p>
+            </p:txBody>
+          </p:sp>
+          <p:sp>
+            <p:nvSpPr>
+              <p:cNvPr id="36" name="Cube 35"/>
+              <p:cNvSpPr/>
+              <p:nvPr/>
+            </p:nvSpPr>
+            <p:spPr>
+              <a:xfrm>
+                <a:off x="3158681" y="2258610"/>
+                <a:ext cx="668591" cy="657751"/>
+              </a:xfrm>
+              <a:prstGeom prst="cube">
+                <a:avLst>
+                  <a:gd name="adj" fmla="val 66246"/>
+                </a:avLst>
+              </a:prstGeom>
+              <a:solidFill>
+                <a:schemeClr val="accent4">
+                  <a:lumMod val="40000"/>
+                  <a:lumOff val="60000"/>
+                </a:schemeClr>
+              </a:solidFill>
+              <a:ln>
+                <a:solidFill>
+                  <a:schemeClr val="tx1"/>
+                </a:solidFill>
+              </a:ln>
+            </p:spPr>
+            <p:style>
+              <a:lnRef idx="2">
+                <a:schemeClr val="accent1">
+                  <a:shade val="50000"/>
+                </a:schemeClr>
+              </a:lnRef>
+              <a:fillRef idx="1">
+                <a:schemeClr val="accent1"/>
+              </a:fillRef>
+              <a:effectRef idx="0">
+                <a:schemeClr val="accent1"/>
+              </a:effectRef>
+              <a:fontRef idx="minor">
+                <a:schemeClr val="lt1"/>
+              </a:fontRef>
+            </p:style>
+            <p:txBody>
+              <a:bodyPr rtlCol="0" anchor="ctr"/>
+              <a:lstStyle/>
+              <a:p>
+                <a:pPr algn="ctr"/>
+                <a:endParaRPr lang="en-GB" sz="2800">
+                  <a:latin typeface="cmss12" panose="020B0500000000000000" pitchFamily="34" charset="0"/>
+                </a:endParaRPr>
+              </a:p>
+            </p:txBody>
+          </p:sp>
+        </p:grpSp>
+        <p:sp>
+          <p:nvSpPr>
+            <p:cNvPr id="39" name="TextBox 38"/>
+            <p:cNvSpPr txBox="1"/>
+            <p:nvPr/>
+          </p:nvSpPr>
+          <p:spPr>
+            <a:xfrm rot="5400000">
+              <a:off x="3517790" y="2366526"/>
+              <a:ext cx="336865" cy="523220"/>
+            </a:xfrm>
+            <a:prstGeom prst="rect">
+              <a:avLst/>
+            </a:prstGeom>
+            <a:noFill/>
+          </p:spPr>
+          <p:txBody>
+            <a:bodyPr wrap="square" rtlCol="0">
+              <a:spAutoFit/>
+            </a:bodyPr>
+            <a:lstStyle/>
+            <a:p>
+              <a:r>
+                <a:rPr lang="en-GB" sz="2800" dirty="0">
+                  <a:latin typeface="cmss12" panose="020B0500000000000000" pitchFamily="34" charset="0"/>
+                </a:rPr>
+                <a:t>…</a:t>
+              </a:r>
+            </a:p>
+          </p:txBody>
+        </p:sp>
+      </p:grpSp>
+      <p:grpSp>
+        <p:nvGrpSpPr>
+          <p:cNvPr id="9" name="Group 8"/>
+          <p:cNvGrpSpPr/>
+          <p:nvPr/>
+        </p:nvGrpSpPr>
+        <p:grpSpPr>
+          <a:xfrm>
+            <a:off x="2987006" y="6120134"/>
+            <a:ext cx="1044120" cy="2340298"/>
+            <a:chOff x="2987006" y="5112022"/>
+            <a:chExt cx="1044120" cy="2340298"/>
+          </a:xfrm>
+        </p:grpSpPr>
+        <p:sp>
+          <p:nvSpPr>
+            <p:cNvPr id="53" name="Cube 52"/>
+            <p:cNvSpPr/>
+            <p:nvPr/>
+          </p:nvSpPr>
+          <p:spPr>
+            <a:xfrm>
+              <a:off x="2987006" y="6408168"/>
+              <a:ext cx="1032460" cy="1044152"/>
+            </a:xfrm>
+            <a:prstGeom prst="cube">
+              <a:avLst>
+                <a:gd name="adj" fmla="val 38838"/>
+              </a:avLst>
+            </a:prstGeom>
+            <a:solidFill>
+              <a:schemeClr val="accent4">
+                <a:lumMod val="40000"/>
+                <a:lumOff val="60000"/>
+              </a:schemeClr>
+            </a:solidFill>
+            <a:ln>
+              <a:solidFill>
+                <a:schemeClr val="tx1"/>
+              </a:solidFill>
+            </a:ln>
+          </p:spPr>
+          <p:style>
+            <a:lnRef idx="2">
+              <a:schemeClr val="accent1">
+                <a:shade val="50000"/>
+              </a:schemeClr>
+            </a:lnRef>
+            <a:fillRef idx="1">
+              <a:schemeClr val="accent1"/>
+            </a:fillRef>
+            <a:effectRef idx="0">
+              <a:schemeClr val="accent1"/>
+            </a:effectRef>
+            <a:fontRef idx="minor">
+              <a:schemeClr val="lt1"/>
+            </a:fontRef>
+          </p:style>
+          <p:txBody>
+            <a:bodyPr rtlCol="0" anchor="ctr"/>
+            <a:lstStyle/>
+            <a:p>
+              <a:pPr algn="ctr"/>
+              <a:endParaRPr lang="en-GB" sz="2800">
+                <a:latin typeface="cmss12" panose="020B0500000000000000" pitchFamily="34" charset="0"/>
+              </a:endParaRPr>
+            </a:p>
+          </p:txBody>
+        </p:sp>
+        <p:sp>
+          <p:nvSpPr>
+            <p:cNvPr id="55" name="TextBox 54"/>
+            <p:cNvSpPr txBox="1"/>
+            <p:nvPr/>
+          </p:nvSpPr>
+          <p:spPr>
+            <a:xfrm rot="5400000">
+              <a:off x="3401817" y="6116780"/>
+              <a:ext cx="516511" cy="523220"/>
+            </a:xfrm>
+            <a:prstGeom prst="rect">
+              <a:avLst/>
+            </a:prstGeom>
+            <a:noFill/>
+          </p:spPr>
+          <p:txBody>
+            <a:bodyPr wrap="square" rtlCol="0">
+              <a:spAutoFit/>
+            </a:bodyPr>
+            <a:lstStyle/>
+            <a:p>
+              <a:r>
+                <a:rPr lang="en-GB" sz="2800" dirty="0">
+                  <a:latin typeface="cmss12" panose="020B0500000000000000" pitchFamily="34" charset="0"/>
+                </a:rPr>
+                <a:t>…</a:t>
+              </a:r>
+            </a:p>
+          </p:txBody>
+        </p:sp>
+        <p:sp>
+          <p:nvSpPr>
+            <p:cNvPr id="54" name="Cube 53"/>
+            <p:cNvSpPr/>
+            <p:nvPr/>
+          </p:nvSpPr>
+          <p:spPr>
+            <a:xfrm>
+              <a:off x="2998666" y="5112022"/>
+              <a:ext cx="1032460" cy="1044152"/>
+            </a:xfrm>
+            <a:prstGeom prst="cube">
+              <a:avLst>
+                <a:gd name="adj" fmla="val 38838"/>
+              </a:avLst>
+            </a:prstGeom>
+            <a:solidFill>
+              <a:schemeClr val="accent4">
+                <a:lumMod val="40000"/>
+                <a:lumOff val="60000"/>
+              </a:schemeClr>
+            </a:solidFill>
+            <a:ln>
+              <a:solidFill>
+                <a:schemeClr val="tx1"/>
+              </a:solidFill>
+            </a:ln>
+          </p:spPr>
+          <p:style>
+            <a:lnRef idx="2">
+              <a:schemeClr val="accent1">
+                <a:shade val="50000"/>
+              </a:schemeClr>
+            </a:lnRef>
+            <a:fillRef idx="1">
+              <a:schemeClr val="accent1"/>
+            </a:fillRef>
+            <a:effectRef idx="0">
+              <a:schemeClr val="accent1"/>
+            </a:effectRef>
+            <a:fontRef idx="minor">
+              <a:schemeClr val="lt1"/>
+            </a:fontRef>
+          </p:style>
+          <p:txBody>
+            <a:bodyPr rtlCol="0" anchor="ctr"/>
+            <a:lstStyle/>
+            <a:p>
+              <a:pPr algn="ctr"/>
+              <a:endParaRPr lang="en-GB" sz="2800">
+                <a:latin typeface="cmss12" panose="020B0500000000000000" pitchFamily="34" charset="0"/>
+              </a:endParaRPr>
+            </a:p>
+          </p:txBody>
+        </p:sp>
+      </p:grpSp>
+      <p:grpSp>
+        <p:nvGrpSpPr>
+          <p:cNvPr id="6" name="Group 5"/>
+          <p:cNvGrpSpPr/>
+          <p:nvPr/>
+        </p:nvGrpSpPr>
+        <p:grpSpPr>
+          <a:xfrm>
+            <a:off x="3265529" y="1691680"/>
+            <a:ext cx="678487" cy="1146689"/>
+            <a:chOff x="3242882" y="930287"/>
+            <a:chExt cx="678487" cy="1146689"/>
+          </a:xfrm>
+        </p:grpSpPr>
+        <p:grpSp>
+          <p:nvGrpSpPr>
+            <p:cNvPr id="5" name="Group 4"/>
+            <p:cNvGrpSpPr/>
+            <p:nvPr/>
+          </p:nvGrpSpPr>
+          <p:grpSpPr>
+            <a:xfrm>
+              <a:off x="3242882" y="930287"/>
+              <a:ext cx="540788" cy="1146689"/>
+              <a:chOff x="3242882" y="930287"/>
+              <a:chExt cx="540788" cy="1146689"/>
+            </a:xfrm>
+          </p:grpSpPr>
+          <p:sp>
+            <p:nvSpPr>
+              <p:cNvPr id="58" name="Cube 57"/>
+              <p:cNvSpPr/>
+              <p:nvPr/>
+            </p:nvSpPr>
+            <p:spPr>
+              <a:xfrm>
+                <a:off x="3246121" y="1531607"/>
+                <a:ext cx="537549" cy="545369"/>
+              </a:xfrm>
+              <a:prstGeom prst="cube">
+                <a:avLst>
+                  <a:gd name="adj" fmla="val 76722"/>
+                </a:avLst>
+              </a:prstGeom>
+              <a:solidFill>
+                <a:schemeClr val="accent4">
+                  <a:lumMod val="40000"/>
+                  <a:lumOff val="60000"/>
+                </a:schemeClr>
+              </a:solidFill>
+              <a:ln>
+                <a:solidFill>
+                  <a:schemeClr val="tx1"/>
+                </a:solidFill>
+              </a:ln>
+            </p:spPr>
+            <p:style>
+              <a:lnRef idx="2">
+                <a:schemeClr val="accent1">
+                  <a:shade val="50000"/>
+                </a:schemeClr>
+              </a:lnRef>
+              <a:fillRef idx="1">
+                <a:schemeClr val="accent1"/>
+              </a:fillRef>
+              <a:effectRef idx="0">
+                <a:schemeClr val="accent1"/>
+              </a:effectRef>
+              <a:fontRef idx="minor">
+                <a:schemeClr val="lt1"/>
+              </a:fontRef>
+            </p:style>
+            <p:txBody>
+              <a:bodyPr rtlCol="0" anchor="ctr"/>
+              <a:lstStyle/>
+              <a:p>
+                <a:pPr algn="ctr"/>
+                <a:endParaRPr lang="en-GB" sz="2800">
+                  <a:latin typeface="cmss12" panose="020B0500000000000000" pitchFamily="34" charset="0"/>
+                </a:endParaRPr>
+              </a:p>
+            </p:txBody>
+          </p:sp>
+          <p:sp>
+            <p:nvSpPr>
+              <p:cNvPr id="59" name="Cube 58"/>
+              <p:cNvSpPr/>
+              <p:nvPr/>
+            </p:nvSpPr>
+            <p:spPr>
+              <a:xfrm>
+                <a:off x="3242882" y="930287"/>
+                <a:ext cx="537549" cy="545369"/>
+              </a:xfrm>
+              <a:prstGeom prst="cube">
+                <a:avLst>
+                  <a:gd name="adj" fmla="val 76722"/>
+                </a:avLst>
+              </a:prstGeom>
+              <a:solidFill>
+                <a:schemeClr val="accent4">
+                  <a:lumMod val="40000"/>
+                  <a:lumOff val="60000"/>
+                </a:schemeClr>
+              </a:solidFill>
+              <a:ln>
+                <a:solidFill>
+                  <a:schemeClr val="tx1"/>
+                </a:solidFill>
+              </a:ln>
+            </p:spPr>
+            <p:style>
+              <a:lnRef idx="2">
+                <a:schemeClr val="accent1">
+                  <a:shade val="50000"/>
+                </a:schemeClr>
+              </a:lnRef>
+              <a:fillRef idx="1">
+                <a:schemeClr val="accent1"/>
+              </a:fillRef>
+              <a:effectRef idx="0">
+                <a:schemeClr val="accent1"/>
+              </a:effectRef>
+              <a:fontRef idx="minor">
+                <a:schemeClr val="lt1"/>
+              </a:fontRef>
+            </p:style>
+            <p:txBody>
+              <a:bodyPr rtlCol="0" anchor="ctr"/>
+              <a:lstStyle/>
+              <a:p>
+                <a:pPr algn="ctr"/>
+                <a:endParaRPr lang="en-GB" sz="2800">
+                  <a:latin typeface="cmss12" panose="020B0500000000000000" pitchFamily="34" charset="0"/>
+                </a:endParaRPr>
+              </a:p>
+            </p:txBody>
+          </p:sp>
+        </p:grpSp>
+        <p:sp>
+          <p:nvSpPr>
+            <p:cNvPr id="57" name="TextBox 56"/>
+            <p:cNvSpPr txBox="1"/>
+            <p:nvPr/>
+          </p:nvSpPr>
+          <p:spPr>
+            <a:xfrm rot="5400000">
+              <a:off x="3491326" y="1189629"/>
+              <a:ext cx="336865" cy="523220"/>
+            </a:xfrm>
+            <a:prstGeom prst="rect">
+              <a:avLst/>
+            </a:prstGeom>
+            <a:noFill/>
+          </p:spPr>
+          <p:txBody>
+            <a:bodyPr wrap="square" rtlCol="0">
+              <a:spAutoFit/>
+            </a:bodyPr>
+            <a:lstStyle/>
+            <a:p>
+              <a:r>
+                <a:rPr lang="en-GB" sz="2800" dirty="0">
+                  <a:latin typeface="cmss12" panose="020B0500000000000000" pitchFamily="34" charset="0"/>
+                </a:rPr>
+                <a:t>…</a:t>
+              </a:r>
+            </a:p>
+          </p:txBody>
+        </p:sp>
+      </p:grpSp>
+      <p:grpSp>
+        <p:nvGrpSpPr>
+          <p:cNvPr id="10" name="Group 9"/>
+          <p:cNvGrpSpPr/>
+          <p:nvPr/>
+        </p:nvGrpSpPr>
+        <p:grpSpPr>
+          <a:xfrm>
+            <a:off x="2914998" y="1763688"/>
+            <a:ext cx="1746494" cy="912877"/>
+            <a:chOff x="2977855" y="1806079"/>
+            <a:chExt cx="1746494" cy="912877"/>
+          </a:xfrm>
+        </p:grpSpPr>
+        <p:sp>
+          <p:nvSpPr>
+            <p:cNvPr id="61" name="TextBox 60"/>
+            <p:cNvSpPr txBox="1"/>
+            <p:nvPr/>
+          </p:nvSpPr>
+          <p:spPr>
+            <a:xfrm>
+              <a:off x="3176368" y="2195736"/>
+              <a:ext cx="1233287" cy="523220"/>
+            </a:xfrm>
+            <a:prstGeom prst="rect">
+              <a:avLst/>
+            </a:prstGeom>
+            <a:noFill/>
+          </p:spPr>
+          <p:txBody>
+            <a:bodyPr wrap="square" rtlCol="0">
+              <a:spAutoFit/>
+            </a:bodyPr>
+            <a:lstStyle/>
+            <a:p>
+              <a:r>
+                <a:rPr lang="en-GB" sz="2800" i="1" dirty="0">
+                  <a:latin typeface="cmss12" panose="020B0500000000000000" pitchFamily="34" charset="0"/>
+                  <a:cs typeface="Times New Roman" panose="02020603050405020304" pitchFamily="18" charset="0"/>
+                </a:rPr>
+                <a:t>1</a:t>
+              </a:r>
+              <a:endParaRPr lang="en-GB" sz="2800" i="1" baseline="-25000" dirty="0">
+                <a:latin typeface="cmss12" panose="020B0500000000000000" pitchFamily="34" charset="0"/>
+                <a:cs typeface="Times New Roman" panose="02020603050405020304" pitchFamily="18" charset="0"/>
+              </a:endParaRPr>
+            </a:p>
+          </p:txBody>
+        </p:sp>
+        <p:sp>
+          <p:nvSpPr>
+            <p:cNvPr id="62" name="TextBox 61"/>
+            <p:cNvSpPr txBox="1"/>
+            <p:nvPr/>
+          </p:nvSpPr>
+          <p:spPr>
+            <a:xfrm>
+              <a:off x="3491062" y="1806079"/>
+              <a:ext cx="1233287" cy="523220"/>
+            </a:xfrm>
+            <a:prstGeom prst="rect">
+              <a:avLst/>
+            </a:prstGeom>
+            <a:noFill/>
+          </p:spPr>
+          <p:txBody>
+            <a:bodyPr wrap="square" rtlCol="0">
+              <a:spAutoFit/>
+            </a:bodyPr>
+            <a:lstStyle/>
+            <a:p>
+              <a:r>
+                <a:rPr lang="en-GB" sz="2800" i="1" dirty="0">
+                  <a:latin typeface="cmss12" panose="020B0500000000000000" pitchFamily="34" charset="0"/>
+                  <a:cs typeface="Times New Roman" panose="02020603050405020304" pitchFamily="18" charset="0"/>
+                </a:rPr>
+                <a:t> c</a:t>
+              </a:r>
+              <a:endParaRPr lang="en-GB" sz="2800" i="1" baseline="-25000" dirty="0">
+                <a:latin typeface="cmss12" panose="020B0500000000000000" pitchFamily="34" charset="0"/>
+                <a:cs typeface="Times New Roman" panose="02020603050405020304" pitchFamily="18" charset="0"/>
+              </a:endParaRPr>
+            </a:p>
+          </p:txBody>
+        </p:sp>
+        <p:sp>
+          <p:nvSpPr>
+            <p:cNvPr id="63" name="TextBox 62"/>
+            <p:cNvSpPr txBox="1"/>
+            <p:nvPr/>
+          </p:nvSpPr>
+          <p:spPr>
+            <a:xfrm>
+              <a:off x="2977855" y="1848558"/>
+              <a:ext cx="1233287" cy="523220"/>
+            </a:xfrm>
+            <a:prstGeom prst="rect">
+              <a:avLst/>
+            </a:prstGeom>
+            <a:noFill/>
+          </p:spPr>
+          <p:txBody>
+            <a:bodyPr wrap="square" rtlCol="0">
+              <a:spAutoFit/>
+            </a:bodyPr>
+            <a:lstStyle/>
+            <a:p>
+              <a:r>
+                <a:rPr lang="en-GB" sz="2800" i="1" dirty="0">
+                  <a:latin typeface="cmss12" panose="020B0500000000000000" pitchFamily="34" charset="0"/>
+                  <a:cs typeface="Times New Roman" panose="02020603050405020304" pitchFamily="18" charset="0"/>
+                </a:rPr>
+                <a:t>1</a:t>
+              </a:r>
+              <a:endParaRPr lang="en-GB" sz="2800" i="1" baseline="-25000" dirty="0">
+                <a:latin typeface="cmss12" panose="020B0500000000000000" pitchFamily="34" charset="0"/>
+                <a:cs typeface="Times New Roman" panose="02020603050405020304" pitchFamily="18" charset="0"/>
+              </a:endParaRPr>
+            </a:p>
+          </p:txBody>
+        </p:sp>
+      </p:grpSp>
+      <p:grpSp>
+        <p:nvGrpSpPr>
+          <p:cNvPr id="65" name="Group 64"/>
+          <p:cNvGrpSpPr/>
+          <p:nvPr/>
+        </p:nvGrpSpPr>
+        <p:grpSpPr>
+          <a:xfrm>
+            <a:off x="2824688" y="3707904"/>
+            <a:ext cx="1890510" cy="912789"/>
+            <a:chOff x="2978374" y="1848558"/>
+            <a:chExt cx="1890510" cy="912789"/>
+          </a:xfrm>
+        </p:grpSpPr>
+        <p:sp>
+          <p:nvSpPr>
+            <p:cNvPr id="66" name="TextBox 65"/>
+            <p:cNvSpPr txBox="1"/>
+            <p:nvPr/>
+          </p:nvSpPr>
+          <p:spPr>
+            <a:xfrm>
+              <a:off x="3176368" y="2238127"/>
+              <a:ext cx="1233287" cy="523220"/>
+            </a:xfrm>
+            <a:prstGeom prst="rect">
+              <a:avLst/>
+            </a:prstGeom>
+            <a:noFill/>
+          </p:spPr>
+          <p:txBody>
+            <a:bodyPr wrap="square" rtlCol="0">
+              <a:spAutoFit/>
+            </a:bodyPr>
+            <a:lstStyle/>
+            <a:p>
+              <a:r>
+                <a:rPr lang="en-GB" sz="2800" i="1" dirty="0">
+                  <a:latin typeface="cmss12" panose="020B0500000000000000" pitchFamily="34" charset="0"/>
+                  <a:cs typeface="Times New Roman" panose="02020603050405020304" pitchFamily="18" charset="0"/>
+                </a:rPr>
+                <a:t>3</a:t>
+              </a:r>
+              <a:endParaRPr lang="en-GB" sz="2800" i="1" baseline="-25000" dirty="0">
+                <a:latin typeface="cmss12" panose="020B0500000000000000" pitchFamily="34" charset="0"/>
+                <a:cs typeface="Times New Roman" panose="02020603050405020304" pitchFamily="18" charset="0"/>
+              </a:endParaRPr>
+            </a:p>
+          </p:txBody>
+        </p:sp>
+        <p:sp>
+          <p:nvSpPr>
+            <p:cNvPr id="67" name="TextBox 66"/>
+            <p:cNvSpPr txBox="1"/>
+            <p:nvPr/>
+          </p:nvSpPr>
+          <p:spPr>
+            <a:xfrm>
+              <a:off x="3635597" y="1858749"/>
+              <a:ext cx="1233287" cy="523220"/>
+            </a:xfrm>
+            <a:prstGeom prst="rect">
+              <a:avLst/>
+            </a:prstGeom>
+            <a:noFill/>
+          </p:spPr>
+          <p:txBody>
+            <a:bodyPr wrap="square" rtlCol="0">
+              <a:spAutoFit/>
+            </a:bodyPr>
+            <a:lstStyle/>
+            <a:p>
+              <a:r>
+                <a:rPr lang="en-GB" sz="2800" i="1" dirty="0">
+                  <a:latin typeface="cmss12" panose="020B0500000000000000" pitchFamily="34" charset="0"/>
+                  <a:cs typeface="Times New Roman" panose="02020603050405020304" pitchFamily="18" charset="0"/>
+                </a:rPr>
+                <a:t> c</a:t>
+              </a:r>
+              <a:endParaRPr lang="en-GB" sz="2800" i="1" baseline="-25000" dirty="0">
+                <a:latin typeface="cmss12" panose="020B0500000000000000" pitchFamily="34" charset="0"/>
+                <a:cs typeface="Times New Roman" panose="02020603050405020304" pitchFamily="18" charset="0"/>
+              </a:endParaRPr>
+            </a:p>
+          </p:txBody>
+        </p:sp>
+        <p:sp>
+          <p:nvSpPr>
+            <p:cNvPr id="68" name="TextBox 67"/>
+            <p:cNvSpPr txBox="1"/>
+            <p:nvPr/>
+          </p:nvSpPr>
+          <p:spPr>
+            <a:xfrm>
+              <a:off x="2978374" y="1848558"/>
+              <a:ext cx="1233287" cy="523220"/>
+            </a:xfrm>
+            <a:prstGeom prst="rect">
+              <a:avLst/>
+            </a:prstGeom>
+            <a:noFill/>
+          </p:spPr>
+          <p:txBody>
+            <a:bodyPr wrap="square" rtlCol="0">
+              <a:spAutoFit/>
+            </a:bodyPr>
+            <a:lstStyle/>
+            <a:p>
+              <a:r>
+                <a:rPr lang="en-GB" sz="2800" i="1" dirty="0">
+                  <a:latin typeface="cmss12" panose="020B0500000000000000" pitchFamily="34" charset="0"/>
+                  <a:cs typeface="Times New Roman" panose="02020603050405020304" pitchFamily="18" charset="0"/>
+                </a:rPr>
+                <a:t>3</a:t>
+              </a:r>
+              <a:endParaRPr lang="en-GB" sz="2800" i="1" baseline="-25000" dirty="0">
+                <a:latin typeface="cmss12" panose="020B0500000000000000" pitchFamily="34" charset="0"/>
+                <a:cs typeface="Times New Roman" panose="02020603050405020304" pitchFamily="18" charset="0"/>
+              </a:endParaRPr>
+            </a:p>
+          </p:txBody>
+        </p:sp>
+      </p:grpSp>
+      <p:sp>
+        <p:nvSpPr>
+          <p:cNvPr id="71" name="TextBox 70"/>
+          <p:cNvSpPr txBox="1"/>
+          <p:nvPr/>
+        </p:nvSpPr>
+        <p:spPr>
+          <a:xfrm>
+            <a:off x="3563070" y="5608966"/>
+            <a:ext cx="1233287" cy="523220"/>
+          </a:xfrm>
+          <a:prstGeom prst="rect">
+            <a:avLst/>
+          </a:prstGeom>
+          <a:noFill/>
+        </p:spPr>
+        <p:txBody>
+          <a:bodyPr wrap="square" rtlCol="0">
+            <a:spAutoFit/>
+          </a:bodyPr>
+          <a:lstStyle/>
+          <a:p>
+            <a:r>
+              <a:rPr lang="en-GB" sz="2800" i="1" dirty="0">
+                <a:latin typeface="cmss12" panose="020B0500000000000000" pitchFamily="34" charset="0"/>
+                <a:cs typeface="Times New Roman" panose="02020603050405020304" pitchFamily="18" charset="0"/>
+              </a:rPr>
+              <a:t> c</a:t>
+            </a:r>
+            <a:endParaRPr lang="en-GB" sz="2800" i="1" baseline="-25000" dirty="0">
+              <a:latin typeface="cmss12" panose="020B0500000000000000" pitchFamily="34" charset="0"/>
+              <a:cs typeface="Times New Roman" panose="02020603050405020304" pitchFamily="18" charset="0"/>
+            </a:endParaRPr>
+          </a:p>
+        </p:txBody>
+      </p:sp>
+      <p:grpSp>
+        <p:nvGrpSpPr>
+          <p:cNvPr id="2" name="Group 1">
+            <a:extLst>
+              <a:ext uri="{FF2B5EF4-FFF2-40B4-BE49-F238E27FC236}">
+                <a16:creationId xmlns:a16="http://schemas.microsoft.com/office/drawing/2014/main" id="{32B95EDB-71A3-48F1-960A-3BD6602359E3}"/>
+              </a:ext>
+            </a:extLst>
+          </p:cNvPr>
+          <p:cNvGrpSpPr/>
+          <p:nvPr/>
+        </p:nvGrpSpPr>
+        <p:grpSpPr>
+          <a:xfrm>
+            <a:off x="2770982" y="5574510"/>
+            <a:ext cx="1386454" cy="888862"/>
+            <a:chOff x="2833839" y="5574510"/>
+            <a:chExt cx="1386454" cy="888862"/>
+          </a:xfrm>
+        </p:grpSpPr>
+        <p:sp>
+          <p:nvSpPr>
+            <p:cNvPr id="70" name="TextBox 69"/>
+            <p:cNvSpPr txBox="1"/>
+            <p:nvPr/>
+          </p:nvSpPr>
+          <p:spPr>
+            <a:xfrm>
+              <a:off x="2987006" y="5940152"/>
+              <a:ext cx="1233287" cy="523220"/>
+            </a:xfrm>
+            <a:prstGeom prst="rect">
+              <a:avLst/>
+            </a:prstGeom>
+            <a:noFill/>
+          </p:spPr>
+          <p:txBody>
+            <a:bodyPr wrap="square" rtlCol="0">
+              <a:spAutoFit/>
+            </a:bodyPr>
+            <a:lstStyle/>
+            <a:p>
+              <a:r>
+                <a:rPr lang="en-GB" sz="2800" i="1" dirty="0">
+                  <a:latin typeface="cmss12" panose="020B0500000000000000" pitchFamily="34" charset="0"/>
+                  <a:cs typeface="Times New Roman" panose="02020603050405020304" pitchFamily="18" charset="0"/>
+                </a:rPr>
+                <a:t>5</a:t>
+              </a:r>
+              <a:endParaRPr lang="en-GB" sz="2800" i="1" baseline="-25000" dirty="0">
+                <a:latin typeface="cmss12" panose="020B0500000000000000" pitchFamily="34" charset="0"/>
+                <a:cs typeface="Times New Roman" panose="02020603050405020304" pitchFamily="18" charset="0"/>
+              </a:endParaRPr>
+            </a:p>
+          </p:txBody>
+        </p:sp>
+        <p:sp>
+          <p:nvSpPr>
+            <p:cNvPr id="72" name="TextBox 71"/>
+            <p:cNvSpPr txBox="1"/>
+            <p:nvPr/>
+          </p:nvSpPr>
+          <p:spPr>
+            <a:xfrm>
+              <a:off x="2833839" y="5574510"/>
+              <a:ext cx="1233287" cy="523220"/>
+            </a:xfrm>
+            <a:prstGeom prst="rect">
+              <a:avLst/>
+            </a:prstGeom>
+            <a:noFill/>
+          </p:spPr>
+          <p:txBody>
+            <a:bodyPr wrap="square" rtlCol="0">
+              <a:spAutoFit/>
+            </a:bodyPr>
+            <a:lstStyle/>
+            <a:p>
+              <a:r>
+                <a:rPr lang="en-GB" sz="2800" i="1" dirty="0">
+                  <a:latin typeface="cmss12" panose="020B0500000000000000" pitchFamily="34" charset="0"/>
+                  <a:cs typeface="Times New Roman" panose="02020603050405020304" pitchFamily="18" charset="0"/>
+                </a:rPr>
+                <a:t>5</a:t>
+              </a:r>
+              <a:endParaRPr lang="en-GB" sz="2800" i="1" baseline="-25000" dirty="0">
+                <a:latin typeface="cmss12" panose="020B0500000000000000" pitchFamily="34" charset="0"/>
+                <a:cs typeface="Times New Roman" panose="02020603050405020304" pitchFamily="18" charset="0"/>
+              </a:endParaRPr>
+            </a:p>
+          </p:txBody>
+        </p:sp>
+      </p:grpSp>
+      <p:sp>
+        <p:nvSpPr>
+          <p:cNvPr id="73" name="TextBox 72"/>
+          <p:cNvSpPr txBox="1"/>
+          <p:nvPr/>
+        </p:nvSpPr>
+        <p:spPr>
+          <a:xfrm>
+            <a:off x="2780133" y="8394026"/>
+            <a:ext cx="1233287" cy="523220"/>
+          </a:xfrm>
+          <a:prstGeom prst="rect">
+            <a:avLst/>
+          </a:prstGeom>
+          <a:noFill/>
+        </p:spPr>
+        <p:txBody>
+          <a:bodyPr wrap="square" rtlCol="0">
+            <a:spAutoFit/>
+          </a:bodyPr>
+          <a:lstStyle/>
+          <a:p>
+            <a:r>
+              <a:rPr lang="en-GB" sz="2800" i="1" dirty="0">
+                <a:latin typeface="cmss12" panose="020B0500000000000000" pitchFamily="34" charset="0"/>
+                <a:cs typeface="Times New Roman" panose="02020603050405020304" pitchFamily="18" charset="0"/>
+              </a:rPr>
+              <a:t>7</a:t>
+            </a:r>
+            <a:endParaRPr lang="en-GB" sz="2800" i="1" baseline="-25000" dirty="0">
+              <a:latin typeface="cmss12" panose="020B0500000000000000" pitchFamily="34" charset="0"/>
+              <a:cs typeface="Times New Roman" panose="02020603050405020304" pitchFamily="18" charset="0"/>
+            </a:endParaRPr>
+          </a:p>
+        </p:txBody>
+      </p:sp>
+      <p:sp>
+        <p:nvSpPr>
+          <p:cNvPr id="74" name="TextBox 73"/>
+          <p:cNvSpPr txBox="1"/>
+          <p:nvPr/>
+        </p:nvSpPr>
+        <p:spPr>
+          <a:xfrm>
+            <a:off x="3635078" y="8097202"/>
+            <a:ext cx="1233287" cy="523220"/>
+          </a:xfrm>
+          <a:prstGeom prst="rect">
+            <a:avLst/>
+          </a:prstGeom>
+          <a:noFill/>
+        </p:spPr>
+        <p:txBody>
+          <a:bodyPr wrap="square" rtlCol="0">
+            <a:spAutoFit/>
+          </a:bodyPr>
+          <a:lstStyle/>
+          <a:p>
+            <a:r>
+              <a:rPr lang="en-GB" sz="2800" i="1" dirty="0">
+                <a:latin typeface="cmss12" panose="020B0500000000000000" pitchFamily="34" charset="0"/>
+                <a:cs typeface="Times New Roman" panose="02020603050405020304" pitchFamily="18" charset="0"/>
+              </a:rPr>
+              <a:t> c</a:t>
+            </a:r>
+            <a:endParaRPr lang="en-GB" sz="2800" i="1" baseline="-25000" dirty="0">
+              <a:latin typeface="cmss12" panose="020B0500000000000000" pitchFamily="34" charset="0"/>
+              <a:cs typeface="Times New Roman" panose="02020603050405020304" pitchFamily="18" charset="0"/>
+            </a:endParaRPr>
+          </a:p>
+        </p:txBody>
+      </p:sp>
+      <p:sp>
+        <p:nvSpPr>
+          <p:cNvPr id="75" name="TextBox 74"/>
+          <p:cNvSpPr txBox="1"/>
+          <p:nvPr/>
+        </p:nvSpPr>
+        <p:spPr>
+          <a:xfrm>
+            <a:off x="2626966" y="8028384"/>
+            <a:ext cx="1233287" cy="523220"/>
+          </a:xfrm>
+          <a:prstGeom prst="rect">
+            <a:avLst/>
+          </a:prstGeom>
+          <a:noFill/>
+        </p:spPr>
+        <p:txBody>
+          <a:bodyPr wrap="square" rtlCol="0">
+            <a:spAutoFit/>
+          </a:bodyPr>
+          <a:lstStyle/>
+          <a:p>
+            <a:r>
+              <a:rPr lang="en-GB" sz="2800" i="1" dirty="0">
+                <a:latin typeface="cmss12" panose="020B0500000000000000" pitchFamily="34" charset="0"/>
+                <a:cs typeface="Times New Roman" panose="02020603050405020304" pitchFamily="18" charset="0"/>
+              </a:rPr>
+              <a:t>7</a:t>
+            </a:r>
+            <a:endParaRPr lang="en-GB" sz="2800" i="1" baseline="-25000" dirty="0">
+              <a:latin typeface="cmss12" panose="020B0500000000000000" pitchFamily="34" charset="0"/>
+              <a:cs typeface="Times New Roman" panose="02020603050405020304" pitchFamily="18" charset="0"/>
+            </a:endParaRPr>
+          </a:p>
+        </p:txBody>
+      </p:sp>
+    </p:spTree>
+    <p:extLst>
+      <p:ext uri="{BB962C8B-B14F-4D97-AF65-F5344CB8AC3E}">
+        <p14:creationId xmlns:p14="http://schemas.microsoft.com/office/powerpoint/2010/main" val="983584528"/>
       </p:ext>
     </p:extLst>
   </p:cSld>
@@ -10276,7 +12655,7 @@
         <a:srgbClr val="E7E6E6"/>
       </a:lt2>
       <a:accent1>
-        <a:srgbClr val="5B9BD5"/>
+        <a:srgbClr val="4472C4"/>
       </a:accent1>
       <a:accent2>
         <a:srgbClr val="ED7D31"/>
@@ -10288,7 +12667,7 @@
         <a:srgbClr val="FFC000"/>
       </a:accent4>
       <a:accent5>
-        <a:srgbClr val="4472C4"/>
+        <a:srgbClr val="5B9BD5"/>
       </a:accent5>
       <a:accent6>
         <a:srgbClr val="70AD47"/>
@@ -10305,9 +12684,9 @@
         <a:latin typeface="Calibri Light" panose="020F0302020204030204"/>
         <a:ea typeface=""/>
         <a:cs typeface=""/>
-        <a:font script="Jpan" typeface="ＭＳ Ｐゴシック"/>
+        <a:font script="Jpan" typeface="游ゴシック Light"/>
         <a:font script="Hang" typeface="맑은 고딕"/>
-        <a:font script="Hans" typeface="宋体"/>
+        <a:font script="Hans" typeface="等线 Light"/>
         <a:font script="Hant" typeface="新細明體"/>
         <a:font script="Arab" typeface="Times New Roman"/>
         <a:font script="Hebr" typeface="Times New Roman"/>
@@ -10340,9 +12719,9 @@
         <a:latin typeface="Calibri" panose="020F0502020204030204"/>
         <a:ea typeface=""/>
         <a:cs typeface=""/>
-        <a:font script="Jpan" typeface="ＭＳ Ｐゴシック"/>
+        <a:font script="Jpan" typeface="游ゴシック"/>
         <a:font script="Hang" typeface="맑은 고딕"/>
-        <a:font script="Hans" typeface="宋体"/>
+        <a:font script="Hans" typeface="等线"/>
         <a:font script="Hant" typeface="新細明體"/>
         <a:font script="Arab" typeface="Arial"/>
         <a:font script="Hebr" typeface="Arial"/>
